--- a/CalculationDomain/ErasmusHogeSchool/EmptyPowerPoint.pptx
+++ b/CalculationDomain/ErasmusHogeSchool/EmptyPowerPoint.pptx
@@ -2358,7 +2358,7 @@
           <a:p>
             <a:fld id="{55ACFCA9-EE0F-409A-A8C3-56F056561412}" type="datetimeFigureOut">
               <a:rPr lang="nl-BE" smtClean="0"/>
-              <a:t>4/01/2020</a:t>
+              <a:t>22/01/2020</a:t>
             </a:fld>
             <a:endParaRPr lang="nl-BE"/>
           </a:p>
@@ -3983,7 +3983,7 @@
           <a:p>
             <a:fld id="{4E928996-A761-48F5-904A-3D23874764CB}" type="datetimeFigureOut">
               <a:rPr lang="nl-BE" smtClean="0"/>
-              <a:t>4/01/2020</a:t>
+              <a:t>22/01/2020</a:t>
             </a:fld>
             <a:endParaRPr lang="nl-BE"/>
           </a:p>
@@ -4153,7 +4153,7 @@
           <a:p>
             <a:fld id="{4E928996-A761-48F5-904A-3D23874764CB}" type="datetimeFigureOut">
               <a:rPr lang="nl-BE" smtClean="0"/>
-              <a:t>4/01/2020</a:t>
+              <a:t>22/01/2020</a:t>
             </a:fld>
             <a:endParaRPr lang="nl-BE"/>
           </a:p>
@@ -4333,7 +4333,7 @@
           <a:p>
             <a:fld id="{4E928996-A761-48F5-904A-3D23874764CB}" type="datetimeFigureOut">
               <a:rPr lang="nl-BE" smtClean="0"/>
-              <a:t>4/01/2020</a:t>
+              <a:t>22/01/2020</a:t>
             </a:fld>
             <a:endParaRPr lang="nl-BE"/>
           </a:p>
@@ -5490,7 +5490,7 @@
                 </a:solidFill>
               </a:rPr>
               <a:pPr/>
-              <a:t>4/01/2020</a:t>
+              <a:t>22/01/2020</a:t>
             </a:fld>
             <a:endParaRPr lang="nl-BE">
               <a:solidFill>
@@ -5693,7 +5693,7 @@
           <a:p>
             <a:fld id="{4E928996-A761-48F5-904A-3D23874764CB}" type="datetimeFigureOut">
               <a:rPr lang="nl-BE" smtClean="0"/>
-              <a:t>4/01/2020</a:t>
+              <a:t>22/01/2020</a:t>
             </a:fld>
             <a:endParaRPr lang="nl-BE"/>
           </a:p>
@@ -5939,7 +5939,7 @@
           <a:p>
             <a:fld id="{4E928996-A761-48F5-904A-3D23874764CB}" type="datetimeFigureOut">
               <a:rPr lang="nl-BE" smtClean="0"/>
-              <a:t>4/01/2020</a:t>
+              <a:t>22/01/2020</a:t>
             </a:fld>
             <a:endParaRPr lang="nl-BE"/>
           </a:p>
@@ -6227,7 +6227,7 @@
           <a:p>
             <a:fld id="{4E928996-A761-48F5-904A-3D23874764CB}" type="datetimeFigureOut">
               <a:rPr lang="nl-BE" smtClean="0"/>
-              <a:t>4/01/2020</a:t>
+              <a:t>22/01/2020</a:t>
             </a:fld>
             <a:endParaRPr lang="nl-BE"/>
           </a:p>
@@ -6649,7 +6649,7 @@
           <a:p>
             <a:fld id="{4E928996-A761-48F5-904A-3D23874764CB}" type="datetimeFigureOut">
               <a:rPr lang="nl-BE" smtClean="0"/>
-              <a:t>4/01/2020</a:t>
+              <a:t>22/01/2020</a:t>
             </a:fld>
             <a:endParaRPr lang="nl-BE"/>
           </a:p>
@@ -6767,7 +6767,7 @@
           <a:p>
             <a:fld id="{4E928996-A761-48F5-904A-3D23874764CB}" type="datetimeFigureOut">
               <a:rPr lang="nl-BE" smtClean="0"/>
-              <a:t>4/01/2020</a:t>
+              <a:t>22/01/2020</a:t>
             </a:fld>
             <a:endParaRPr lang="nl-BE"/>
           </a:p>
@@ -6862,7 +6862,7 @@
           <a:p>
             <a:fld id="{4E928996-A761-48F5-904A-3D23874764CB}" type="datetimeFigureOut">
               <a:rPr lang="nl-BE" smtClean="0"/>
-              <a:t>4/01/2020</a:t>
+              <a:t>22/01/2020</a:t>
             </a:fld>
             <a:endParaRPr lang="nl-BE"/>
           </a:p>
@@ -7139,7 +7139,7 @@
           <a:p>
             <a:fld id="{4E928996-A761-48F5-904A-3D23874764CB}" type="datetimeFigureOut">
               <a:rPr lang="nl-BE" smtClean="0"/>
-              <a:t>4/01/2020</a:t>
+              <a:t>22/01/2020</a:t>
             </a:fld>
             <a:endParaRPr lang="nl-BE"/>
           </a:p>
@@ -7392,7 +7392,7 @@
           <a:p>
             <a:fld id="{4E928996-A761-48F5-904A-3D23874764CB}" type="datetimeFigureOut">
               <a:rPr lang="nl-BE" smtClean="0"/>
-              <a:t>4/01/2020</a:t>
+              <a:t>22/01/2020</a:t>
             </a:fld>
             <a:endParaRPr lang="nl-BE"/>
           </a:p>
@@ -7605,7 +7605,7 @@
           <a:p>
             <a:fld id="{4E928996-A761-48F5-904A-3D23874764CB}" type="datetimeFigureOut">
               <a:rPr lang="nl-BE" smtClean="0"/>
-              <a:t>4/01/2020</a:t>
+              <a:t>22/01/2020</a:t>
             </a:fld>
             <a:endParaRPr lang="nl-BE"/>
           </a:p>
@@ -8491,14 +8491,14 @@
           <p:nvPr>
             <p:extLst>
               <p:ext uri="{D42A27DB-BD31-4B8C-83A1-F6EECF244321}">
-                <p14:modId xmlns:p14="http://schemas.microsoft.com/office/powerpoint/2010/main" val="4049476735"/>
+                <p14:modId xmlns:p14="http://schemas.microsoft.com/office/powerpoint/2010/main" val="1386632046"/>
               </p:ext>
             </p:extLst>
           </p:nvPr>
         </p:nvGraphicFramePr>
         <p:xfrm>
           <a:off x="251520" y="2065611"/>
-          <a:ext cx="7566215" cy="2893928"/>
+          <a:ext cx="8064894" cy="2893928"/>
         </p:xfrm>
         <a:graphic>
           <a:graphicData uri="http://schemas.openxmlformats.org/drawingml/2006/table">
@@ -8507,63 +8507,42 @@
                 <a:tableStyleId>{5C22544A-7EE6-4342-B048-85BDC9FD1C3A}</a:tableStyleId>
               </a:tblPr>
               <a:tblGrid>
-                <a:gridCol w="1499535">
+                <a:gridCol w="2258174">
                   <a:extLst>
                     <a:ext uri="{9D8B030D-6E8A-4147-A177-3AD203B41FA5}">
                       <a16:colId xmlns:a16="http://schemas.microsoft.com/office/drawing/2014/main" val="20000"/>
                     </a:ext>
                   </a:extLst>
                 </a:gridCol>
-                <a:gridCol w="719776">
-                  <a:extLst>
-                    <a:ext uri="{9D8B030D-6E8A-4147-A177-3AD203B41FA5}">
-                      <a16:colId xmlns:a16="http://schemas.microsoft.com/office/drawing/2014/main" val="20002"/>
-                    </a:ext>
-                  </a:extLst>
-                </a:gridCol>
-                <a:gridCol w="719776">
-                  <a:extLst>
-                    <a:ext uri="{9D8B030D-6E8A-4147-A177-3AD203B41FA5}">
-                      <a16:colId xmlns:a16="http://schemas.microsoft.com/office/drawing/2014/main" val="20003"/>
-                    </a:ext>
-                  </a:extLst>
-                </a:gridCol>
-                <a:gridCol w="771188">
-                  <a:extLst>
-                    <a:ext uri="{9D8B030D-6E8A-4147-A177-3AD203B41FA5}">
-                      <a16:colId xmlns:a16="http://schemas.microsoft.com/office/drawing/2014/main" val="20004"/>
-                    </a:ext>
-                  </a:extLst>
-                </a:gridCol>
-                <a:gridCol w="771188">
+                <a:gridCol w="1161344">
                   <a:extLst>
                     <a:ext uri="{9D8B030D-6E8A-4147-A177-3AD203B41FA5}">
                       <a16:colId xmlns:a16="http://schemas.microsoft.com/office/drawing/2014/main" val="20005"/>
                     </a:ext>
                   </a:extLst>
                 </a:gridCol>
-                <a:gridCol w="771188">
+                <a:gridCol w="1161344">
                   <a:extLst>
                     <a:ext uri="{9D8B030D-6E8A-4147-A177-3AD203B41FA5}">
                       <a16:colId xmlns:a16="http://schemas.microsoft.com/office/drawing/2014/main" val="355948944"/>
                     </a:ext>
                   </a:extLst>
                 </a:gridCol>
-                <a:gridCol w="771188">
+                <a:gridCol w="1161344">
                   <a:extLst>
                     <a:ext uri="{9D8B030D-6E8A-4147-A177-3AD203B41FA5}">
                       <a16:colId xmlns:a16="http://schemas.microsoft.com/office/drawing/2014/main" val="2643465452"/>
                     </a:ext>
                   </a:extLst>
                 </a:gridCol>
-                <a:gridCol w="771188">
+                <a:gridCol w="1161344">
                   <a:extLst>
                     <a:ext uri="{9D8B030D-6E8A-4147-A177-3AD203B41FA5}">
                       <a16:colId xmlns:a16="http://schemas.microsoft.com/office/drawing/2014/main" val="1459165320"/>
                     </a:ext>
                   </a:extLst>
                 </a:gridCol>
-                <a:gridCol w="771188">
+                <a:gridCol w="1161344">
                   <a:extLst>
                     <a:ext uri="{9D8B030D-6E8A-4147-A177-3AD203B41FA5}">
                       <a16:colId xmlns:a16="http://schemas.microsoft.com/office/drawing/2014/main" val="1407466810"/>
@@ -8633,36 +8612,6 @@
                       <a:endParaRPr lang="nl-BE" dirty="0"/>
                     </a:p>
                   </a:txBody>
-                  <a:tcPr/>
-                </a:tc>
-                <a:tc>
-                  <a:txBody>
-                    <a:bodyPr/>
-                    <a:lstStyle/>
-                    <a:p>
-                      <a:endParaRPr lang="nl-BE" dirty="0"/>
-                    </a:p>
-                  </a:txBody>
-                  <a:tcPr/>
-                </a:tc>
-                <a:tc>
-                  <a:txBody>
-                    <a:bodyPr/>
-                    <a:lstStyle/>
-                    <a:p>
-                      <a:endParaRPr lang="nl-BE" dirty="0"/>
-                    </a:p>
-                  </a:txBody>
-                  <a:tcPr/>
-                </a:tc>
-                <a:tc>
-                  <a:txBody>
-                    <a:bodyPr/>
-                    <a:lstStyle/>
-                    <a:p>
-                      <a:endParaRPr lang="nl-BE" dirty="0"/>
-                    </a:p>
-                  </a:txBody>
                   <a:tcPr>
                     <a:solidFill>
                       <a:srgbClr val="92D050"/>
@@ -8762,51 +8711,6 @@
                       </a:endParaRPr>
                     </a:p>
                   </a:txBody>
-                  <a:tcPr/>
-                </a:tc>
-                <a:tc>
-                  <a:txBody>
-                    <a:bodyPr/>
-                    <a:lstStyle/>
-                    <a:p>
-                      <a:pPr algn="ctr"/>
-                      <a:endParaRPr lang="nl-BE" dirty="0">
-                        <a:solidFill>
-                          <a:schemeClr val="tx1"/>
-                        </a:solidFill>
-                      </a:endParaRPr>
-                    </a:p>
-                  </a:txBody>
-                  <a:tcPr/>
-                </a:tc>
-                <a:tc>
-                  <a:txBody>
-                    <a:bodyPr/>
-                    <a:lstStyle/>
-                    <a:p>
-                      <a:pPr algn="ctr"/>
-                      <a:endParaRPr lang="nl-BE" dirty="0">
-                        <a:solidFill>
-                          <a:schemeClr val="tx1"/>
-                        </a:solidFill>
-                      </a:endParaRPr>
-                    </a:p>
-                  </a:txBody>
-                  <a:tcPr/>
-                </a:tc>
-                <a:tc>
-                  <a:txBody>
-                    <a:bodyPr/>
-                    <a:lstStyle/>
-                    <a:p>
-                      <a:pPr algn="ctr"/>
-                      <a:endParaRPr lang="nl-BE" dirty="0">
-                        <a:solidFill>
-                          <a:schemeClr val="tx1"/>
-                        </a:solidFill>
-                      </a:endParaRPr>
-                    </a:p>
-                  </a:txBody>
                   <a:tcPr>
                     <a:solidFill>
                       <a:srgbClr val="92D050"/>
@@ -8921,60 +8825,6 @@
                       </a:endParaRPr>
                     </a:p>
                   </a:txBody>
-                  <a:tcPr/>
-                </a:tc>
-                <a:tc>
-                  <a:txBody>
-                    <a:bodyPr/>
-                    <a:lstStyle/>
-                    <a:p>
-                      <a:pPr algn="ctr"/>
-                      <a:endParaRPr lang="nl-BE" sz="1800" kern="1200" dirty="0">
-                        <a:solidFill>
-                          <a:schemeClr val="tx1"/>
-                        </a:solidFill>
-                        <a:latin typeface="+mn-lt"/>
-                        <a:ea typeface="+mn-ea"/>
-                        <a:cs typeface="+mn-cs"/>
-                      </a:endParaRPr>
-                    </a:p>
-                  </a:txBody>
-                  <a:tcPr/>
-                </a:tc>
-                <a:tc>
-                  <a:txBody>
-                    <a:bodyPr/>
-                    <a:lstStyle/>
-                    <a:p>
-                      <a:pPr algn="ctr"/>
-                      <a:endParaRPr lang="nl-BE" sz="1800" kern="1200" dirty="0">
-                        <a:solidFill>
-                          <a:schemeClr val="tx1"/>
-                        </a:solidFill>
-                        <a:latin typeface="+mn-lt"/>
-                        <a:ea typeface="+mn-ea"/>
-                        <a:cs typeface="+mn-cs"/>
-                      </a:endParaRPr>
-                    </a:p>
-                  </a:txBody>
-                  <a:tcPr/>
-                </a:tc>
-                <a:tc>
-                  <a:txBody>
-                    <a:bodyPr/>
-                    <a:lstStyle/>
-                    <a:p>
-                      <a:pPr algn="ctr"/>
-                      <a:endParaRPr lang="nl-BE" sz="1800" kern="1200" dirty="0">
-                        <a:solidFill>
-                          <a:schemeClr val="tx1"/>
-                        </a:solidFill>
-                        <a:latin typeface="+mn-lt"/>
-                        <a:ea typeface="+mn-ea"/>
-                        <a:cs typeface="+mn-cs"/>
-                      </a:endParaRPr>
-                    </a:p>
-                  </a:txBody>
                   <a:tcPr>
                     <a:solidFill>
                       <a:srgbClr val="92D050"/>
@@ -9074,51 +8924,6 @@
                       </a:endParaRPr>
                     </a:p>
                   </a:txBody>
-                  <a:tcPr/>
-                </a:tc>
-                <a:tc>
-                  <a:txBody>
-                    <a:bodyPr/>
-                    <a:lstStyle/>
-                    <a:p>
-                      <a:pPr algn="ctr"/>
-                      <a:endParaRPr lang="nl-BE" dirty="0">
-                        <a:solidFill>
-                          <a:schemeClr val="tx1"/>
-                        </a:solidFill>
-                      </a:endParaRPr>
-                    </a:p>
-                  </a:txBody>
-                  <a:tcPr/>
-                </a:tc>
-                <a:tc>
-                  <a:txBody>
-                    <a:bodyPr/>
-                    <a:lstStyle/>
-                    <a:p>
-                      <a:pPr algn="ctr"/>
-                      <a:endParaRPr lang="nl-BE" dirty="0">
-                        <a:solidFill>
-                          <a:schemeClr val="tx1"/>
-                        </a:solidFill>
-                      </a:endParaRPr>
-                    </a:p>
-                  </a:txBody>
-                  <a:tcPr/>
-                </a:tc>
-                <a:tc>
-                  <a:txBody>
-                    <a:bodyPr/>
-                    <a:lstStyle/>
-                    <a:p>
-                      <a:pPr algn="ctr"/>
-                      <a:endParaRPr lang="nl-BE" dirty="0">
-                        <a:solidFill>
-                          <a:schemeClr val="tx1"/>
-                        </a:solidFill>
-                      </a:endParaRPr>
-                    </a:p>
-                  </a:txBody>
                   <a:tcPr>
                     <a:solidFill>
                       <a:srgbClr val="92D050"/>
@@ -9141,51 +8946,6 @@
                         <a:rPr lang="nl-BE" dirty="0"/>
                         <a:t>KSO</a:t>
                       </a:r>
-                    </a:p>
-                  </a:txBody>
-                  <a:tcPr/>
-                </a:tc>
-                <a:tc>
-                  <a:txBody>
-                    <a:bodyPr/>
-                    <a:lstStyle/>
-                    <a:p>
-                      <a:pPr algn="ctr"/>
-                      <a:endParaRPr lang="nl-BE" dirty="0">
-                        <a:solidFill>
-                          <a:schemeClr val="tx1"/>
-                        </a:solidFill>
-                      </a:endParaRPr>
-                    </a:p>
-                  </a:txBody>
-                  <a:tcPr/>
-                </a:tc>
-                <a:tc>
-                  <a:txBody>
-                    <a:bodyPr/>
-                    <a:lstStyle/>
-                    <a:p>
-                      <a:pPr algn="ctr"/>
-                      <a:endParaRPr lang="nl-BE" dirty="0">
-                        <a:solidFill>
-                          <a:schemeClr val="tx1"/>
-                        </a:solidFill>
-                      </a:endParaRPr>
-                    </a:p>
-                  </a:txBody>
-                  <a:tcPr/>
-                </a:tc>
-                <a:tc>
-                  <a:txBody>
-                    <a:bodyPr/>
-                    <a:lstStyle/>
-                    <a:p>
-                      <a:pPr algn="ctr"/>
-                      <a:endParaRPr lang="nl-BE" dirty="0">
-                        <a:solidFill>
-                          <a:schemeClr val="tx1"/>
-                        </a:solidFill>
-                      </a:endParaRPr>
                     </a:p>
                   </a:txBody>
                   <a:tcPr/>
@@ -9293,51 +9053,6 @@
                         <a:rPr lang="nl-BE" dirty="0"/>
                         <a:t>een info</a:t>
                       </a:r>
-                    </a:p>
-                  </a:txBody>
-                  <a:tcPr/>
-                </a:tc>
-                <a:tc>
-                  <a:txBody>
-                    <a:bodyPr/>
-                    <a:lstStyle/>
-                    <a:p>
-                      <a:pPr algn="ctr"/>
-                      <a:endParaRPr lang="nl-BE" dirty="0">
-                        <a:solidFill>
-                          <a:schemeClr val="tx1"/>
-                        </a:solidFill>
-                      </a:endParaRPr>
-                    </a:p>
-                  </a:txBody>
-                  <a:tcPr/>
-                </a:tc>
-                <a:tc>
-                  <a:txBody>
-                    <a:bodyPr/>
-                    <a:lstStyle/>
-                    <a:p>
-                      <a:pPr algn="ctr"/>
-                      <a:endParaRPr lang="nl-BE" dirty="0">
-                        <a:solidFill>
-                          <a:schemeClr val="tx1"/>
-                        </a:solidFill>
-                      </a:endParaRPr>
-                    </a:p>
-                  </a:txBody>
-                  <a:tcPr/>
-                </a:tc>
-                <a:tc>
-                  <a:txBody>
-                    <a:bodyPr/>
-                    <a:lstStyle/>
-                    <a:p>
-                      <a:pPr algn="ctr"/>
-                      <a:endParaRPr lang="nl-BE" dirty="0">
-                        <a:solidFill>
-                          <a:schemeClr val="tx1"/>
-                        </a:solidFill>
-                      </a:endParaRPr>
                     </a:p>
                   </a:txBody>
                   <a:tcPr/>
@@ -9978,168 +9693,6 @@
           <a:chExt cx="0" cy="0"/>
         </a:xfrm>
       </p:grpSpPr>
-      <p:sp>
-        <p:nvSpPr>
-          <p:cNvPr id="162822" name="Text Box 8"/>
-          <p:cNvSpPr txBox="1">
-            <a:spLocks noChangeArrowheads="1"/>
-          </p:cNvSpPr>
-          <p:nvPr/>
-        </p:nvSpPr>
-        <p:spPr bwMode="auto">
-          <a:xfrm>
-            <a:off x="4744505" y="5093847"/>
-            <a:ext cx="3384550" cy="366712"/>
-          </a:xfrm>
-          <a:prstGeom prst="rect">
-            <a:avLst/>
-          </a:prstGeom>
-          <a:noFill/>
-          <a:ln>
-            <a:noFill/>
-          </a:ln>
-          <a:effectLst/>
-          <a:extLst>
-            <a:ext uri="{909E8E84-426E-40DD-AFC4-6F175D3DCCD1}">
-              <a14:hiddenFill xmlns:a14="http://schemas.microsoft.com/office/drawing/2010/main">
-                <a:solidFill>
-                  <a:schemeClr val="accent1"/>
-                </a:solidFill>
-              </a14:hiddenFill>
-            </a:ext>
-            <a:ext uri="{91240B29-F687-4F45-9708-019B960494DF}">
-              <a14:hiddenLine xmlns:a14="http://schemas.microsoft.com/office/drawing/2010/main" w="9525">
-                <a:solidFill>
-                  <a:schemeClr val="tx1"/>
-                </a:solidFill>
-                <a:miter lim="800000"/>
-                <a:headEnd/>
-                <a:tailEnd/>
-              </a14:hiddenLine>
-            </a:ext>
-            <a:ext uri="{AF507438-7753-43E0-B8FC-AC1667EBCBE1}">
-              <a14:hiddenEffects xmlns:a14="http://schemas.microsoft.com/office/drawing/2010/main">
-                <a:effectLst>
-                  <a:outerShdw dist="35921" dir="2700000" algn="ctr" rotWithShape="0">
-                    <a:schemeClr val="bg2"/>
-                  </a:outerShdw>
-                </a:effectLst>
-              </a14:hiddenEffects>
-            </a:ext>
-          </a:extLst>
-        </p:spPr>
-        <p:txBody>
-          <a:bodyPr>
-            <a:spAutoFit/>
-          </a:bodyPr>
-          <a:lstStyle>
-            <a:lvl1pPr eaLnBrk="0" hangingPunct="0">
-              <a:defRPr>
-                <a:solidFill>
-                  <a:schemeClr val="tx1"/>
-                </a:solidFill>
-                <a:latin typeface="Arial" charset="0"/>
-              </a:defRPr>
-            </a:lvl1pPr>
-            <a:lvl2pPr marL="742950" indent="-285750" eaLnBrk="0" hangingPunct="0">
-              <a:defRPr>
-                <a:solidFill>
-                  <a:schemeClr val="tx1"/>
-                </a:solidFill>
-                <a:latin typeface="Arial" charset="0"/>
-              </a:defRPr>
-            </a:lvl2pPr>
-            <a:lvl3pPr marL="1143000" indent="-228600" eaLnBrk="0" hangingPunct="0">
-              <a:defRPr>
-                <a:solidFill>
-                  <a:schemeClr val="tx1"/>
-                </a:solidFill>
-                <a:latin typeface="Arial" charset="0"/>
-              </a:defRPr>
-            </a:lvl3pPr>
-            <a:lvl4pPr marL="1600200" indent="-228600" eaLnBrk="0" hangingPunct="0">
-              <a:defRPr>
-                <a:solidFill>
-                  <a:schemeClr val="tx1"/>
-                </a:solidFill>
-                <a:latin typeface="Arial" charset="0"/>
-              </a:defRPr>
-            </a:lvl4pPr>
-            <a:lvl5pPr marL="2057400" indent="-228600" eaLnBrk="0" hangingPunct="0">
-              <a:defRPr>
-                <a:solidFill>
-                  <a:schemeClr val="tx1"/>
-                </a:solidFill>
-                <a:latin typeface="Arial" charset="0"/>
-              </a:defRPr>
-            </a:lvl5pPr>
-            <a:lvl6pPr marL="2514600" indent="-228600" eaLnBrk="0" fontAlgn="base" hangingPunct="0">
-              <a:spcBef>
-                <a:spcPct val="0"/>
-              </a:spcBef>
-              <a:spcAft>
-                <a:spcPct val="0"/>
-              </a:spcAft>
-              <a:defRPr>
-                <a:solidFill>
-                  <a:schemeClr val="tx1"/>
-                </a:solidFill>
-                <a:latin typeface="Arial" charset="0"/>
-              </a:defRPr>
-            </a:lvl6pPr>
-            <a:lvl7pPr marL="2971800" indent="-228600" eaLnBrk="0" fontAlgn="base" hangingPunct="0">
-              <a:spcBef>
-                <a:spcPct val="0"/>
-              </a:spcBef>
-              <a:spcAft>
-                <a:spcPct val="0"/>
-              </a:spcAft>
-              <a:defRPr>
-                <a:solidFill>
-                  <a:schemeClr val="tx1"/>
-                </a:solidFill>
-                <a:latin typeface="Arial" charset="0"/>
-              </a:defRPr>
-            </a:lvl7pPr>
-            <a:lvl8pPr marL="3429000" indent="-228600" eaLnBrk="0" fontAlgn="base" hangingPunct="0">
-              <a:spcBef>
-                <a:spcPct val="0"/>
-              </a:spcBef>
-              <a:spcAft>
-                <a:spcPct val="0"/>
-              </a:spcAft>
-              <a:defRPr>
-                <a:solidFill>
-                  <a:schemeClr val="tx1"/>
-                </a:solidFill>
-                <a:latin typeface="Arial" charset="0"/>
-              </a:defRPr>
-            </a:lvl8pPr>
-            <a:lvl9pPr marL="3886200" indent="-228600" eaLnBrk="0" fontAlgn="base" hangingPunct="0">
-              <a:spcBef>
-                <a:spcPct val="0"/>
-              </a:spcBef>
-              <a:spcAft>
-                <a:spcPct val="0"/>
-              </a:spcAft>
-              <a:defRPr>
-                <a:solidFill>
-                  <a:schemeClr val="tx1"/>
-                </a:solidFill>
-                <a:latin typeface="Arial" charset="0"/>
-              </a:defRPr>
-            </a:lvl9pPr>
-          </a:lstStyle>
-          <a:p>
-            <a:pPr eaLnBrk="1" hangingPunct="1">
-              <a:spcBef>
-                <a:spcPct val="50000"/>
-              </a:spcBef>
-            </a:pPr>
-            <a:endParaRPr lang="nl-BE"/>
-          </a:p>
-        </p:txBody>
-      </p:sp>
       <p:graphicFrame>
         <p:nvGraphicFramePr>
           <p:cNvPr id="2" name="Tabel 1"/>
@@ -10149,14 +9702,14 @@
           <p:nvPr>
             <p:extLst>
               <p:ext uri="{D42A27DB-BD31-4B8C-83A1-F6EECF244321}">
-                <p14:modId xmlns:p14="http://schemas.microsoft.com/office/powerpoint/2010/main" val="91203827"/>
+                <p14:modId xmlns:p14="http://schemas.microsoft.com/office/powerpoint/2010/main" val="150571693"/>
               </p:ext>
             </p:extLst>
           </p:nvPr>
         </p:nvGraphicFramePr>
         <p:xfrm>
-          <a:off x="133817" y="4230422"/>
-          <a:ext cx="4297353" cy="2011680"/>
+          <a:off x="157479" y="4126045"/>
+          <a:ext cx="5525449" cy="2011680"/>
         </p:xfrm>
         <a:graphic>
           <a:graphicData uri="http://schemas.openxmlformats.org/drawingml/2006/table">
@@ -10165,31 +9718,45 @@
                 <a:tableStyleId>{5C22544A-7EE6-4342-B048-85BDC9FD1C3A}</a:tableStyleId>
               </a:tblPr>
               <a:tblGrid>
-                <a:gridCol w="1266480">
+                <a:gridCol w="1107619">
                   <a:extLst>
                     <a:ext uri="{9D8B030D-6E8A-4147-A177-3AD203B41FA5}">
                       <a16:colId xmlns:a16="http://schemas.microsoft.com/office/drawing/2014/main" val="20000"/>
                     </a:ext>
                   </a:extLst>
                 </a:gridCol>
-                <a:gridCol w="1010291">
+                <a:gridCol w="883566">
                   <a:extLst>
                     <a:ext uri="{9D8B030D-6E8A-4147-A177-3AD203B41FA5}">
                       <a16:colId xmlns:a16="http://schemas.microsoft.com/office/drawing/2014/main" val="704123152"/>
                     </a:ext>
                   </a:extLst>
                 </a:gridCol>
-                <a:gridCol w="1010291">
+                <a:gridCol w="883566">
                   <a:extLst>
                     <a:ext uri="{9D8B030D-6E8A-4147-A177-3AD203B41FA5}">
                       <a16:colId xmlns:a16="http://schemas.microsoft.com/office/drawing/2014/main" val="3370480986"/>
                     </a:ext>
                   </a:extLst>
                 </a:gridCol>
-                <a:gridCol w="1010291">
+                <a:gridCol w="883566">
                   <a:extLst>
                     <a:ext uri="{9D8B030D-6E8A-4147-A177-3AD203B41FA5}">
                       <a16:colId xmlns:a16="http://schemas.microsoft.com/office/drawing/2014/main" val="1622719347"/>
+                    </a:ext>
+                  </a:extLst>
+                </a:gridCol>
+                <a:gridCol w="883566">
+                  <a:extLst>
+                    <a:ext uri="{9D8B030D-6E8A-4147-A177-3AD203B41FA5}">
+                      <a16:colId xmlns:a16="http://schemas.microsoft.com/office/drawing/2014/main" val="2871820729"/>
+                    </a:ext>
+                  </a:extLst>
+                </a:gridCol>
+                <a:gridCol w="883566">
+                  <a:extLst>
+                    <a:ext uri="{9D8B030D-6E8A-4147-A177-3AD203B41FA5}">
+                      <a16:colId xmlns:a16="http://schemas.microsoft.com/office/drawing/2014/main" val="3188822285"/>
                     </a:ext>
                   </a:extLst>
                 </a:gridCol>
@@ -10247,6 +9814,26 @@
                   </a:txBody>
                   <a:tcPr/>
                 </a:tc>
+                <a:tc>
+                  <a:txBody>
+                    <a:bodyPr/>
+                    <a:lstStyle/>
+                    <a:p>
+                      <a:endParaRPr lang="nl-BE" dirty="0"/>
+                    </a:p>
+                  </a:txBody>
+                  <a:tcPr/>
+                </a:tc>
+                <a:tc>
+                  <a:txBody>
+                    <a:bodyPr/>
+                    <a:lstStyle/>
+                    <a:p>
+                      <a:endParaRPr lang="nl-BE" dirty="0"/>
+                    </a:p>
+                  </a:txBody>
+                  <a:tcPr/>
+                </a:tc>
                 <a:extLst>
                   <a:ext uri="{0D108BD9-81ED-4DB2-BD59-A6C34878D82A}">
                     <a16:rowId xmlns:a16="http://schemas.microsoft.com/office/drawing/2014/main" val="10000"/>
@@ -10268,6 +9855,34 @@
                         <a:t>stp</a:t>
                       </a:r>
                       <a:endParaRPr lang="nl-BE" b="1" dirty="0"/>
+                    </a:p>
+                  </a:txBody>
+                  <a:tcPr/>
+                </a:tc>
+                <a:tc>
+                  <a:txBody>
+                    <a:bodyPr/>
+                    <a:lstStyle/>
+                    <a:p>
+                      <a:endParaRPr lang="nl-BE" b="0" dirty="0">
+                        <a:solidFill>
+                          <a:schemeClr val="tx1"/>
+                        </a:solidFill>
+                      </a:endParaRPr>
+                    </a:p>
+                  </a:txBody>
+                  <a:tcPr/>
+                </a:tc>
+                <a:tc>
+                  <a:txBody>
+                    <a:bodyPr/>
+                    <a:lstStyle/>
+                    <a:p>
+                      <a:endParaRPr lang="nl-BE" b="0" dirty="0">
+                        <a:solidFill>
+                          <a:schemeClr val="tx1"/>
+                        </a:solidFill>
+                      </a:endParaRPr>
                     </a:p>
                   </a:txBody>
                   <a:tcPr/>
@@ -10385,6 +10000,34 @@
                   </a:txBody>
                   <a:tcPr/>
                 </a:tc>
+                <a:tc>
+                  <a:txBody>
+                    <a:bodyPr/>
+                    <a:lstStyle/>
+                    <a:p>
+                      <a:endParaRPr lang="nl-BE" b="0" dirty="0">
+                        <a:solidFill>
+                          <a:schemeClr val="tx1"/>
+                        </a:solidFill>
+                      </a:endParaRPr>
+                    </a:p>
+                  </a:txBody>
+                  <a:tcPr/>
+                </a:tc>
+                <a:tc>
+                  <a:txBody>
+                    <a:bodyPr/>
+                    <a:lstStyle/>
+                    <a:p>
+                      <a:endParaRPr lang="nl-BE" b="0" dirty="0">
+                        <a:solidFill>
+                          <a:schemeClr val="tx1"/>
+                        </a:solidFill>
+                      </a:endParaRPr>
+                    </a:p>
+                  </a:txBody>
+                  <a:tcPr/>
+                </a:tc>
                 <a:extLst>
                   <a:ext uri="{0D108BD9-81ED-4DB2-BD59-A6C34878D82A}">
                     <a16:rowId xmlns:a16="http://schemas.microsoft.com/office/drawing/2014/main" val="10002"/>
@@ -10410,6 +10053,34 @@
                         <a:t>stp</a:t>
                       </a:r>
                       <a:endParaRPr lang="nl-BE" b="1" dirty="0"/>
+                    </a:p>
+                  </a:txBody>
+                  <a:tcPr/>
+                </a:tc>
+                <a:tc>
+                  <a:txBody>
+                    <a:bodyPr/>
+                    <a:lstStyle/>
+                    <a:p>
+                      <a:endParaRPr lang="nl-BE" b="0" dirty="0">
+                        <a:solidFill>
+                          <a:schemeClr val="tx1"/>
+                        </a:solidFill>
+                      </a:endParaRPr>
+                    </a:p>
+                  </a:txBody>
+                  <a:tcPr/>
+                </a:tc>
+                <a:tc>
+                  <a:txBody>
+                    <a:bodyPr/>
+                    <a:lstStyle/>
+                    <a:p>
+                      <a:endParaRPr lang="nl-BE" b="0" dirty="0">
+                        <a:solidFill>
+                          <a:schemeClr val="tx1"/>
+                        </a:solidFill>
+                      </a:endParaRPr>
                     </a:p>
                   </a:txBody>
                   <a:tcPr/>
@@ -10474,7 +10145,7 @@
         </p:nvSpPr>
         <p:spPr>
           <a:xfrm>
-            <a:off x="2013939" y="4907871"/>
+            <a:off x="2045016" y="4888998"/>
             <a:ext cx="583778" cy="369332"/>
           </a:xfrm>
           <a:prstGeom prst="rect">
@@ -10509,7 +10180,7 @@
         </p:nvSpPr>
         <p:spPr>
           <a:xfrm>
-            <a:off x="1904186" y="4838930"/>
+            <a:off x="1935263" y="4820057"/>
             <a:ext cx="192544" cy="823327"/>
           </a:xfrm>
           <a:prstGeom prst="rightBrace">
@@ -10652,7 +10323,7 @@
         </p:nvSpPr>
         <p:spPr>
           <a:xfrm>
-            <a:off x="4163750" y="4920167"/>
+            <a:off x="3812513" y="4831453"/>
             <a:ext cx="96272" cy="807612"/>
           </a:xfrm>
           <a:prstGeom prst="rightBrace">
@@ -10697,7 +10368,7 @@
         </p:nvSpPr>
         <p:spPr>
           <a:xfrm>
-            <a:off x="4278794" y="4947219"/>
+            <a:off x="3924146" y="4888998"/>
             <a:ext cx="583778" cy="369332"/>
           </a:xfrm>
           <a:prstGeom prst="rect">
@@ -10760,7 +10431,7 @@
         </p:nvSpPr>
         <p:spPr>
           <a:xfrm>
-            <a:off x="3022828" y="4972865"/>
+            <a:off x="3063507" y="4888998"/>
             <a:ext cx="583778" cy="369332"/>
           </a:xfrm>
           <a:prstGeom prst="rect">
@@ -10795,7 +10466,7 @@
         </p:nvSpPr>
         <p:spPr>
           <a:xfrm>
-            <a:off x="2920204" y="4846787"/>
+            <a:off x="2951281" y="4827914"/>
             <a:ext cx="96272" cy="807612"/>
           </a:xfrm>
           <a:prstGeom prst="rightBrace">
@@ -10847,14 +10518,14 @@
           <p:nvPr>
             <p:extLst>
               <p:ext uri="{D42A27DB-BD31-4B8C-83A1-F6EECF244321}">
-                <p14:modId xmlns:p14="http://schemas.microsoft.com/office/powerpoint/2010/main" val="1785339564"/>
+                <p14:modId xmlns:p14="http://schemas.microsoft.com/office/powerpoint/2010/main" val="2986051406"/>
               </p:ext>
             </p:extLst>
           </p:nvPr>
         </p:nvGraphicFramePr>
         <p:xfrm>
-          <a:off x="3606606" y="1297253"/>
-          <a:ext cx="5299092" cy="2651760"/>
+          <a:off x="2968340" y="1315646"/>
+          <a:ext cx="5773856" cy="2651760"/>
         </p:xfrm>
         <a:graphic>
           <a:graphicData uri="http://schemas.openxmlformats.org/drawingml/2006/table">
@@ -10863,38 +10534,45 @@
                 <a:tableStyleId>{5C22544A-7EE6-4342-B048-85BDC9FD1C3A}</a:tableStyleId>
               </a:tblPr>
               <a:tblGrid>
-                <a:gridCol w="1264440">
+                <a:gridCol w="1157416">
                   <a:extLst>
                     <a:ext uri="{9D8B030D-6E8A-4147-A177-3AD203B41FA5}">
                       <a16:colId xmlns:a16="http://schemas.microsoft.com/office/drawing/2014/main" val="3576470488"/>
                     </a:ext>
                   </a:extLst>
                 </a:gridCol>
-                <a:gridCol w="1008663">
+                <a:gridCol w="923288">
                   <a:extLst>
                     <a:ext uri="{9D8B030D-6E8A-4147-A177-3AD203B41FA5}">
                       <a16:colId xmlns:a16="http://schemas.microsoft.com/office/drawing/2014/main" val="3284963869"/>
                     </a:ext>
                   </a:extLst>
                 </a:gridCol>
-                <a:gridCol w="1008663">
+                <a:gridCol w="871624">
                   <a:extLst>
                     <a:ext uri="{9D8B030D-6E8A-4147-A177-3AD203B41FA5}">
                       <a16:colId xmlns:a16="http://schemas.microsoft.com/office/drawing/2014/main" val="2644034967"/>
                     </a:ext>
                   </a:extLst>
                 </a:gridCol>
-                <a:gridCol w="1008663">
+                <a:gridCol w="974952">
                   <a:extLst>
                     <a:ext uri="{9D8B030D-6E8A-4147-A177-3AD203B41FA5}">
                       <a16:colId xmlns:a16="http://schemas.microsoft.com/office/drawing/2014/main" val="2517428030"/>
                     </a:ext>
                   </a:extLst>
                 </a:gridCol>
-                <a:gridCol w="1008663">
+                <a:gridCol w="923288">
                   <a:extLst>
                     <a:ext uri="{9D8B030D-6E8A-4147-A177-3AD203B41FA5}">
                       <a16:colId xmlns:a16="http://schemas.microsoft.com/office/drawing/2014/main" val="4109070192"/>
+                    </a:ext>
+                  </a:extLst>
+                </a:gridCol>
+                <a:gridCol w="923288">
+                  <a:extLst>
+                    <a:ext uri="{9D8B030D-6E8A-4147-A177-3AD203B41FA5}">
+                      <a16:colId xmlns:a16="http://schemas.microsoft.com/office/drawing/2014/main" val="924539431"/>
                     </a:ext>
                   </a:extLst>
                 </a:gridCol>
@@ -10965,6 +10643,16 @@
                   </a:txBody>
                   <a:tcPr/>
                 </a:tc>
+                <a:tc>
+                  <a:txBody>
+                    <a:bodyPr/>
+                    <a:lstStyle/>
+                    <a:p>
+                      <a:endParaRPr lang="nl-BE" dirty="0"/>
+                    </a:p>
+                  </a:txBody>
+                  <a:tcPr/>
+                </a:tc>
                 <a:extLst>
                   <a:ext uri="{0D108BD9-81ED-4DB2-BD59-A6C34878D82A}">
                     <a16:rowId xmlns:a16="http://schemas.microsoft.com/office/drawing/2014/main" val="3115592393"/>
@@ -10986,6 +10674,20 @@
                         <a:t>stp</a:t>
                       </a:r>
                       <a:endParaRPr lang="nl-BE" b="1" dirty="0"/>
+                    </a:p>
+                  </a:txBody>
+                  <a:tcPr/>
+                </a:tc>
+                <a:tc>
+                  <a:txBody>
+                    <a:bodyPr/>
+                    <a:lstStyle/>
+                    <a:p>
+                      <a:endParaRPr lang="nl-BE" b="0" dirty="0">
+                        <a:solidFill>
+                          <a:schemeClr val="tx1"/>
+                        </a:solidFill>
+                      </a:endParaRPr>
                     </a:p>
                   </a:txBody>
                   <a:tcPr/>
@@ -11131,6 +10833,20 @@
                   </a:txBody>
                   <a:tcPr/>
                 </a:tc>
+                <a:tc>
+                  <a:txBody>
+                    <a:bodyPr/>
+                    <a:lstStyle/>
+                    <a:p>
+                      <a:endParaRPr lang="nl-BE" b="0" dirty="0">
+                        <a:solidFill>
+                          <a:schemeClr val="tx1"/>
+                        </a:solidFill>
+                      </a:endParaRPr>
+                    </a:p>
+                  </a:txBody>
+                  <a:tcPr/>
+                </a:tc>
                 <a:extLst>
                   <a:ext uri="{0D108BD9-81ED-4DB2-BD59-A6C34878D82A}">
                     <a16:rowId xmlns:a16="http://schemas.microsoft.com/office/drawing/2014/main" val="2617891617"/>
@@ -11216,6 +10932,20 @@
                   </a:txBody>
                   <a:tcPr/>
                 </a:tc>
+                <a:tc>
+                  <a:txBody>
+                    <a:bodyPr/>
+                    <a:lstStyle/>
+                    <a:p>
+                      <a:endParaRPr lang="nl-BE" b="0" dirty="0">
+                        <a:solidFill>
+                          <a:schemeClr val="tx1"/>
+                        </a:solidFill>
+                      </a:endParaRPr>
+                    </a:p>
+                  </a:txBody>
+                  <a:tcPr/>
+                </a:tc>
                 <a:extLst>
                   <a:ext uri="{0D108BD9-81ED-4DB2-BD59-A6C34878D82A}">
                     <a16:rowId xmlns:a16="http://schemas.microsoft.com/office/drawing/2014/main" val="2004314202"/>
@@ -11232,6 +10962,20 @@
                         <a:rPr lang="nl-BE" b="1" dirty="0"/>
                         <a:t>Drop-out</a:t>
                       </a:r>
+                    </a:p>
+                  </a:txBody>
+                  <a:tcPr/>
+                </a:tc>
+                <a:tc>
+                  <a:txBody>
+                    <a:bodyPr/>
+                    <a:lstStyle/>
+                    <a:p>
+                      <a:endParaRPr lang="nl-BE" b="0" dirty="0">
+                        <a:solidFill>
+                          <a:schemeClr val="tx1"/>
+                        </a:solidFill>
+                      </a:endParaRPr>
                     </a:p>
                   </a:txBody>
                   <a:tcPr/>
@@ -11310,7 +11054,7 @@
         </p:nvSpPr>
         <p:spPr>
           <a:xfrm>
-            <a:off x="7309082" y="2257437"/>
+            <a:off x="6704267" y="2308862"/>
             <a:ext cx="96272" cy="807612"/>
           </a:xfrm>
           <a:prstGeom prst="rightBrace">
@@ -11355,7 +11099,7 @@
         </p:nvSpPr>
         <p:spPr>
           <a:xfrm>
-            <a:off x="7372598" y="2364219"/>
+            <a:off x="6767783" y="2415644"/>
             <a:ext cx="583778" cy="369332"/>
           </a:xfrm>
           <a:prstGeom prst="rect">
@@ -11390,7 +11134,7 @@
         </p:nvSpPr>
         <p:spPr>
           <a:xfrm>
-            <a:off x="6264082" y="2243967"/>
+            <a:off x="5659267" y="2295392"/>
             <a:ext cx="96272" cy="807613"/>
           </a:xfrm>
           <a:prstGeom prst="rightBrace">
@@ -11435,7 +11179,7 @@
         </p:nvSpPr>
         <p:spPr>
           <a:xfrm>
-            <a:off x="6307144" y="2346552"/>
+            <a:off x="5702329" y="2397977"/>
             <a:ext cx="583778" cy="369332"/>
           </a:xfrm>
           <a:prstGeom prst="rect">
@@ -11470,7 +11214,7 @@
         </p:nvSpPr>
         <p:spPr>
           <a:xfrm>
-            <a:off x="5262144" y="2257437"/>
+            <a:off x="4845491" y="2304764"/>
             <a:ext cx="96272" cy="807612"/>
           </a:xfrm>
           <a:prstGeom prst="rightBrace">
@@ -11515,8 +11259,376 @@
         </p:nvSpPr>
         <p:spPr>
           <a:xfrm>
-            <a:off x="5287700" y="2373878"/>
+            <a:off x="4875768" y="2423623"/>
             <a:ext cx="683012" cy="369332"/>
+          </a:xfrm>
+          <a:prstGeom prst="rect">
+            <a:avLst/>
+          </a:prstGeom>
+          <a:noFill/>
+        </p:spPr>
+        <p:txBody>
+          <a:bodyPr wrap="square" rtlCol="0">
+            <a:spAutoFit/>
+          </a:bodyPr>
+          <a:lstStyle/>
+          <a:p>
+            <a:r>
+              <a:rPr lang="nl-BE" dirty="0">
+                <a:solidFill>
+                  <a:schemeClr val="accent3">
+                    <a:lumMod val="50000"/>
+                  </a:schemeClr>
+                </a:solidFill>
+              </a:rPr>
+              <a:t>%</a:t>
+            </a:r>
+          </a:p>
+        </p:txBody>
+      </p:sp>
+      <p:sp>
+        <p:nvSpPr>
+          <p:cNvPr id="26" name="Rechteraccolade 15">
+            <a:extLst>
+              <a:ext uri="{FF2B5EF4-FFF2-40B4-BE49-F238E27FC236}">
+                <a16:creationId xmlns:a16="http://schemas.microsoft.com/office/drawing/2014/main" id="{302B9B4A-5CF1-43CC-86CF-E37BA8A0BB10}"/>
+              </a:ext>
+            </a:extLst>
+          </p:cNvPr>
+          <p:cNvSpPr/>
+          <p:nvPr/>
+        </p:nvSpPr>
+        <p:spPr>
+          <a:xfrm>
+            <a:off x="8570418" y="2336113"/>
+            <a:ext cx="96272" cy="807612"/>
+          </a:xfrm>
+          <a:prstGeom prst="rightBrace">
+            <a:avLst/>
+          </a:prstGeom>
+          <a:ln>
+            <a:solidFill>
+              <a:schemeClr val="accent3">
+                <a:lumMod val="50000"/>
+              </a:schemeClr>
+            </a:solidFill>
+          </a:ln>
+        </p:spPr>
+        <p:style>
+          <a:lnRef idx="1">
+            <a:schemeClr val="accent1"/>
+          </a:lnRef>
+          <a:fillRef idx="0">
+            <a:schemeClr val="accent1"/>
+          </a:fillRef>
+          <a:effectRef idx="0">
+            <a:schemeClr val="accent1"/>
+          </a:effectRef>
+          <a:fontRef idx="minor">
+            <a:schemeClr val="tx1"/>
+          </a:fontRef>
+        </p:style>
+        <p:txBody>
+          <a:bodyPr rtlCol="0" anchor="ctr"/>
+          <a:lstStyle/>
+          <a:p>
+            <a:pPr algn="ctr"/>
+            <a:endParaRPr lang="nl-BE"/>
+          </a:p>
+        </p:txBody>
+      </p:sp>
+      <p:sp>
+        <p:nvSpPr>
+          <p:cNvPr id="27" name="Tekstvak 9">
+            <a:extLst>
+              <a:ext uri="{FF2B5EF4-FFF2-40B4-BE49-F238E27FC236}">
+                <a16:creationId xmlns:a16="http://schemas.microsoft.com/office/drawing/2014/main" id="{BBBC78A1-5C78-470C-9AAA-5200CB7FD874}"/>
+              </a:ext>
+            </a:extLst>
+          </p:cNvPr>
+          <p:cNvSpPr txBox="1"/>
+          <p:nvPr/>
+        </p:nvSpPr>
+        <p:spPr>
+          <a:xfrm>
+            <a:off x="8633934" y="2442895"/>
+            <a:ext cx="583778" cy="369332"/>
+          </a:xfrm>
+          <a:prstGeom prst="rect">
+            <a:avLst/>
+          </a:prstGeom>
+          <a:noFill/>
+        </p:spPr>
+        <p:txBody>
+          <a:bodyPr wrap="square" rtlCol="0">
+            <a:spAutoFit/>
+          </a:bodyPr>
+          <a:lstStyle/>
+          <a:p>
+            <a:r>
+              <a:rPr lang="nl-BE" dirty="0">
+                <a:solidFill>
+                  <a:schemeClr val="accent3">
+                    <a:lumMod val="50000"/>
+                  </a:schemeClr>
+                </a:solidFill>
+              </a:rPr>
+              <a:t>%</a:t>
+            </a:r>
+          </a:p>
+        </p:txBody>
+      </p:sp>
+      <p:sp>
+        <p:nvSpPr>
+          <p:cNvPr id="28" name="Rechteraccolade 11">
+            <a:extLst>
+              <a:ext uri="{FF2B5EF4-FFF2-40B4-BE49-F238E27FC236}">
+                <a16:creationId xmlns:a16="http://schemas.microsoft.com/office/drawing/2014/main" id="{D0AB7400-D719-47FC-9C9F-3F0A240FB5AF}"/>
+              </a:ext>
+            </a:extLst>
+          </p:cNvPr>
+          <p:cNvSpPr/>
+          <p:nvPr/>
+        </p:nvSpPr>
+        <p:spPr>
+          <a:xfrm>
+            <a:off x="7525418" y="2322643"/>
+            <a:ext cx="96272" cy="807613"/>
+          </a:xfrm>
+          <a:prstGeom prst="rightBrace">
+            <a:avLst/>
+          </a:prstGeom>
+          <a:ln>
+            <a:solidFill>
+              <a:schemeClr val="accent3">
+                <a:lumMod val="50000"/>
+              </a:schemeClr>
+            </a:solidFill>
+          </a:ln>
+        </p:spPr>
+        <p:style>
+          <a:lnRef idx="1">
+            <a:schemeClr val="accent1"/>
+          </a:lnRef>
+          <a:fillRef idx="0">
+            <a:schemeClr val="accent1"/>
+          </a:fillRef>
+          <a:effectRef idx="0">
+            <a:schemeClr val="accent1"/>
+          </a:effectRef>
+          <a:fontRef idx="minor">
+            <a:schemeClr val="tx1"/>
+          </a:fontRef>
+        </p:style>
+        <p:txBody>
+          <a:bodyPr rtlCol="0" anchor="ctr"/>
+          <a:lstStyle/>
+          <a:p>
+            <a:pPr algn="ctr"/>
+            <a:endParaRPr lang="nl-BE"/>
+          </a:p>
+        </p:txBody>
+      </p:sp>
+      <p:sp>
+        <p:nvSpPr>
+          <p:cNvPr id="29" name="Tekstvak 16">
+            <a:extLst>
+              <a:ext uri="{FF2B5EF4-FFF2-40B4-BE49-F238E27FC236}">
+                <a16:creationId xmlns:a16="http://schemas.microsoft.com/office/drawing/2014/main" id="{4925158B-B401-41F3-855D-6076B34CCFE3}"/>
+              </a:ext>
+            </a:extLst>
+          </p:cNvPr>
+          <p:cNvSpPr txBox="1"/>
+          <p:nvPr/>
+        </p:nvSpPr>
+        <p:spPr>
+          <a:xfrm>
+            <a:off x="7568480" y="2425228"/>
+            <a:ext cx="583778" cy="369332"/>
+          </a:xfrm>
+          <a:prstGeom prst="rect">
+            <a:avLst/>
+          </a:prstGeom>
+          <a:noFill/>
+        </p:spPr>
+        <p:txBody>
+          <a:bodyPr wrap="square" rtlCol="0">
+            <a:spAutoFit/>
+          </a:bodyPr>
+          <a:lstStyle/>
+          <a:p>
+            <a:r>
+              <a:rPr lang="nl-BE" dirty="0">
+                <a:solidFill>
+                  <a:schemeClr val="accent3">
+                    <a:lumMod val="50000"/>
+                  </a:schemeClr>
+                </a:solidFill>
+              </a:rPr>
+              <a:t>%</a:t>
+            </a:r>
+          </a:p>
+        </p:txBody>
+      </p:sp>
+      <p:sp>
+        <p:nvSpPr>
+          <p:cNvPr id="30" name="Rechteraccolade 21">
+            <a:extLst>
+              <a:ext uri="{FF2B5EF4-FFF2-40B4-BE49-F238E27FC236}">
+                <a16:creationId xmlns:a16="http://schemas.microsoft.com/office/drawing/2014/main" id="{A973B28C-6BE0-4C6E-ACEE-1BDCAA59E020}"/>
+              </a:ext>
+            </a:extLst>
+          </p:cNvPr>
+          <p:cNvSpPr/>
+          <p:nvPr/>
+        </p:nvSpPr>
+        <p:spPr>
+          <a:xfrm>
+            <a:off x="4697217" y="4831453"/>
+            <a:ext cx="96272" cy="807612"/>
+          </a:xfrm>
+          <a:prstGeom prst="rightBrace">
+            <a:avLst/>
+          </a:prstGeom>
+          <a:ln>
+            <a:solidFill>
+              <a:schemeClr val="accent3">
+                <a:lumMod val="50000"/>
+              </a:schemeClr>
+            </a:solidFill>
+          </a:ln>
+        </p:spPr>
+        <p:style>
+          <a:lnRef idx="1">
+            <a:schemeClr val="accent1"/>
+          </a:lnRef>
+          <a:fillRef idx="0">
+            <a:schemeClr val="accent1"/>
+          </a:fillRef>
+          <a:effectRef idx="0">
+            <a:schemeClr val="accent1"/>
+          </a:effectRef>
+          <a:fontRef idx="minor">
+            <a:schemeClr val="tx1"/>
+          </a:fontRef>
+        </p:style>
+        <p:txBody>
+          <a:bodyPr rtlCol="0" anchor="ctr"/>
+          <a:lstStyle/>
+          <a:p>
+            <a:pPr algn="ctr"/>
+            <a:endParaRPr lang="nl-BE"/>
+          </a:p>
+        </p:txBody>
+      </p:sp>
+      <p:sp>
+        <p:nvSpPr>
+          <p:cNvPr id="31" name="Tekstvak 22">
+            <a:extLst>
+              <a:ext uri="{FF2B5EF4-FFF2-40B4-BE49-F238E27FC236}">
+                <a16:creationId xmlns:a16="http://schemas.microsoft.com/office/drawing/2014/main" id="{0081357F-011D-4AAF-BC99-15A0C1864F3F}"/>
+              </a:ext>
+            </a:extLst>
+          </p:cNvPr>
+          <p:cNvSpPr txBox="1"/>
+          <p:nvPr/>
+        </p:nvSpPr>
+        <p:spPr>
+          <a:xfrm>
+            <a:off x="4808850" y="4888998"/>
+            <a:ext cx="583778" cy="369332"/>
+          </a:xfrm>
+          <a:prstGeom prst="rect">
+            <a:avLst/>
+          </a:prstGeom>
+          <a:noFill/>
+        </p:spPr>
+        <p:txBody>
+          <a:bodyPr wrap="square" rtlCol="0">
+            <a:spAutoFit/>
+          </a:bodyPr>
+          <a:lstStyle/>
+          <a:p>
+            <a:r>
+              <a:rPr lang="nl-BE" dirty="0">
+                <a:solidFill>
+                  <a:schemeClr val="accent3">
+                    <a:lumMod val="50000"/>
+                  </a:schemeClr>
+                </a:solidFill>
+              </a:rPr>
+              <a:t>%</a:t>
+            </a:r>
+          </a:p>
+        </p:txBody>
+      </p:sp>
+      <p:sp>
+        <p:nvSpPr>
+          <p:cNvPr id="32" name="Rechteraccolade 21">
+            <a:extLst>
+              <a:ext uri="{FF2B5EF4-FFF2-40B4-BE49-F238E27FC236}">
+                <a16:creationId xmlns:a16="http://schemas.microsoft.com/office/drawing/2014/main" id="{A9FEF0B1-3334-4B97-A520-FAB5B3DB83C9}"/>
+              </a:ext>
+            </a:extLst>
+          </p:cNvPr>
+          <p:cNvSpPr/>
+          <p:nvPr/>
+        </p:nvSpPr>
+        <p:spPr>
+          <a:xfrm>
+            <a:off x="5528652" y="4822082"/>
+            <a:ext cx="96272" cy="807612"/>
+          </a:xfrm>
+          <a:prstGeom prst="rightBrace">
+            <a:avLst/>
+          </a:prstGeom>
+          <a:ln>
+            <a:solidFill>
+              <a:schemeClr val="accent3">
+                <a:lumMod val="50000"/>
+              </a:schemeClr>
+            </a:solidFill>
+          </a:ln>
+        </p:spPr>
+        <p:style>
+          <a:lnRef idx="1">
+            <a:schemeClr val="accent1"/>
+          </a:lnRef>
+          <a:fillRef idx="0">
+            <a:schemeClr val="accent1"/>
+          </a:fillRef>
+          <a:effectRef idx="0">
+            <a:schemeClr val="accent1"/>
+          </a:effectRef>
+          <a:fontRef idx="minor">
+            <a:schemeClr val="tx1"/>
+          </a:fontRef>
+        </p:style>
+        <p:txBody>
+          <a:bodyPr rtlCol="0" anchor="ctr"/>
+          <a:lstStyle/>
+          <a:p>
+            <a:pPr algn="ctr"/>
+            <a:endParaRPr lang="nl-BE"/>
+          </a:p>
+        </p:txBody>
+      </p:sp>
+      <p:sp>
+        <p:nvSpPr>
+          <p:cNvPr id="33" name="Tekstvak 22">
+            <a:extLst>
+              <a:ext uri="{FF2B5EF4-FFF2-40B4-BE49-F238E27FC236}">
+                <a16:creationId xmlns:a16="http://schemas.microsoft.com/office/drawing/2014/main" id="{BB3C2326-CD9A-48C2-92B8-0DCDF2A247E7}"/>
+              </a:ext>
+            </a:extLst>
+          </p:cNvPr>
+          <p:cNvSpPr txBox="1"/>
+          <p:nvPr/>
+        </p:nvSpPr>
+        <p:spPr>
+          <a:xfrm>
+            <a:off x="5640285" y="4879627"/>
+            <a:ext cx="583778" cy="369332"/>
           </a:xfrm>
           <a:prstGeom prst="rect">
             <a:avLst/>
@@ -11899,6 +12011,222 @@
                                   </p:childTnLst>
                                 </p:cTn>
                               </p:par>
+                              <p:par>
+                                <p:cTn id="29" presetID="1" presetClass="entr" presetSubtype="0" fill="hold" grpId="0" nodeType="withEffect">
+                                  <p:stCondLst>
+                                    <p:cond delay="0"/>
+                                  </p:stCondLst>
+                                  <p:childTnLst>
+                                    <p:set>
+                                      <p:cBhvr>
+                                        <p:cTn id="30" dur="1" fill="hold">
+                                          <p:stCondLst>
+                                            <p:cond delay="0"/>
+                                          </p:stCondLst>
+                                        </p:cTn>
+                                        <p:tgtEl>
+                                          <p:spTgt spid="27"/>
+                                        </p:tgtEl>
+                                        <p:attrNameLst>
+                                          <p:attrName>style.visibility</p:attrName>
+                                        </p:attrNameLst>
+                                      </p:cBhvr>
+                                      <p:to>
+                                        <p:strVal val="visible"/>
+                                      </p:to>
+                                    </p:set>
+                                  </p:childTnLst>
+                                </p:cTn>
+                              </p:par>
+                              <p:par>
+                                <p:cTn id="31" presetID="1" presetClass="entr" presetSubtype="0" fill="hold" grpId="0" nodeType="withEffect">
+                                  <p:stCondLst>
+                                    <p:cond delay="0"/>
+                                  </p:stCondLst>
+                                  <p:childTnLst>
+                                    <p:set>
+                                      <p:cBhvr>
+                                        <p:cTn id="32" dur="1" fill="hold">
+                                          <p:stCondLst>
+                                            <p:cond delay="0"/>
+                                          </p:stCondLst>
+                                        </p:cTn>
+                                        <p:tgtEl>
+                                          <p:spTgt spid="28"/>
+                                        </p:tgtEl>
+                                        <p:attrNameLst>
+                                          <p:attrName>style.visibility</p:attrName>
+                                        </p:attrNameLst>
+                                      </p:cBhvr>
+                                      <p:to>
+                                        <p:strVal val="visible"/>
+                                      </p:to>
+                                    </p:set>
+                                  </p:childTnLst>
+                                </p:cTn>
+                              </p:par>
+                              <p:par>
+                                <p:cTn id="33" presetID="1" presetClass="entr" presetSubtype="0" fill="hold" grpId="0" nodeType="withEffect">
+                                  <p:stCondLst>
+                                    <p:cond delay="0"/>
+                                  </p:stCondLst>
+                                  <p:childTnLst>
+                                    <p:set>
+                                      <p:cBhvr>
+                                        <p:cTn id="34" dur="1" fill="hold">
+                                          <p:stCondLst>
+                                            <p:cond delay="0"/>
+                                          </p:stCondLst>
+                                        </p:cTn>
+                                        <p:tgtEl>
+                                          <p:spTgt spid="26"/>
+                                        </p:tgtEl>
+                                        <p:attrNameLst>
+                                          <p:attrName>style.visibility</p:attrName>
+                                        </p:attrNameLst>
+                                      </p:cBhvr>
+                                      <p:to>
+                                        <p:strVal val="visible"/>
+                                      </p:to>
+                                    </p:set>
+                                  </p:childTnLst>
+                                </p:cTn>
+                              </p:par>
+                              <p:par>
+                                <p:cTn id="35" presetID="1" presetClass="entr" presetSubtype="0" fill="hold" grpId="0" nodeType="withEffect">
+                                  <p:stCondLst>
+                                    <p:cond delay="0"/>
+                                  </p:stCondLst>
+                                  <p:childTnLst>
+                                    <p:set>
+                                      <p:cBhvr>
+                                        <p:cTn id="36" dur="1" fill="hold">
+                                          <p:stCondLst>
+                                            <p:cond delay="0"/>
+                                          </p:stCondLst>
+                                        </p:cTn>
+                                        <p:tgtEl>
+                                          <p:spTgt spid="29"/>
+                                        </p:tgtEl>
+                                        <p:attrNameLst>
+                                          <p:attrName>style.visibility</p:attrName>
+                                        </p:attrNameLst>
+                                      </p:cBhvr>
+                                      <p:to>
+                                        <p:strVal val="visible"/>
+                                      </p:to>
+                                    </p:set>
+                                  </p:childTnLst>
+                                </p:cTn>
+                              </p:par>
+                              <p:par>
+                                <p:cTn id="37" presetID="1" presetClass="entr" presetSubtype="0" fill="hold" grpId="0" nodeType="withEffect">
+                                  <p:stCondLst>
+                                    <p:cond delay="0"/>
+                                  </p:stCondLst>
+                                  <p:childTnLst>
+                                    <p:set>
+                                      <p:cBhvr>
+                                        <p:cTn id="38" dur="1" fill="hold">
+                                          <p:stCondLst>
+                                            <p:cond delay="0"/>
+                                          </p:stCondLst>
+                                        </p:cTn>
+                                        <p:tgtEl>
+                                          <p:spTgt spid="30"/>
+                                        </p:tgtEl>
+                                        <p:attrNameLst>
+                                          <p:attrName>style.visibility</p:attrName>
+                                        </p:attrNameLst>
+                                      </p:cBhvr>
+                                      <p:to>
+                                        <p:strVal val="visible"/>
+                                      </p:to>
+                                    </p:set>
+                                  </p:childTnLst>
+                                </p:cTn>
+                              </p:par>
+                              <p:par>
+                                <p:cTn id="39" presetID="1" presetClass="entr" presetSubtype="0" fill="hold" grpId="0" nodeType="withEffect">
+                                  <p:stCondLst>
+                                    <p:cond delay="0"/>
+                                  </p:stCondLst>
+                                  <p:childTnLst>
+                                    <p:set>
+                                      <p:cBhvr>
+                                        <p:cTn id="40" dur="1" fill="hold">
+                                          <p:stCondLst>
+                                            <p:cond delay="0"/>
+                                          </p:stCondLst>
+                                        </p:cTn>
+                                        <p:tgtEl>
+                                          <p:spTgt spid="31"/>
+                                        </p:tgtEl>
+                                        <p:attrNameLst>
+                                          <p:attrName>style.visibility</p:attrName>
+                                        </p:attrNameLst>
+                                      </p:cBhvr>
+                                      <p:to>
+                                        <p:strVal val="visible"/>
+                                      </p:to>
+                                    </p:set>
+                                  </p:childTnLst>
+                                </p:cTn>
+                              </p:par>
+                              <p:par>
+                                <p:cTn id="41" presetID="1" presetClass="entr" presetSubtype="0" fill="hold" grpId="0" nodeType="withEffect">
+                                  <p:stCondLst>
+                                    <p:cond delay="0"/>
+                                  </p:stCondLst>
+                                  <p:childTnLst>
+                                    <p:set>
+                                      <p:cBhvr>
+                                        <p:cTn id="42" dur="1" fill="hold">
+                                          <p:stCondLst>
+                                            <p:cond delay="0"/>
+                                          </p:stCondLst>
+                                        </p:cTn>
+                                        <p:tgtEl>
+                                          <p:spTgt spid="32"/>
+                                        </p:tgtEl>
+                                        <p:attrNameLst>
+                                          <p:attrName>style.visibility</p:attrName>
+                                        </p:attrNameLst>
+                                      </p:cBhvr>
+                                      <p:to>
+                                        <p:strVal val="visible"/>
+                                      </p:to>
+                                    </p:set>
+                                  </p:childTnLst>
+                                </p:cTn>
+                              </p:par>
+                              <p:par>
+                                <p:cTn id="43" presetID="1" presetClass="entr" presetSubtype="0" fill="hold" grpId="0" nodeType="withEffect">
+                                  <p:stCondLst>
+                                    <p:cond delay="0"/>
+                                  </p:stCondLst>
+                                  <p:childTnLst>
+                                    <p:set>
+                                      <p:cBhvr>
+                                        <p:cTn id="44" dur="1" fill="hold">
+                                          <p:stCondLst>
+                                            <p:cond delay="0"/>
+                                          </p:stCondLst>
+                                        </p:cTn>
+                                        <p:tgtEl>
+                                          <p:spTgt spid="33"/>
+                                        </p:tgtEl>
+                                        <p:attrNameLst>
+                                          <p:attrName>style.visibility</p:attrName>
+                                        </p:attrNameLst>
+                                      </p:cBhvr>
+                                      <p:to>
+                                        <p:strVal val="visible"/>
+                                      </p:to>
+                                    </p:set>
+                                  </p:childTnLst>
+                                </p:cTn>
+                              </p:par>
                             </p:childTnLst>
                           </p:cTn>
                         </p:par>
@@ -11939,6 +12267,14 @@
       <p:bldP spid="17" grpId="0"/>
       <p:bldP spid="20" grpId="0" animBg="1"/>
       <p:bldP spid="19" grpId="0"/>
+      <p:bldP spid="26" grpId="0" animBg="1"/>
+      <p:bldP spid="27" grpId="0"/>
+      <p:bldP spid="28" grpId="0" animBg="1"/>
+      <p:bldP spid="29" grpId="0"/>
+      <p:bldP spid="30" grpId="0" animBg="1"/>
+      <p:bldP spid="31" grpId="0"/>
+      <p:bldP spid="32" grpId="0" animBg="1"/>
+      <p:bldP spid="33" grpId="0"/>
     </p:bldLst>
   </p:timing>
 </p:sld>
@@ -12164,7 +12500,7 @@
             <a:pPr algn="ctr"/>
             <a:r>
               <a:rPr lang="nl-BE" sz="2400" b="1" dirty="0"/>
-              <a:t>in % van de voltijdse nieuwe studenten met een bepaalde vooropleiding, einde academiejaar ‘18-’19</a:t>
+              <a:t>in % van de voltijdse nieuwe studenten met een bepaalde vooropleiding, einde academiejaar ‘18-’19*</a:t>
             </a:r>
           </a:p>
         </p:txBody>
@@ -13994,14 +14330,14 @@
           <p:nvPr>
             <p:extLst>
               <p:ext uri="{D42A27DB-BD31-4B8C-83A1-F6EECF244321}">
-                <p14:modId xmlns:p14="http://schemas.microsoft.com/office/powerpoint/2010/main" val="109673860"/>
+                <p14:modId xmlns:p14="http://schemas.microsoft.com/office/powerpoint/2010/main" val="3710437819"/>
               </p:ext>
             </p:extLst>
           </p:nvPr>
         </p:nvGraphicFramePr>
         <p:xfrm>
           <a:off x="295081" y="1268760"/>
-          <a:ext cx="8278197" cy="2494280"/>
+          <a:ext cx="8525393" cy="2494280"/>
         </p:xfrm>
         <a:graphic>
           <a:graphicData uri="http://schemas.openxmlformats.org/drawingml/2006/table">
@@ -14010,70 +14346,42 @@
                 <a:tableStyleId>{5C22544A-7EE6-4342-B048-85BDC9FD1C3A}</a:tableStyleId>
               </a:tblPr>
               <a:tblGrid>
-                <a:gridCol w="1295961">
+                <a:gridCol w="2134998">
                   <a:extLst>
                     <a:ext uri="{9D8B030D-6E8A-4147-A177-3AD203B41FA5}">
                       <a16:colId xmlns:a16="http://schemas.microsoft.com/office/drawing/2014/main" val="20000"/>
                     </a:ext>
                   </a:extLst>
                 </a:gridCol>
-                <a:gridCol w="775804">
-                  <a:extLst>
-                    <a:ext uri="{9D8B030D-6E8A-4147-A177-3AD203B41FA5}">
-                      <a16:colId xmlns:a16="http://schemas.microsoft.com/office/drawing/2014/main" val="20002"/>
-                    </a:ext>
-                  </a:extLst>
-                </a:gridCol>
-                <a:gridCol w="775804">
-                  <a:extLst>
-                    <a:ext uri="{9D8B030D-6E8A-4147-A177-3AD203B41FA5}">
-                      <a16:colId xmlns:a16="http://schemas.microsoft.com/office/drawing/2014/main" val="20003"/>
-                    </a:ext>
-                  </a:extLst>
-                </a:gridCol>
-                <a:gridCol w="775804">
-                  <a:extLst>
-                    <a:ext uri="{9D8B030D-6E8A-4147-A177-3AD203B41FA5}">
-                      <a16:colId xmlns:a16="http://schemas.microsoft.com/office/drawing/2014/main" val="20004"/>
-                    </a:ext>
-                  </a:extLst>
-                </a:gridCol>
-                <a:gridCol w="775804">
-                  <a:extLst>
-                    <a:ext uri="{9D8B030D-6E8A-4147-A177-3AD203B41FA5}">
-                      <a16:colId xmlns:a16="http://schemas.microsoft.com/office/drawing/2014/main" val="20005"/>
-                    </a:ext>
-                  </a:extLst>
-                </a:gridCol>
-                <a:gridCol w="775804">
+                <a:gridCol w="1278079">
                   <a:extLst>
                     <a:ext uri="{9D8B030D-6E8A-4147-A177-3AD203B41FA5}">
                       <a16:colId xmlns:a16="http://schemas.microsoft.com/office/drawing/2014/main" val="20006"/>
                     </a:ext>
                   </a:extLst>
                 </a:gridCol>
-                <a:gridCol w="775804">
+                <a:gridCol w="1278079">
                   <a:extLst>
                     <a:ext uri="{9D8B030D-6E8A-4147-A177-3AD203B41FA5}">
                       <a16:colId xmlns:a16="http://schemas.microsoft.com/office/drawing/2014/main" val="644532389"/>
                     </a:ext>
                   </a:extLst>
                 </a:gridCol>
-                <a:gridCol w="775804">
+                <a:gridCol w="1278079">
                   <a:extLst>
                     <a:ext uri="{9D8B030D-6E8A-4147-A177-3AD203B41FA5}">
                       <a16:colId xmlns:a16="http://schemas.microsoft.com/office/drawing/2014/main" val="144982542"/>
                     </a:ext>
                   </a:extLst>
                 </a:gridCol>
-                <a:gridCol w="775804">
+                <a:gridCol w="1278079">
                   <a:extLst>
                     <a:ext uri="{9D8B030D-6E8A-4147-A177-3AD203B41FA5}">
                       <a16:colId xmlns:a16="http://schemas.microsoft.com/office/drawing/2014/main" val="3476009448"/>
                     </a:ext>
                   </a:extLst>
                 </a:gridCol>
-                <a:gridCol w="775804">
+                <a:gridCol w="1278079">
                   <a:extLst>
                     <a:ext uri="{9D8B030D-6E8A-4147-A177-3AD203B41FA5}">
                       <a16:colId xmlns:a16="http://schemas.microsoft.com/office/drawing/2014/main" val="1439479208"/>
@@ -14145,46 +14453,6 @@
                   </a:txBody>
                   <a:tcPr/>
                 </a:tc>
-                <a:tc>
-                  <a:txBody>
-                    <a:bodyPr/>
-                    <a:lstStyle/>
-                    <a:p>
-                      <a:endParaRPr lang="nl-BE" dirty="0"/>
-                    </a:p>
-                  </a:txBody>
-                  <a:tcPr/>
-                </a:tc>
-                <a:tc>
-                  <a:txBody>
-                    <a:bodyPr/>
-                    <a:lstStyle/>
-                    <a:p>
-                      <a:endParaRPr lang="nl-BE" dirty="0"/>
-                    </a:p>
-                  </a:txBody>
-                  <a:tcPr/>
-                </a:tc>
-                <a:tc>
-                  <a:txBody>
-                    <a:bodyPr/>
-                    <a:lstStyle/>
-                    <a:p>
-                      <a:endParaRPr lang="nl-BE" dirty="0"/>
-                    </a:p>
-                  </a:txBody>
-                  <a:tcPr/>
-                </a:tc>
-                <a:tc>
-                  <a:txBody>
-                    <a:bodyPr/>
-                    <a:lstStyle/>
-                    <a:p>
-                      <a:endParaRPr lang="nl-BE" dirty="0"/>
-                    </a:p>
-                  </a:txBody>
-                  <a:tcPr/>
-                </a:tc>
                 <a:extLst>
                   <a:ext uri="{0D108BD9-81ED-4DB2-BD59-A6C34878D82A}">
                     <a16:rowId xmlns:a16="http://schemas.microsoft.com/office/drawing/2014/main" val="10000"/>
@@ -14210,62 +14478,6 @@
                     <a:bodyPr/>
                     <a:lstStyle/>
                     <a:p>
-                      <a:endParaRPr lang="nl-BE" sz="1600" dirty="0">
-                        <a:solidFill>
-                          <a:schemeClr val="tx1"/>
-                        </a:solidFill>
-                      </a:endParaRPr>
-                    </a:p>
-                  </a:txBody>
-                  <a:tcPr/>
-                </a:tc>
-                <a:tc>
-                  <a:txBody>
-                    <a:bodyPr/>
-                    <a:lstStyle/>
-                    <a:p>
-                      <a:endParaRPr lang="nl-BE" sz="1600" b="0" dirty="0">
-                        <a:solidFill>
-                          <a:schemeClr val="tx1"/>
-                        </a:solidFill>
-                      </a:endParaRPr>
-                    </a:p>
-                  </a:txBody>
-                  <a:tcPr/>
-                </a:tc>
-                <a:tc>
-                  <a:txBody>
-                    <a:bodyPr/>
-                    <a:lstStyle/>
-                    <a:p>
-                      <a:endParaRPr lang="nl-BE" sz="1600" b="0" dirty="0">
-                        <a:solidFill>
-                          <a:schemeClr val="tx1"/>
-                        </a:solidFill>
-                      </a:endParaRPr>
-                    </a:p>
-                  </a:txBody>
-                  <a:tcPr/>
-                </a:tc>
-                <a:tc>
-                  <a:txBody>
-                    <a:bodyPr/>
-                    <a:lstStyle/>
-                    <a:p>
-                      <a:endParaRPr lang="nl-BE" sz="1600" b="0" dirty="0">
-                        <a:solidFill>
-                          <a:schemeClr val="tx1"/>
-                        </a:solidFill>
-                      </a:endParaRPr>
-                    </a:p>
-                  </a:txBody>
-                  <a:tcPr/>
-                </a:tc>
-                <a:tc>
-                  <a:txBody>
-                    <a:bodyPr/>
-                    <a:lstStyle/>
-                    <a:p>
                       <a:endParaRPr lang="nl-BE" sz="1600" b="0" dirty="0">
                         <a:solidFill>
                           <a:schemeClr val="tx1"/>
@@ -14356,62 +14568,6 @@
                     <a:bodyPr/>
                     <a:lstStyle/>
                     <a:p>
-                      <a:endParaRPr lang="nl-BE" sz="1600" dirty="0">
-                        <a:solidFill>
-                          <a:schemeClr val="tx1"/>
-                        </a:solidFill>
-                      </a:endParaRPr>
-                    </a:p>
-                  </a:txBody>
-                  <a:tcPr/>
-                </a:tc>
-                <a:tc>
-                  <a:txBody>
-                    <a:bodyPr/>
-                    <a:lstStyle/>
-                    <a:p>
-                      <a:endParaRPr lang="nl-BE" sz="1600" b="0" dirty="0">
-                        <a:solidFill>
-                          <a:schemeClr val="tx1"/>
-                        </a:solidFill>
-                      </a:endParaRPr>
-                    </a:p>
-                  </a:txBody>
-                  <a:tcPr/>
-                </a:tc>
-                <a:tc>
-                  <a:txBody>
-                    <a:bodyPr/>
-                    <a:lstStyle/>
-                    <a:p>
-                      <a:endParaRPr lang="nl-BE" sz="1600" b="0" dirty="0">
-                        <a:solidFill>
-                          <a:schemeClr val="tx1"/>
-                        </a:solidFill>
-                      </a:endParaRPr>
-                    </a:p>
-                  </a:txBody>
-                  <a:tcPr/>
-                </a:tc>
-                <a:tc>
-                  <a:txBody>
-                    <a:bodyPr/>
-                    <a:lstStyle/>
-                    <a:p>
-                      <a:endParaRPr lang="nl-BE" sz="1600" b="0" dirty="0">
-                        <a:solidFill>
-                          <a:schemeClr val="tx1"/>
-                        </a:solidFill>
-                      </a:endParaRPr>
-                    </a:p>
-                  </a:txBody>
-                  <a:tcPr/>
-                </a:tc>
-                <a:tc>
-                  <a:txBody>
-                    <a:bodyPr/>
-                    <a:lstStyle/>
-                    <a:p>
                       <a:endParaRPr lang="nl-BE" sz="1600" b="0" dirty="0">
                         <a:solidFill>
                           <a:schemeClr val="tx1"/>
@@ -14502,62 +14658,6 @@
                     <a:bodyPr/>
                     <a:lstStyle/>
                     <a:p>
-                      <a:endParaRPr lang="nl-BE" sz="1600" dirty="0">
-                        <a:solidFill>
-                          <a:schemeClr val="tx1"/>
-                        </a:solidFill>
-                      </a:endParaRPr>
-                    </a:p>
-                  </a:txBody>
-                  <a:tcPr/>
-                </a:tc>
-                <a:tc>
-                  <a:txBody>
-                    <a:bodyPr/>
-                    <a:lstStyle/>
-                    <a:p>
-                      <a:endParaRPr lang="nl-BE" sz="1600" b="0" dirty="0">
-                        <a:solidFill>
-                          <a:schemeClr val="tx1"/>
-                        </a:solidFill>
-                      </a:endParaRPr>
-                    </a:p>
-                  </a:txBody>
-                  <a:tcPr/>
-                </a:tc>
-                <a:tc>
-                  <a:txBody>
-                    <a:bodyPr/>
-                    <a:lstStyle/>
-                    <a:p>
-                      <a:endParaRPr lang="nl-BE" sz="1600" b="0" dirty="0">
-                        <a:solidFill>
-                          <a:schemeClr val="tx1"/>
-                        </a:solidFill>
-                      </a:endParaRPr>
-                    </a:p>
-                  </a:txBody>
-                  <a:tcPr/>
-                </a:tc>
-                <a:tc>
-                  <a:txBody>
-                    <a:bodyPr/>
-                    <a:lstStyle/>
-                    <a:p>
-                      <a:endParaRPr lang="nl-BE" sz="1600" b="0" dirty="0">
-                        <a:solidFill>
-                          <a:schemeClr val="tx1"/>
-                        </a:solidFill>
-                      </a:endParaRPr>
-                    </a:p>
-                  </a:txBody>
-                  <a:tcPr/>
-                </a:tc>
-                <a:tc>
-                  <a:txBody>
-                    <a:bodyPr/>
-                    <a:lstStyle/>
-                    <a:p>
                       <a:endParaRPr lang="nl-BE" sz="1600" b="0" dirty="0">
                         <a:solidFill>
                           <a:schemeClr val="tx1"/>
@@ -14649,66 +14749,6 @@
                     <a:lstStyle/>
                     <a:p>
                       <a:pPr algn="l"/>
-                      <a:endParaRPr lang="nl-BE" sz="1600" dirty="0">
-                        <a:solidFill>
-                          <a:schemeClr val="tx1"/>
-                        </a:solidFill>
-                      </a:endParaRPr>
-                    </a:p>
-                  </a:txBody>
-                  <a:tcPr/>
-                </a:tc>
-                <a:tc>
-                  <a:txBody>
-                    <a:bodyPr/>
-                    <a:lstStyle/>
-                    <a:p>
-                      <a:pPr algn="l"/>
-                      <a:endParaRPr lang="nl-BE" sz="1600" dirty="0">
-                        <a:solidFill>
-                          <a:schemeClr val="tx1"/>
-                        </a:solidFill>
-                      </a:endParaRPr>
-                    </a:p>
-                  </a:txBody>
-                  <a:tcPr/>
-                </a:tc>
-                <a:tc>
-                  <a:txBody>
-                    <a:bodyPr/>
-                    <a:lstStyle/>
-                    <a:p>
-                      <a:pPr algn="l"/>
-                      <a:endParaRPr lang="nl-BE" sz="1600" b="0" dirty="0">
-                        <a:solidFill>
-                          <a:schemeClr val="tx1"/>
-                        </a:solidFill>
-                      </a:endParaRPr>
-                    </a:p>
-                  </a:txBody>
-                  <a:tcPr/>
-                </a:tc>
-                <a:tc>
-                  <a:txBody>
-                    <a:bodyPr/>
-                    <a:lstStyle/>
-                    <a:p>
-                      <a:pPr algn="l"/>
-                      <a:endParaRPr lang="nl-BE" sz="1600" b="0" dirty="0">
-                        <a:solidFill>
-                          <a:schemeClr val="tx1"/>
-                        </a:solidFill>
-                      </a:endParaRPr>
-                    </a:p>
-                  </a:txBody>
-                  <a:tcPr/>
-                </a:tc>
-                <a:tc>
-                  <a:txBody>
-                    <a:bodyPr/>
-                    <a:lstStyle/>
-                    <a:p>
-                      <a:pPr algn="l"/>
                       <a:endParaRPr lang="nl-BE" sz="1600" b="0" dirty="0">
                         <a:solidFill>
                           <a:schemeClr val="tx1"/>
@@ -14803,67 +14843,6 @@
                     <a:bodyPr/>
                     <a:lstStyle/>
                     <a:p>
-                      <a:endParaRPr lang="nl-BE" sz="1600" dirty="0"/>
-                    </a:p>
-                  </a:txBody>
-                  <a:tcPr/>
-                </a:tc>
-                <a:tc>
-                  <a:txBody>
-                    <a:bodyPr/>
-                    <a:lstStyle/>
-                    <a:p>
-                      <a:endParaRPr lang="nl-BE" sz="1600" dirty="0">
-                        <a:solidFill>
-                          <a:schemeClr val="tx1">
-                            <a:lumMod val="65000"/>
-                            <a:lumOff val="35000"/>
-                          </a:schemeClr>
-                        </a:solidFill>
-                      </a:endParaRPr>
-                    </a:p>
-                  </a:txBody>
-                  <a:tcPr/>
-                </a:tc>
-                <a:tc>
-                  <a:txBody>
-                    <a:bodyPr/>
-                    <a:lstStyle/>
-                    <a:p>
-                      <a:endParaRPr lang="nl-BE" sz="1600" b="0" dirty="0">
-                        <a:solidFill>
-                          <a:schemeClr val="tx1">
-                            <a:lumMod val="65000"/>
-                            <a:lumOff val="35000"/>
-                          </a:schemeClr>
-                        </a:solidFill>
-                      </a:endParaRPr>
-                    </a:p>
-                  </a:txBody>
-                  <a:tcPr/>
-                </a:tc>
-                <a:tc>
-                  <a:txBody>
-                    <a:bodyPr/>
-                    <a:lstStyle/>
-                    <a:p>
-                      <a:endParaRPr lang="nl-BE" sz="1600" b="0" dirty="0">
-                        <a:solidFill>
-                          <a:schemeClr val="tx1">
-                            <a:lumMod val="65000"/>
-                            <a:lumOff val="35000"/>
-                          </a:schemeClr>
-                        </a:solidFill>
-                      </a:endParaRPr>
-                    </a:p>
-                  </a:txBody>
-                  <a:tcPr/>
-                </a:tc>
-                <a:tc>
-                  <a:txBody>
-                    <a:bodyPr/>
-                    <a:lstStyle/>
-                    <a:p>
                       <a:endParaRPr lang="nl-BE" sz="1600" b="0" dirty="0">
                         <a:solidFill>
                           <a:schemeClr val="tx1">
@@ -15011,46 +14990,6 @@
                   </a:txBody>
                   <a:tcPr/>
                 </a:tc>
-                <a:tc>
-                  <a:txBody>
-                    <a:bodyPr/>
-                    <a:lstStyle/>
-                    <a:p>
-                      <a:endParaRPr lang="nl-BE" sz="100" dirty="0"/>
-                    </a:p>
-                  </a:txBody>
-                  <a:tcPr/>
-                </a:tc>
-                <a:tc>
-                  <a:txBody>
-                    <a:bodyPr/>
-                    <a:lstStyle/>
-                    <a:p>
-                      <a:endParaRPr lang="nl-BE" sz="100" dirty="0"/>
-                    </a:p>
-                  </a:txBody>
-                  <a:tcPr/>
-                </a:tc>
-                <a:tc>
-                  <a:txBody>
-                    <a:bodyPr/>
-                    <a:lstStyle/>
-                    <a:p>
-                      <a:endParaRPr lang="nl-BE" sz="100" dirty="0"/>
-                    </a:p>
-                  </a:txBody>
-                  <a:tcPr/>
-                </a:tc>
-                <a:tc>
-                  <a:txBody>
-                    <a:bodyPr/>
-                    <a:lstStyle/>
-                    <a:p>
-                      <a:endParaRPr lang="nl-BE" sz="100" dirty="0"/>
-                    </a:p>
-                  </a:txBody>
-                  <a:tcPr/>
-                </a:tc>
                 <a:extLst>
                   <a:ext uri="{0D108BD9-81ED-4DB2-BD59-A6C34878D82A}">
                     <a16:rowId xmlns:a16="http://schemas.microsoft.com/office/drawing/2014/main" val="10006"/>
@@ -15067,58 +15006,6 @@
                         <a:rPr lang="nl-BE" sz="1600" b="1" dirty="0"/>
                         <a:t>TOT</a:t>
                       </a:r>
-                    </a:p>
-                  </a:txBody>
-                  <a:tcPr/>
-                </a:tc>
-                <a:tc>
-                  <a:txBody>
-                    <a:bodyPr/>
-                    <a:lstStyle/>
-                    <a:p>
-                      <a:endParaRPr lang="nl-BE" sz="1600" b="1" dirty="0"/>
-                    </a:p>
-                  </a:txBody>
-                  <a:tcPr/>
-                </a:tc>
-                <a:tc>
-                  <a:txBody>
-                    <a:bodyPr/>
-                    <a:lstStyle/>
-                    <a:p>
-                      <a:endParaRPr lang="nl-BE" sz="1600" b="1" dirty="0">
-                        <a:solidFill>
-                          <a:schemeClr val="tx1"/>
-                        </a:solidFill>
-                      </a:endParaRPr>
-                    </a:p>
-                  </a:txBody>
-                  <a:tcPr/>
-                </a:tc>
-                <a:tc>
-                  <a:txBody>
-                    <a:bodyPr/>
-                    <a:lstStyle/>
-                    <a:p>
-                      <a:endParaRPr lang="nl-BE" sz="1600" b="1" dirty="0">
-                        <a:solidFill>
-                          <a:schemeClr val="tx1"/>
-                        </a:solidFill>
-                      </a:endParaRPr>
-                    </a:p>
-                  </a:txBody>
-                  <a:tcPr/>
-                </a:tc>
-                <a:tc>
-                  <a:txBody>
-                    <a:bodyPr/>
-                    <a:lstStyle/>
-                    <a:p>
-                      <a:endParaRPr lang="nl-BE" sz="1600" b="1" dirty="0">
-                        <a:solidFill>
-                          <a:schemeClr val="tx1"/>
-                        </a:solidFill>
-                      </a:endParaRPr>
                     </a:p>
                   </a:txBody>
                   <a:tcPr/>
@@ -15241,14 +15128,14 @@
           <p:nvPr>
             <p:extLst>
               <p:ext uri="{D42A27DB-BD31-4B8C-83A1-F6EECF244321}">
-                <p14:modId xmlns:p14="http://schemas.microsoft.com/office/powerpoint/2010/main" val="2463737108"/>
+                <p14:modId xmlns:p14="http://schemas.microsoft.com/office/powerpoint/2010/main" val="2887995260"/>
               </p:ext>
             </p:extLst>
           </p:nvPr>
         </p:nvGraphicFramePr>
         <p:xfrm>
           <a:off x="295080" y="4370870"/>
-          <a:ext cx="8278199" cy="2330812"/>
+          <a:ext cx="8525393" cy="2330812"/>
         </p:xfrm>
         <a:graphic>
           <a:graphicData uri="http://schemas.openxmlformats.org/drawingml/2006/table">
@@ -15257,70 +15144,42 @@
                 <a:tableStyleId>{5C22544A-7EE6-4342-B048-85BDC9FD1C3A}</a:tableStyleId>
               </a:tblPr>
               <a:tblGrid>
-                <a:gridCol w="1277983">
+                <a:gridCol w="2123298">
                   <a:extLst>
                     <a:ext uri="{9D8B030D-6E8A-4147-A177-3AD203B41FA5}">
                       <a16:colId xmlns:a16="http://schemas.microsoft.com/office/drawing/2014/main" val="20000"/>
                     </a:ext>
                   </a:extLst>
                 </a:gridCol>
-                <a:gridCol w="834888">
-                  <a:extLst>
-                    <a:ext uri="{9D8B030D-6E8A-4147-A177-3AD203B41FA5}">
-                      <a16:colId xmlns:a16="http://schemas.microsoft.com/office/drawing/2014/main" val="20002"/>
-                    </a:ext>
-                  </a:extLst>
-                </a:gridCol>
-                <a:gridCol w="770666">
-                  <a:extLst>
-                    <a:ext uri="{9D8B030D-6E8A-4147-A177-3AD203B41FA5}">
-                      <a16:colId xmlns:a16="http://schemas.microsoft.com/office/drawing/2014/main" val="20003"/>
-                    </a:ext>
-                  </a:extLst>
-                </a:gridCol>
-                <a:gridCol w="770666">
-                  <a:extLst>
-                    <a:ext uri="{9D8B030D-6E8A-4147-A177-3AD203B41FA5}">
-                      <a16:colId xmlns:a16="http://schemas.microsoft.com/office/drawing/2014/main" val="20004"/>
-                    </a:ext>
-                  </a:extLst>
-                </a:gridCol>
-                <a:gridCol w="770666">
-                  <a:extLst>
-                    <a:ext uri="{9D8B030D-6E8A-4147-A177-3AD203B41FA5}">
-                      <a16:colId xmlns:a16="http://schemas.microsoft.com/office/drawing/2014/main" val="20005"/>
-                    </a:ext>
-                  </a:extLst>
-                </a:gridCol>
-                <a:gridCol w="770666">
+                <a:gridCol w="1280419">
                   <a:extLst>
                     <a:ext uri="{9D8B030D-6E8A-4147-A177-3AD203B41FA5}">
                       <a16:colId xmlns:a16="http://schemas.microsoft.com/office/drawing/2014/main" val="20006"/>
                     </a:ext>
                   </a:extLst>
                 </a:gridCol>
-                <a:gridCol w="770666">
+                <a:gridCol w="1280419">
                   <a:extLst>
                     <a:ext uri="{9D8B030D-6E8A-4147-A177-3AD203B41FA5}">
                       <a16:colId xmlns:a16="http://schemas.microsoft.com/office/drawing/2014/main" val="1697408013"/>
                     </a:ext>
                   </a:extLst>
                 </a:gridCol>
-                <a:gridCol w="770666">
+                <a:gridCol w="1280419">
                   <a:extLst>
                     <a:ext uri="{9D8B030D-6E8A-4147-A177-3AD203B41FA5}">
                       <a16:colId xmlns:a16="http://schemas.microsoft.com/office/drawing/2014/main" val="1440080861"/>
                     </a:ext>
                   </a:extLst>
                 </a:gridCol>
-                <a:gridCol w="770666">
+                <a:gridCol w="1280419">
                   <a:extLst>
                     <a:ext uri="{9D8B030D-6E8A-4147-A177-3AD203B41FA5}">
                       <a16:colId xmlns:a16="http://schemas.microsoft.com/office/drawing/2014/main" val="789050710"/>
                     </a:ext>
                   </a:extLst>
                 </a:gridCol>
-                <a:gridCol w="770666">
+                <a:gridCol w="1280419">
                   <a:extLst>
                     <a:ext uri="{9D8B030D-6E8A-4147-A177-3AD203B41FA5}">
                       <a16:colId xmlns:a16="http://schemas.microsoft.com/office/drawing/2014/main" val="698218525"/>
@@ -15392,46 +15251,6 @@
                   </a:txBody>
                   <a:tcPr/>
                 </a:tc>
-                <a:tc>
-                  <a:txBody>
-                    <a:bodyPr/>
-                    <a:lstStyle/>
-                    <a:p>
-                      <a:endParaRPr lang="nl-BE" dirty="0"/>
-                    </a:p>
-                  </a:txBody>
-                  <a:tcPr/>
-                </a:tc>
-                <a:tc>
-                  <a:txBody>
-                    <a:bodyPr/>
-                    <a:lstStyle/>
-                    <a:p>
-                      <a:endParaRPr lang="nl-BE" dirty="0"/>
-                    </a:p>
-                  </a:txBody>
-                  <a:tcPr/>
-                </a:tc>
-                <a:tc>
-                  <a:txBody>
-                    <a:bodyPr/>
-                    <a:lstStyle/>
-                    <a:p>
-                      <a:endParaRPr lang="nl-BE" dirty="0"/>
-                    </a:p>
-                  </a:txBody>
-                  <a:tcPr/>
-                </a:tc>
-                <a:tc>
-                  <a:txBody>
-                    <a:bodyPr/>
-                    <a:lstStyle/>
-                    <a:p>
-                      <a:endParaRPr lang="nl-BE" dirty="0"/>
-                    </a:p>
-                  </a:txBody>
-                  <a:tcPr/>
-                </a:tc>
                 <a:extLst>
                   <a:ext uri="{0D108BD9-81ED-4DB2-BD59-A6C34878D82A}">
                     <a16:rowId xmlns:a16="http://schemas.microsoft.com/office/drawing/2014/main" val="10000"/>
@@ -15522,62 +15341,6 @@
                   </a:txBody>
                   <a:tcPr/>
                 </a:tc>
-                <a:tc>
-                  <a:txBody>
-                    <a:bodyPr/>
-                    <a:lstStyle/>
-                    <a:p>
-                      <a:endParaRPr lang="nl-BE" sz="1600" dirty="0">
-                        <a:solidFill>
-                          <a:schemeClr val="tx1"/>
-                        </a:solidFill>
-                      </a:endParaRPr>
-                    </a:p>
-                  </a:txBody>
-                  <a:tcPr/>
-                </a:tc>
-                <a:tc>
-                  <a:txBody>
-                    <a:bodyPr/>
-                    <a:lstStyle/>
-                    <a:p>
-                      <a:endParaRPr lang="nl-BE" sz="1600" dirty="0">
-                        <a:solidFill>
-                          <a:schemeClr val="tx1"/>
-                        </a:solidFill>
-                      </a:endParaRPr>
-                    </a:p>
-                  </a:txBody>
-                  <a:tcPr/>
-                </a:tc>
-                <a:tc>
-                  <a:txBody>
-                    <a:bodyPr/>
-                    <a:lstStyle/>
-                    <a:p>
-                      <a:endParaRPr lang="nl-BE" sz="1600" dirty="0">
-                        <a:solidFill>
-                          <a:schemeClr val="tx1"/>
-                        </a:solidFill>
-                      </a:endParaRPr>
-                    </a:p>
-                  </a:txBody>
-                  <a:tcPr/>
-                </a:tc>
-                <a:tc>
-                  <a:txBody>
-                    <a:bodyPr/>
-                    <a:lstStyle/>
-                    <a:p>
-                      <a:endParaRPr lang="nl-BE" sz="1600" dirty="0">
-                        <a:solidFill>
-                          <a:schemeClr val="tx1"/>
-                        </a:solidFill>
-                      </a:endParaRPr>
-                    </a:p>
-                  </a:txBody>
-                  <a:tcPr/>
-                </a:tc>
                 <a:extLst>
                   <a:ext uri="{0D108BD9-81ED-4DB2-BD59-A6C34878D82A}">
                     <a16:rowId xmlns:a16="http://schemas.microsoft.com/office/drawing/2014/main" val="10001"/>
@@ -15668,62 +15431,6 @@
                   </a:txBody>
                   <a:tcPr/>
                 </a:tc>
-                <a:tc>
-                  <a:txBody>
-                    <a:bodyPr/>
-                    <a:lstStyle/>
-                    <a:p>
-                      <a:endParaRPr lang="nl-BE" sz="1600" dirty="0">
-                        <a:solidFill>
-                          <a:schemeClr val="tx1"/>
-                        </a:solidFill>
-                      </a:endParaRPr>
-                    </a:p>
-                  </a:txBody>
-                  <a:tcPr/>
-                </a:tc>
-                <a:tc>
-                  <a:txBody>
-                    <a:bodyPr/>
-                    <a:lstStyle/>
-                    <a:p>
-                      <a:endParaRPr lang="nl-BE" sz="1600" dirty="0">
-                        <a:solidFill>
-                          <a:schemeClr val="tx1"/>
-                        </a:solidFill>
-                      </a:endParaRPr>
-                    </a:p>
-                  </a:txBody>
-                  <a:tcPr/>
-                </a:tc>
-                <a:tc>
-                  <a:txBody>
-                    <a:bodyPr/>
-                    <a:lstStyle/>
-                    <a:p>
-                      <a:endParaRPr lang="nl-BE" sz="1600" dirty="0">
-                        <a:solidFill>
-                          <a:schemeClr val="tx1"/>
-                        </a:solidFill>
-                      </a:endParaRPr>
-                    </a:p>
-                  </a:txBody>
-                  <a:tcPr/>
-                </a:tc>
-                <a:tc>
-                  <a:txBody>
-                    <a:bodyPr/>
-                    <a:lstStyle/>
-                    <a:p>
-                      <a:endParaRPr lang="nl-BE" sz="1600" dirty="0">
-                        <a:solidFill>
-                          <a:schemeClr val="tx1"/>
-                        </a:solidFill>
-                      </a:endParaRPr>
-                    </a:p>
-                  </a:txBody>
-                  <a:tcPr/>
-                </a:tc>
                 <a:extLst>
                   <a:ext uri="{0D108BD9-81ED-4DB2-BD59-A6C34878D82A}">
                     <a16:rowId xmlns:a16="http://schemas.microsoft.com/office/drawing/2014/main" val="10002"/>
@@ -15814,62 +15521,6 @@
                   </a:txBody>
                   <a:tcPr/>
                 </a:tc>
-                <a:tc>
-                  <a:txBody>
-                    <a:bodyPr/>
-                    <a:lstStyle/>
-                    <a:p>
-                      <a:endParaRPr lang="nl-BE" sz="1600" dirty="0">
-                        <a:solidFill>
-                          <a:schemeClr val="tx1"/>
-                        </a:solidFill>
-                      </a:endParaRPr>
-                    </a:p>
-                  </a:txBody>
-                  <a:tcPr/>
-                </a:tc>
-                <a:tc>
-                  <a:txBody>
-                    <a:bodyPr/>
-                    <a:lstStyle/>
-                    <a:p>
-                      <a:endParaRPr lang="nl-BE" sz="1600" dirty="0">
-                        <a:solidFill>
-                          <a:schemeClr val="tx1"/>
-                        </a:solidFill>
-                      </a:endParaRPr>
-                    </a:p>
-                  </a:txBody>
-                  <a:tcPr/>
-                </a:tc>
-                <a:tc>
-                  <a:txBody>
-                    <a:bodyPr/>
-                    <a:lstStyle/>
-                    <a:p>
-                      <a:endParaRPr lang="nl-BE" sz="1600" dirty="0">
-                        <a:solidFill>
-                          <a:schemeClr val="tx1"/>
-                        </a:solidFill>
-                      </a:endParaRPr>
-                    </a:p>
-                  </a:txBody>
-                  <a:tcPr/>
-                </a:tc>
-                <a:tc>
-                  <a:txBody>
-                    <a:bodyPr/>
-                    <a:lstStyle/>
-                    <a:p>
-                      <a:endParaRPr lang="nl-BE" sz="1600" dirty="0">
-                        <a:solidFill>
-                          <a:schemeClr val="tx1"/>
-                        </a:solidFill>
-                      </a:endParaRPr>
-                    </a:p>
-                  </a:txBody>
-                  <a:tcPr/>
-                </a:tc>
                 <a:extLst>
                   <a:ext uri="{0D108BD9-81ED-4DB2-BD59-A6C34878D82A}">
                     <a16:rowId xmlns:a16="http://schemas.microsoft.com/office/drawing/2014/main" val="10003"/>
@@ -15965,66 +15616,6 @@
                   </a:txBody>
                   <a:tcPr/>
                 </a:tc>
-                <a:tc>
-                  <a:txBody>
-                    <a:bodyPr/>
-                    <a:lstStyle/>
-                    <a:p>
-                      <a:pPr algn="l"/>
-                      <a:endParaRPr lang="nl-BE" sz="1600" dirty="0">
-                        <a:solidFill>
-                          <a:schemeClr val="tx1"/>
-                        </a:solidFill>
-                      </a:endParaRPr>
-                    </a:p>
-                  </a:txBody>
-                  <a:tcPr/>
-                </a:tc>
-                <a:tc>
-                  <a:txBody>
-                    <a:bodyPr/>
-                    <a:lstStyle/>
-                    <a:p>
-                      <a:pPr algn="l"/>
-                      <a:endParaRPr lang="nl-BE" sz="1600" dirty="0">
-                        <a:solidFill>
-                          <a:schemeClr val="tx1"/>
-                        </a:solidFill>
-                      </a:endParaRPr>
-                    </a:p>
-                  </a:txBody>
-                  <a:tcPr/>
-                </a:tc>
-                <a:tc>
-                  <a:txBody>
-                    <a:bodyPr/>
-                    <a:lstStyle/>
-                    <a:p>
-                      <a:pPr algn="l"/>
-                      <a:endParaRPr lang="nl-BE" sz="1600" dirty="0">
-                        <a:solidFill>
-                          <a:schemeClr val="tx1"/>
-                        </a:solidFill>
-                      </a:endParaRPr>
-                    </a:p>
-                  </a:txBody>
-                  <a:tcPr/>
-                </a:tc>
-                <a:tc>
-                  <a:txBody>
-                    <a:bodyPr/>
-                    <a:lstStyle/>
-                    <a:p>
-                      <a:pPr algn="l"/>
-                      <a:endParaRPr lang="nl-BE" sz="1600" dirty="0">
-                        <a:solidFill>
-                          <a:schemeClr val="tx1"/>
-                        </a:solidFill>
-                      </a:endParaRPr>
-                    </a:p>
-                  </a:txBody>
-                  <a:tcPr/>
-                </a:tc>
                 <a:extLst>
                   <a:ext uri="{0D108BD9-81ED-4DB2-BD59-A6C34878D82A}">
                     <a16:rowId xmlns:a16="http://schemas.microsoft.com/office/drawing/2014/main" val="10004"/>
@@ -16041,62 +15632,6 @@
                         <a:rPr lang="nl-BE" sz="1600" b="1" dirty="0"/>
                         <a:t>Buitenland</a:t>
                       </a:r>
-                    </a:p>
-                  </a:txBody>
-                  <a:tcPr/>
-                </a:tc>
-                <a:tc>
-                  <a:txBody>
-                    <a:bodyPr/>
-                    <a:lstStyle/>
-                    <a:p>
-                      <a:endParaRPr lang="nl-BE" sz="1600" dirty="0">
-                        <a:solidFill>
-                          <a:schemeClr val="tx1"/>
-                        </a:solidFill>
-                      </a:endParaRPr>
-                    </a:p>
-                  </a:txBody>
-                  <a:tcPr/>
-                </a:tc>
-                <a:tc>
-                  <a:txBody>
-                    <a:bodyPr/>
-                    <a:lstStyle/>
-                    <a:p>
-                      <a:endParaRPr lang="nl-BE" sz="1600" dirty="0">
-                        <a:solidFill>
-                          <a:schemeClr val="tx1"/>
-                        </a:solidFill>
-                      </a:endParaRPr>
-                    </a:p>
-                  </a:txBody>
-                  <a:tcPr/>
-                </a:tc>
-                <a:tc>
-                  <a:txBody>
-                    <a:bodyPr/>
-                    <a:lstStyle/>
-                    <a:p>
-                      <a:endParaRPr lang="nl-BE" sz="1600" dirty="0">
-                        <a:solidFill>
-                          <a:schemeClr val="tx1"/>
-                        </a:solidFill>
-                      </a:endParaRPr>
-                    </a:p>
-                  </a:txBody>
-                  <a:tcPr/>
-                </a:tc>
-                <a:tc>
-                  <a:txBody>
-                    <a:bodyPr/>
-                    <a:lstStyle/>
-                    <a:p>
-                      <a:endParaRPr lang="nl-BE" sz="1600" dirty="0">
-                        <a:solidFill>
-                          <a:schemeClr val="tx1"/>
-                        </a:solidFill>
-                      </a:endParaRPr>
                     </a:p>
                   </a:txBody>
                   <a:tcPr/>
@@ -17968,14 +17503,14 @@
           <p:nvPr>
             <p:extLst>
               <p:ext uri="{D42A27DB-BD31-4B8C-83A1-F6EECF244321}">
-                <p14:modId xmlns:p14="http://schemas.microsoft.com/office/powerpoint/2010/main" val="3599101650"/>
+                <p14:modId xmlns:p14="http://schemas.microsoft.com/office/powerpoint/2010/main" val="2271430569"/>
               </p:ext>
             </p:extLst>
           </p:nvPr>
         </p:nvGraphicFramePr>
         <p:xfrm>
           <a:off x="827583" y="1300356"/>
-          <a:ext cx="7272808" cy="5457807"/>
+          <a:ext cx="7272808" cy="3387715"/>
         </p:xfrm>
         <a:graphic>
           <a:graphicData uri="http://schemas.openxmlformats.org/drawingml/2006/table">
@@ -18482,298 +18017,6 @@
                   </a:ext>
                 </a:extLst>
               </a:tr>
-              <a:tr h="517523">
-                <a:tc>
-                  <a:txBody>
-                    <a:bodyPr/>
-                    <a:lstStyle/>
-                    <a:p>
-                      <a:endParaRPr lang="nl-BE" b="1" dirty="0"/>
-                    </a:p>
-                  </a:txBody>
-                  <a:tcPr/>
-                </a:tc>
-                <a:tc>
-                  <a:txBody>
-                    <a:bodyPr/>
-                    <a:lstStyle/>
-                    <a:p>
-                      <a:endParaRPr lang="nl-BE" dirty="0">
-                        <a:solidFill>
-                          <a:schemeClr val="tx1"/>
-                        </a:solidFill>
-                      </a:endParaRPr>
-                    </a:p>
-                  </a:txBody>
-                  <a:tcPr/>
-                </a:tc>
-                <a:tc>
-                  <a:txBody>
-                    <a:bodyPr/>
-                    <a:lstStyle/>
-                    <a:p>
-                      <a:endParaRPr lang="nl-BE" dirty="0">
-                        <a:solidFill>
-                          <a:schemeClr val="tx1"/>
-                        </a:solidFill>
-                      </a:endParaRPr>
-                    </a:p>
-                  </a:txBody>
-                  <a:tcPr/>
-                </a:tc>
-                <a:tc>
-                  <a:txBody>
-                    <a:bodyPr/>
-                    <a:lstStyle/>
-                    <a:p>
-                      <a:endParaRPr lang="nl-BE" dirty="0">
-                        <a:solidFill>
-                          <a:schemeClr val="tx1"/>
-                        </a:solidFill>
-                      </a:endParaRPr>
-                    </a:p>
-                  </a:txBody>
-                  <a:tcPr/>
-                </a:tc>
-                <a:tc>
-                  <a:txBody>
-                    <a:bodyPr/>
-                    <a:lstStyle/>
-                    <a:p>
-                      <a:endParaRPr lang="nl-BE" dirty="0">
-                        <a:solidFill>
-                          <a:schemeClr val="tx1"/>
-                        </a:solidFill>
-                      </a:endParaRPr>
-                    </a:p>
-                  </a:txBody>
-                  <a:tcPr/>
-                </a:tc>
-                <a:extLst>
-                  <a:ext uri="{0D108BD9-81ED-4DB2-BD59-A6C34878D82A}">
-                    <a16:rowId xmlns:a16="http://schemas.microsoft.com/office/drawing/2014/main" val="3096528655"/>
-                  </a:ext>
-                </a:extLst>
-              </a:tr>
-              <a:tr h="517523">
-                <a:tc>
-                  <a:txBody>
-                    <a:bodyPr/>
-                    <a:lstStyle/>
-                    <a:p>
-                      <a:endParaRPr lang="nl-BE" b="1" dirty="0"/>
-                    </a:p>
-                  </a:txBody>
-                  <a:tcPr/>
-                </a:tc>
-                <a:tc>
-                  <a:txBody>
-                    <a:bodyPr/>
-                    <a:lstStyle/>
-                    <a:p>
-                      <a:endParaRPr lang="nl-BE" dirty="0">
-                        <a:solidFill>
-                          <a:schemeClr val="tx1"/>
-                        </a:solidFill>
-                      </a:endParaRPr>
-                    </a:p>
-                  </a:txBody>
-                  <a:tcPr/>
-                </a:tc>
-                <a:tc>
-                  <a:txBody>
-                    <a:bodyPr/>
-                    <a:lstStyle/>
-                    <a:p>
-                      <a:endParaRPr lang="nl-BE" dirty="0">
-                        <a:solidFill>
-                          <a:schemeClr val="tx1"/>
-                        </a:solidFill>
-                      </a:endParaRPr>
-                    </a:p>
-                  </a:txBody>
-                  <a:tcPr/>
-                </a:tc>
-                <a:tc>
-                  <a:txBody>
-                    <a:bodyPr/>
-                    <a:lstStyle/>
-                    <a:p>
-                      <a:endParaRPr lang="nl-BE" dirty="0">
-                        <a:solidFill>
-                          <a:schemeClr val="tx1"/>
-                        </a:solidFill>
-                      </a:endParaRPr>
-                    </a:p>
-                  </a:txBody>
-                  <a:tcPr/>
-                </a:tc>
-                <a:tc>
-                  <a:txBody>
-                    <a:bodyPr/>
-                    <a:lstStyle/>
-                    <a:p>
-                      <a:endParaRPr lang="nl-BE" dirty="0">
-                        <a:solidFill>
-                          <a:schemeClr val="tx1"/>
-                        </a:solidFill>
-                      </a:endParaRPr>
-                    </a:p>
-                  </a:txBody>
-                  <a:tcPr/>
-                </a:tc>
-                <a:extLst>
-                  <a:ext uri="{0D108BD9-81ED-4DB2-BD59-A6C34878D82A}">
-                    <a16:rowId xmlns:a16="http://schemas.microsoft.com/office/drawing/2014/main" val="2983834467"/>
-                  </a:ext>
-                </a:extLst>
-              </a:tr>
-              <a:tr h="517523">
-                <a:tc>
-                  <a:txBody>
-                    <a:bodyPr/>
-                    <a:lstStyle/>
-                    <a:p>
-                      <a:endParaRPr lang="nl-BE" b="1" dirty="0"/>
-                    </a:p>
-                  </a:txBody>
-                  <a:tcPr/>
-                </a:tc>
-                <a:tc>
-                  <a:txBody>
-                    <a:bodyPr/>
-                    <a:lstStyle/>
-                    <a:p>
-                      <a:endParaRPr lang="nl-BE" dirty="0">
-                        <a:solidFill>
-                          <a:schemeClr val="tx1"/>
-                        </a:solidFill>
-                      </a:endParaRPr>
-                    </a:p>
-                  </a:txBody>
-                  <a:tcPr/>
-                </a:tc>
-                <a:tc>
-                  <a:txBody>
-                    <a:bodyPr/>
-                    <a:lstStyle/>
-                    <a:p>
-                      <a:endParaRPr lang="nl-BE" dirty="0">
-                        <a:solidFill>
-                          <a:schemeClr val="tx1"/>
-                        </a:solidFill>
-                      </a:endParaRPr>
-                    </a:p>
-                  </a:txBody>
-                  <a:tcPr/>
-                </a:tc>
-                <a:tc>
-                  <a:txBody>
-                    <a:bodyPr/>
-                    <a:lstStyle/>
-                    <a:p>
-                      <a:endParaRPr lang="nl-BE" dirty="0">
-                        <a:solidFill>
-                          <a:schemeClr val="tx1"/>
-                        </a:solidFill>
-                      </a:endParaRPr>
-                    </a:p>
-                  </a:txBody>
-                  <a:tcPr/>
-                </a:tc>
-                <a:tc>
-                  <a:txBody>
-                    <a:bodyPr/>
-                    <a:lstStyle/>
-                    <a:p>
-                      <a:endParaRPr lang="nl-BE" dirty="0">
-                        <a:solidFill>
-                          <a:schemeClr val="tx1"/>
-                        </a:solidFill>
-                      </a:endParaRPr>
-                    </a:p>
-                  </a:txBody>
-                  <a:tcPr/>
-                </a:tc>
-                <a:extLst>
-                  <a:ext uri="{0D108BD9-81ED-4DB2-BD59-A6C34878D82A}">
-                    <a16:rowId xmlns:a16="http://schemas.microsoft.com/office/drawing/2014/main" val="2450974218"/>
-                  </a:ext>
-                </a:extLst>
-              </a:tr>
-              <a:tr h="517523">
-                <a:tc>
-                  <a:txBody>
-                    <a:bodyPr/>
-                    <a:lstStyle/>
-                    <a:p>
-                      <a:endParaRPr lang="nl-BE" b="1" dirty="0"/>
-                    </a:p>
-                  </a:txBody>
-                  <a:tcPr/>
-                </a:tc>
-                <a:tc>
-                  <a:txBody>
-                    <a:bodyPr/>
-                    <a:lstStyle/>
-                    <a:p>
-                      <a:endParaRPr lang="nl-BE" dirty="0">
-                        <a:solidFill>
-                          <a:schemeClr val="tx1"/>
-                        </a:solidFill>
-                      </a:endParaRPr>
-                    </a:p>
-                  </a:txBody>
-                  <a:tcPr/>
-                </a:tc>
-                <a:tc>
-                  <a:txBody>
-                    <a:bodyPr/>
-                    <a:lstStyle/>
-                    <a:p>
-                      <a:endParaRPr lang="nl-BE" dirty="0">
-                        <a:solidFill>
-                          <a:schemeClr val="tx1"/>
-                        </a:solidFill>
-                      </a:endParaRPr>
-                    </a:p>
-                  </a:txBody>
-                  <a:tcPr/>
-                </a:tc>
-                <a:tc>
-                  <a:txBody>
-                    <a:bodyPr/>
-                    <a:lstStyle/>
-                    <a:p>
-                      <a:endParaRPr lang="nl-BE" dirty="0">
-                        <a:solidFill>
-                          <a:schemeClr val="tx1"/>
-                        </a:solidFill>
-                      </a:endParaRPr>
-                    </a:p>
-                  </a:txBody>
-                  <a:tcPr/>
-                </a:tc>
-                <a:tc>
-                  <a:txBody>
-                    <a:bodyPr/>
-                    <a:lstStyle/>
-                    <a:p>
-                      <a:endParaRPr lang="nl-BE" dirty="0">
-                        <a:solidFill>
-                          <a:schemeClr val="tx1"/>
-                        </a:solidFill>
-                      </a:endParaRPr>
-                    </a:p>
-                  </a:txBody>
-                  <a:tcPr/>
-                </a:tc>
-                <a:extLst>
-                  <a:ext uri="{0D108BD9-81ED-4DB2-BD59-A6C34878D82A}">
-                    <a16:rowId xmlns:a16="http://schemas.microsoft.com/office/drawing/2014/main" val="3727148572"/>
-                  </a:ext>
-                </a:extLst>
-              </a:tr>
             </a:tbl>
           </a:graphicData>
         </a:graphic>
@@ -18787,7 +18030,7 @@
         <p:spPr>
           <a:xfrm>
             <a:off x="4852507" y="2015192"/>
-            <a:ext cx="936104" cy="4141768"/>
+            <a:ext cx="936104" cy="2672879"/>
           </a:xfrm>
           <a:prstGeom prst="rect">
             <a:avLst/>
@@ -19197,7 +18440,7 @@
             <a:pPr algn="ctr"/>
             <a:r>
               <a:rPr lang="nl-BE" sz="2800" b="1" dirty="0"/>
-              <a:t>4.2. Studieduur per type SO, uitstroom ‘18-’19 </a:t>
+              <a:t>4.2. Studieduur per type SO, uitstroom ‘18-’19* </a:t>
             </a:r>
           </a:p>
           <a:p>
@@ -20153,14 +19396,14 @@
           <p:nvPr>
             <p:extLst>
               <p:ext uri="{D42A27DB-BD31-4B8C-83A1-F6EECF244321}">
-                <p14:modId xmlns:p14="http://schemas.microsoft.com/office/powerpoint/2010/main" val="949760264"/>
+                <p14:modId xmlns:p14="http://schemas.microsoft.com/office/powerpoint/2010/main" val="2802302501"/>
               </p:ext>
             </p:extLst>
           </p:nvPr>
         </p:nvGraphicFramePr>
         <p:xfrm>
           <a:off x="141409" y="1705785"/>
-          <a:ext cx="8764288" cy="3172110"/>
+          <a:ext cx="8175006" cy="3121806"/>
         </p:xfrm>
         <a:graphic>
           <a:graphicData uri="http://schemas.openxmlformats.org/drawingml/2006/table">
@@ -20169,63 +19412,42 @@
                 <a:tableStyleId>{5C22544A-7EE6-4342-B048-85BDC9FD1C3A}</a:tableStyleId>
               </a:tblPr>
               <a:tblGrid>
-                <a:gridCol w="1636053">
+                <a:gridCol w="2265081">
                   <a:extLst>
                     <a:ext uri="{9D8B030D-6E8A-4147-A177-3AD203B41FA5}">
                       <a16:colId xmlns:a16="http://schemas.microsoft.com/office/drawing/2014/main" val="20000"/>
                     </a:ext>
                   </a:extLst>
                 </a:gridCol>
-                <a:gridCol w="1095141">
-                  <a:extLst>
-                    <a:ext uri="{9D8B030D-6E8A-4147-A177-3AD203B41FA5}">
-                      <a16:colId xmlns:a16="http://schemas.microsoft.com/office/drawing/2014/main" val="20001"/>
-                    </a:ext>
-                  </a:extLst>
-                </a:gridCol>
-                <a:gridCol w="910654">
-                  <a:extLst>
-                    <a:ext uri="{9D8B030D-6E8A-4147-A177-3AD203B41FA5}">
-                      <a16:colId xmlns:a16="http://schemas.microsoft.com/office/drawing/2014/main" val="20002"/>
-                    </a:ext>
-                  </a:extLst>
-                </a:gridCol>
-                <a:gridCol w="853740">
-                  <a:extLst>
-                    <a:ext uri="{9D8B030D-6E8A-4147-A177-3AD203B41FA5}">
-                      <a16:colId xmlns:a16="http://schemas.microsoft.com/office/drawing/2014/main" val="20003"/>
-                    </a:ext>
-                  </a:extLst>
-                </a:gridCol>
-                <a:gridCol w="853740">
+                <a:gridCol w="1181985">
                   <a:extLst>
                     <a:ext uri="{9D8B030D-6E8A-4147-A177-3AD203B41FA5}">
                       <a16:colId xmlns:a16="http://schemas.microsoft.com/office/drawing/2014/main" val="20004"/>
                     </a:ext>
                   </a:extLst>
                 </a:gridCol>
-                <a:gridCol w="853740">
+                <a:gridCol w="1181985">
                   <a:extLst>
                     <a:ext uri="{9D8B030D-6E8A-4147-A177-3AD203B41FA5}">
                       <a16:colId xmlns:a16="http://schemas.microsoft.com/office/drawing/2014/main" val="2111045901"/>
                     </a:ext>
                   </a:extLst>
                 </a:gridCol>
-                <a:gridCol w="853740">
+                <a:gridCol w="1181985">
                   <a:extLst>
                     <a:ext uri="{9D8B030D-6E8A-4147-A177-3AD203B41FA5}">
                       <a16:colId xmlns:a16="http://schemas.microsoft.com/office/drawing/2014/main" val="1013197456"/>
                     </a:ext>
                   </a:extLst>
                 </a:gridCol>
-                <a:gridCol w="853740">
+                <a:gridCol w="1181985">
                   <a:extLst>
                     <a:ext uri="{9D8B030D-6E8A-4147-A177-3AD203B41FA5}">
                       <a16:colId xmlns:a16="http://schemas.microsoft.com/office/drawing/2014/main" val="2866090407"/>
                     </a:ext>
                   </a:extLst>
                 </a:gridCol>
-                <a:gridCol w="853740">
+                <a:gridCol w="1181985">
                   <a:extLst>
                     <a:ext uri="{9D8B030D-6E8A-4147-A177-3AD203B41FA5}">
                       <a16:colId xmlns:a16="http://schemas.microsoft.com/office/drawing/2014/main" val="469670637"/>
@@ -20303,36 +19525,6 @@
                   </a:txBody>
                   <a:tcPr/>
                 </a:tc>
-                <a:tc>
-                  <a:txBody>
-                    <a:bodyPr/>
-                    <a:lstStyle/>
-                    <a:p>
-                      <a:endParaRPr lang="nl-BE" dirty="0"/>
-                    </a:p>
-                  </a:txBody>
-                  <a:tcPr/>
-                </a:tc>
-                <a:tc>
-                  <a:txBody>
-                    <a:bodyPr/>
-                    <a:lstStyle/>
-                    <a:p>
-                      <a:endParaRPr lang="nl-BE" dirty="0"/>
-                    </a:p>
-                  </a:txBody>
-                  <a:tcPr/>
-                </a:tc>
-                <a:tc>
-                  <a:txBody>
-                    <a:bodyPr/>
-                    <a:lstStyle/>
-                    <a:p>
-                      <a:endParaRPr lang="nl-BE" dirty="0"/>
-                    </a:p>
-                  </a:txBody>
-                  <a:tcPr/>
-                </a:tc>
                 <a:extLst>
                   <a:ext uri="{0D108BD9-81ED-4DB2-BD59-A6C34878D82A}">
                     <a16:rowId xmlns:a16="http://schemas.microsoft.com/office/drawing/2014/main" val="10000"/>
@@ -20423,48 +19615,6 @@
                   </a:txBody>
                   <a:tcPr/>
                 </a:tc>
-                <a:tc>
-                  <a:txBody>
-                    <a:bodyPr/>
-                    <a:lstStyle/>
-                    <a:p>
-                      <a:endParaRPr lang="nl-BE" sz="1800" dirty="0">
-                        <a:solidFill>
-                          <a:schemeClr val="tx1"/>
-                        </a:solidFill>
-                      </a:endParaRPr>
-                    </a:p>
-                  </a:txBody>
-                  <a:tcPr/>
-                </a:tc>
-                <a:tc>
-                  <a:txBody>
-                    <a:bodyPr/>
-                    <a:lstStyle/>
-                    <a:p>
-                      <a:endParaRPr lang="nl-BE" sz="1800" dirty="0">
-                        <a:solidFill>
-                          <a:schemeClr val="tx1"/>
-                        </a:solidFill>
-                      </a:endParaRPr>
-                    </a:p>
-                  </a:txBody>
-                  <a:tcPr/>
-                </a:tc>
-                <a:tc>
-                  <a:txBody>
-                    <a:bodyPr/>
-                    <a:lstStyle/>
-                    <a:p>
-                      <a:endParaRPr lang="nl-BE" sz="1800" dirty="0">
-                        <a:solidFill>
-                          <a:schemeClr val="tx1"/>
-                        </a:solidFill>
-                      </a:endParaRPr>
-                    </a:p>
-                  </a:txBody>
-                  <a:tcPr/>
-                </a:tc>
                 <a:extLst>
                   <a:ext uri="{0D108BD9-81ED-4DB2-BD59-A6C34878D82A}">
                     <a16:rowId xmlns:a16="http://schemas.microsoft.com/office/drawing/2014/main" val="10001"/>
@@ -20555,48 +19705,6 @@
                   </a:txBody>
                   <a:tcPr/>
                 </a:tc>
-                <a:tc>
-                  <a:txBody>
-                    <a:bodyPr/>
-                    <a:lstStyle/>
-                    <a:p>
-                      <a:endParaRPr lang="nl-BE" sz="1800" dirty="0">
-                        <a:solidFill>
-                          <a:schemeClr val="tx1"/>
-                        </a:solidFill>
-                      </a:endParaRPr>
-                    </a:p>
-                  </a:txBody>
-                  <a:tcPr/>
-                </a:tc>
-                <a:tc>
-                  <a:txBody>
-                    <a:bodyPr/>
-                    <a:lstStyle/>
-                    <a:p>
-                      <a:endParaRPr lang="nl-BE" sz="1800" dirty="0">
-                        <a:solidFill>
-                          <a:schemeClr val="tx1"/>
-                        </a:solidFill>
-                      </a:endParaRPr>
-                    </a:p>
-                  </a:txBody>
-                  <a:tcPr/>
-                </a:tc>
-                <a:tc>
-                  <a:txBody>
-                    <a:bodyPr/>
-                    <a:lstStyle/>
-                    <a:p>
-                      <a:endParaRPr lang="nl-BE" sz="1800" dirty="0">
-                        <a:solidFill>
-                          <a:schemeClr val="tx1"/>
-                        </a:solidFill>
-                      </a:endParaRPr>
-                    </a:p>
-                  </a:txBody>
-                  <a:tcPr/>
-                </a:tc>
                 <a:extLst>
                   <a:ext uri="{0D108BD9-81ED-4DB2-BD59-A6C34878D82A}">
                     <a16:rowId xmlns:a16="http://schemas.microsoft.com/office/drawing/2014/main" val="10002"/>
@@ -20687,48 +19795,6 @@
                   </a:txBody>
                   <a:tcPr/>
                 </a:tc>
-                <a:tc>
-                  <a:txBody>
-                    <a:bodyPr/>
-                    <a:lstStyle/>
-                    <a:p>
-                      <a:endParaRPr lang="nl-BE" sz="1800" dirty="0">
-                        <a:solidFill>
-                          <a:schemeClr val="tx1"/>
-                        </a:solidFill>
-                      </a:endParaRPr>
-                    </a:p>
-                  </a:txBody>
-                  <a:tcPr/>
-                </a:tc>
-                <a:tc>
-                  <a:txBody>
-                    <a:bodyPr/>
-                    <a:lstStyle/>
-                    <a:p>
-                      <a:endParaRPr lang="nl-BE" sz="1800" dirty="0">
-                        <a:solidFill>
-                          <a:schemeClr val="tx1"/>
-                        </a:solidFill>
-                      </a:endParaRPr>
-                    </a:p>
-                  </a:txBody>
-                  <a:tcPr/>
-                </a:tc>
-                <a:tc>
-                  <a:txBody>
-                    <a:bodyPr/>
-                    <a:lstStyle/>
-                    <a:p>
-                      <a:endParaRPr lang="nl-BE" sz="1800" dirty="0">
-                        <a:solidFill>
-                          <a:schemeClr val="tx1"/>
-                        </a:solidFill>
-                      </a:endParaRPr>
-                    </a:p>
-                  </a:txBody>
-                  <a:tcPr/>
-                </a:tc>
                 <a:extLst>
                   <a:ext uri="{0D108BD9-81ED-4DB2-BD59-A6C34878D82A}">
                     <a16:rowId xmlns:a16="http://schemas.microsoft.com/office/drawing/2014/main" val="10003"/>
@@ -20819,48 +19885,6 @@
                   </a:txBody>
                   <a:tcPr/>
                 </a:tc>
-                <a:tc>
-                  <a:txBody>
-                    <a:bodyPr/>
-                    <a:lstStyle/>
-                    <a:p>
-                      <a:endParaRPr lang="nl-BE" sz="1800" dirty="0">
-                        <a:solidFill>
-                          <a:schemeClr val="tx1"/>
-                        </a:solidFill>
-                      </a:endParaRPr>
-                    </a:p>
-                  </a:txBody>
-                  <a:tcPr/>
-                </a:tc>
-                <a:tc>
-                  <a:txBody>
-                    <a:bodyPr/>
-                    <a:lstStyle/>
-                    <a:p>
-                      <a:endParaRPr lang="nl-BE" sz="1800" dirty="0">
-                        <a:solidFill>
-                          <a:schemeClr val="tx1"/>
-                        </a:solidFill>
-                      </a:endParaRPr>
-                    </a:p>
-                  </a:txBody>
-                  <a:tcPr/>
-                </a:tc>
-                <a:tc>
-                  <a:txBody>
-                    <a:bodyPr/>
-                    <a:lstStyle/>
-                    <a:p>
-                      <a:endParaRPr lang="nl-BE" sz="1800" dirty="0">
-                        <a:solidFill>
-                          <a:schemeClr val="tx1"/>
-                        </a:solidFill>
-                      </a:endParaRPr>
-                    </a:p>
-                  </a:txBody>
-                  <a:tcPr/>
-                </a:tc>
                 <a:extLst>
                   <a:ext uri="{0D108BD9-81ED-4DB2-BD59-A6C34878D82A}">
                     <a16:rowId xmlns:a16="http://schemas.microsoft.com/office/drawing/2014/main" val="10004"/>
@@ -20877,48 +19901,6 @@
                         <a:rPr lang="nl-BE" b="1" dirty="0"/>
                         <a:t>BLND</a:t>
                       </a:r>
-                    </a:p>
-                  </a:txBody>
-                  <a:tcPr/>
-                </a:tc>
-                <a:tc>
-                  <a:txBody>
-                    <a:bodyPr/>
-                    <a:lstStyle/>
-                    <a:p>
-                      <a:endParaRPr lang="nl-BE" sz="1800" dirty="0">
-                        <a:solidFill>
-                          <a:schemeClr val="tx1"/>
-                        </a:solidFill>
-                      </a:endParaRPr>
-                    </a:p>
-                  </a:txBody>
-                  <a:tcPr/>
-                </a:tc>
-                <a:tc>
-                  <a:txBody>
-                    <a:bodyPr/>
-                    <a:lstStyle/>
-                    <a:p>
-                      <a:endParaRPr lang="nl-BE" sz="1800" dirty="0">
-                        <a:solidFill>
-                          <a:schemeClr val="tx1"/>
-                        </a:solidFill>
-                      </a:endParaRPr>
-                    </a:p>
-                  </a:txBody>
-                  <a:tcPr/>
-                </a:tc>
-                <a:tc>
-                  <a:txBody>
-                    <a:bodyPr/>
-                    <a:lstStyle/>
-                    <a:p>
-                      <a:endParaRPr lang="nl-BE" sz="1800" dirty="0">
-                        <a:solidFill>
-                          <a:schemeClr val="tx1"/>
-                        </a:solidFill>
-                      </a:endParaRPr>
                     </a:p>
                   </a:txBody>
                   <a:tcPr/>
@@ -21803,84 +20785,56 @@
           <p:nvPr>
             <p:extLst>
               <p:ext uri="{D42A27DB-BD31-4B8C-83A1-F6EECF244321}">
-                <p14:modId xmlns:p14="http://schemas.microsoft.com/office/powerpoint/2010/main" val="2368737522"/>
+                <p14:modId xmlns:p14="http://schemas.microsoft.com/office/powerpoint/2010/main" val="642054641"/>
               </p:ext>
             </p:extLst>
           </p:nvPr>
         </p:nvGraphicFramePr>
         <p:xfrm>
           <a:off x="204326" y="1594879"/>
-          <a:ext cx="8820470" cy="2391921"/>
+          <a:ext cx="8472132" cy="2113521"/>
         </p:xfrm>
         <a:graphic>
           <a:graphicData uri="http://schemas.openxmlformats.org/drawingml/2006/table">
             <a:tbl>
               <a:tblPr/>
               <a:tblGrid>
-                <a:gridCol w="882047">
+                <a:gridCol w="1412022">
                   <a:extLst>
                     <a:ext uri="{9D8B030D-6E8A-4147-A177-3AD203B41FA5}">
                       <a16:colId xmlns:a16="http://schemas.microsoft.com/office/drawing/2014/main" val="1049919197"/>
                     </a:ext>
                   </a:extLst>
                 </a:gridCol>
-                <a:gridCol w="882047">
-                  <a:extLst>
-                    <a:ext uri="{9D8B030D-6E8A-4147-A177-3AD203B41FA5}">
-                      <a16:colId xmlns:a16="http://schemas.microsoft.com/office/drawing/2014/main" val="4261642063"/>
-                    </a:ext>
-                  </a:extLst>
-                </a:gridCol>
-                <a:gridCol w="882047">
-                  <a:extLst>
-                    <a:ext uri="{9D8B030D-6E8A-4147-A177-3AD203B41FA5}">
-                      <a16:colId xmlns:a16="http://schemas.microsoft.com/office/drawing/2014/main" val="3415789418"/>
-                    </a:ext>
-                  </a:extLst>
-                </a:gridCol>
-                <a:gridCol w="882047">
-                  <a:extLst>
-                    <a:ext uri="{9D8B030D-6E8A-4147-A177-3AD203B41FA5}">
-                      <a16:colId xmlns:a16="http://schemas.microsoft.com/office/drawing/2014/main" val="1958443101"/>
-                    </a:ext>
-                  </a:extLst>
-                </a:gridCol>
-                <a:gridCol w="882047">
-                  <a:extLst>
-                    <a:ext uri="{9D8B030D-6E8A-4147-A177-3AD203B41FA5}">
-                      <a16:colId xmlns:a16="http://schemas.microsoft.com/office/drawing/2014/main" val="2836321494"/>
-                    </a:ext>
-                  </a:extLst>
-                </a:gridCol>
-                <a:gridCol w="882047">
+                <a:gridCol w="1412022">
                   <a:extLst>
                     <a:ext uri="{9D8B030D-6E8A-4147-A177-3AD203B41FA5}">
                       <a16:colId xmlns:a16="http://schemas.microsoft.com/office/drawing/2014/main" val="4208118107"/>
                     </a:ext>
                   </a:extLst>
                 </a:gridCol>
-                <a:gridCol w="882047">
+                <a:gridCol w="1412022">
                   <a:extLst>
                     <a:ext uri="{9D8B030D-6E8A-4147-A177-3AD203B41FA5}">
                       <a16:colId xmlns:a16="http://schemas.microsoft.com/office/drawing/2014/main" val="2916317062"/>
                     </a:ext>
                   </a:extLst>
                 </a:gridCol>
-                <a:gridCol w="882047">
+                <a:gridCol w="1412022">
                   <a:extLst>
                     <a:ext uri="{9D8B030D-6E8A-4147-A177-3AD203B41FA5}">
                       <a16:colId xmlns:a16="http://schemas.microsoft.com/office/drawing/2014/main" val="3882080786"/>
                     </a:ext>
                   </a:extLst>
                 </a:gridCol>
-                <a:gridCol w="882047">
+                <a:gridCol w="1412022">
                   <a:extLst>
                     <a:ext uri="{9D8B030D-6E8A-4147-A177-3AD203B41FA5}">
                       <a16:colId xmlns:a16="http://schemas.microsoft.com/office/drawing/2014/main" val="378963805"/>
                     </a:ext>
                   </a:extLst>
                 </a:gridCol>
-                <a:gridCol w="882047">
+                <a:gridCol w="1412022">
                   <a:extLst>
                     <a:ext uri="{9D8B030D-6E8A-4147-A177-3AD203B41FA5}">
                       <a16:colId xmlns:a16="http://schemas.microsoft.com/office/drawing/2014/main" val="3640245922"/>
@@ -22170,7 +21124,7 @@
                       <a:pPr algn="ctr" rtl="0" fontAlgn="b"/>
                       <a:endParaRPr lang="nl-BE" sz="1400" b="1" i="0" u="none" strike="noStrike" dirty="0">
                         <a:solidFill>
-                          <a:srgbClr val="000000"/>
+                          <a:srgbClr val="4F81BD"/>
                         </a:solidFill>
                         <a:effectLst/>
                         <a:latin typeface="Tahoma" panose="020B0604030504040204" pitchFamily="34" charset="0"/>
@@ -22216,19 +21170,29 @@
                     </a:lnB>
                   </a:tcPr>
                 </a:tc>
-                <a:tc>
-                  <a:txBody>
-                    <a:bodyPr/>
-                    <a:lstStyle/>
-                    <a:p>
-                      <a:pPr algn="ctr" rtl="0" fontAlgn="b"/>
-                      <a:endParaRPr lang="nl-BE" sz="1400" b="1" i="0" u="none" strike="noStrike" dirty="0">
-                        <a:solidFill>
-                          <a:srgbClr val="000000"/>
-                        </a:solidFill>
-                        <a:effectLst/>
-                        <a:latin typeface="Tahoma" panose="020B0604030504040204" pitchFamily="34" charset="0"/>
-                      </a:endParaRPr>
+                <a:extLst>
+                  <a:ext uri="{0D108BD9-81ED-4DB2-BD59-A6C34878D82A}">
+                    <a16:rowId xmlns:a16="http://schemas.microsoft.com/office/drawing/2014/main" val="2769164457"/>
+                  </a:ext>
+                </a:extLst>
+              </a:tr>
+              <a:tr h="680214">
+                <a:tc>
+                  <a:txBody>
+                    <a:bodyPr/>
+                    <a:lstStyle/>
+                    <a:p>
+                      <a:pPr algn="l" rtl="0" fontAlgn="b"/>
+                      <a:r>
+                        <a:rPr lang="nl-BE" sz="1400" b="0" i="0" u="none" strike="noStrike">
+                          <a:solidFill>
+                            <a:srgbClr val="000000"/>
+                          </a:solidFill>
+                          <a:effectLst/>
+                          <a:latin typeface="Calibri" panose="020F0502020204030204" pitchFamily="34" charset="0"/>
+                        </a:rPr>
+                        <a:t>opgenomen studiepunten</a:t>
+                      </a:r>
                     </a:p>
                   </a:txBody>
                   <a:tcPr marL="0" marR="0" marT="0" marB="0" anchor="b">
@@ -22276,7 +21240,7 @@
                     <a:lstStyle/>
                     <a:p>
                       <a:pPr algn="ctr" rtl="0" fontAlgn="b"/>
-                      <a:endParaRPr lang="nl-BE" sz="1400" b="1" i="0" u="none" strike="noStrike" dirty="0">
+                      <a:endParaRPr lang="nl-BE" sz="1400" b="0" i="0" u="none" strike="noStrike" dirty="0">
                         <a:solidFill>
                           <a:srgbClr val="000000"/>
                         </a:solidFill>
@@ -22330,7 +21294,7 @@
                     <a:lstStyle/>
                     <a:p>
                       <a:pPr algn="ctr" rtl="0" fontAlgn="b"/>
-                      <a:endParaRPr lang="nl-BE" sz="1400" b="1" i="0" u="none" strike="noStrike" dirty="0">
+                      <a:endParaRPr lang="nl-BE" sz="1400" b="0" i="0" u="none" strike="noStrike" dirty="0">
                         <a:solidFill>
                           <a:srgbClr val="000000"/>
                         </a:solidFill>
@@ -22384,9 +21348,9 @@
                     <a:lstStyle/>
                     <a:p>
                       <a:pPr algn="ctr" rtl="0" fontAlgn="b"/>
-                      <a:endParaRPr lang="nl-BE" sz="1400" b="1" i="0" u="none" strike="noStrike" dirty="0">
-                        <a:solidFill>
-                          <a:srgbClr val="4F81BD"/>
+                      <a:endParaRPr lang="nl-BE" sz="1600" b="0" i="0" u="none" strike="noStrike" dirty="0">
+                        <a:solidFill>
+                          <a:srgbClr val="000000"/>
                         </a:solidFill>
                         <a:effectLst/>
                         <a:latin typeface="Tahoma" panose="020B0604030504040204" pitchFamily="34" charset="0"/>
@@ -22432,29 +21396,19 @@
                     </a:lnB>
                   </a:tcPr>
                 </a:tc>
-                <a:extLst>
-                  <a:ext uri="{0D108BD9-81ED-4DB2-BD59-A6C34878D82A}">
-                    <a16:rowId xmlns:a16="http://schemas.microsoft.com/office/drawing/2014/main" val="2769164457"/>
-                  </a:ext>
-                </a:extLst>
-              </a:tr>
-              <a:tr h="680214">
-                <a:tc>
-                  <a:txBody>
-                    <a:bodyPr/>
-                    <a:lstStyle/>
-                    <a:p>
-                      <a:pPr algn="l" rtl="0" fontAlgn="b"/>
-                      <a:r>
-                        <a:rPr lang="nl-BE" sz="1400" b="0" i="0" u="none" strike="noStrike">
-                          <a:solidFill>
-                            <a:srgbClr val="000000"/>
-                          </a:solidFill>
-                          <a:effectLst/>
-                          <a:latin typeface="Calibri" panose="020F0502020204030204" pitchFamily="34" charset="0"/>
-                        </a:rPr>
-                        <a:t>opgenomen studiepunten</a:t>
-                      </a:r>
+                <a:tc>
+                  <a:txBody>
+                    <a:bodyPr/>
+                    <a:lstStyle/>
+                    <a:p>
+                      <a:pPr algn="ctr" rtl="0" fontAlgn="b"/>
+                      <a:endParaRPr lang="nl-BE" sz="1600" b="0" i="0" u="none" strike="noStrike" dirty="0">
+                        <a:solidFill>
+                          <a:srgbClr val="000000"/>
+                        </a:solidFill>
+                        <a:effectLst/>
+                        <a:latin typeface="Calibri" panose="020F0502020204030204" pitchFamily="34" charset="0"/>
+                      </a:endParaRPr>
                     </a:p>
                   </a:txBody>
                   <a:tcPr marL="0" marR="0" marT="0" marB="0" anchor="b">
@@ -22502,12 +21456,12 @@
                     <a:lstStyle/>
                     <a:p>
                       <a:pPr algn="ctr" rtl="0" fontAlgn="b"/>
-                      <a:endParaRPr lang="nl-BE" sz="1400" b="0" i="0" u="none" strike="noStrike" dirty="0">
-                        <a:solidFill>
-                          <a:srgbClr val="000000"/>
+                      <a:endParaRPr lang="nl-BE" sz="1600" b="0" i="0" u="none" strike="noStrike" dirty="0">
+                        <a:solidFill>
+                          <a:srgbClr val="4F81BD"/>
                         </a:solidFill>
                         <a:effectLst/>
-                        <a:latin typeface="Tahoma" panose="020B0604030504040204" pitchFamily="34" charset="0"/>
+                        <a:latin typeface="Calibri" panose="020F0502020204030204" pitchFamily="34" charset="0"/>
                       </a:endParaRPr>
                     </a:p>
                   </a:txBody>
@@ -22550,19 +21504,29 @@
                     </a:lnB>
                   </a:tcPr>
                 </a:tc>
-                <a:tc>
-                  <a:txBody>
-                    <a:bodyPr/>
-                    <a:lstStyle/>
-                    <a:p>
-                      <a:pPr algn="ctr" rtl="0" fontAlgn="b"/>
-                      <a:endParaRPr lang="nl-BE" sz="1400" b="0" i="0" u="none" strike="noStrike" dirty="0">
-                        <a:solidFill>
-                          <a:srgbClr val="000000"/>
-                        </a:solidFill>
-                        <a:effectLst/>
-                        <a:latin typeface="Tahoma" panose="020B0604030504040204" pitchFamily="34" charset="0"/>
-                      </a:endParaRPr>
+                <a:extLst>
+                  <a:ext uri="{0D108BD9-81ED-4DB2-BD59-A6C34878D82A}">
+                    <a16:rowId xmlns:a16="http://schemas.microsoft.com/office/drawing/2014/main" val="3852400749"/>
+                  </a:ext>
+                </a:extLst>
+              </a:tr>
+              <a:tr h="510160">
+                <a:tc>
+                  <a:txBody>
+                    <a:bodyPr/>
+                    <a:lstStyle/>
+                    <a:p>
+                      <a:pPr algn="l" rtl="0" fontAlgn="b"/>
+                      <a:r>
+                        <a:rPr lang="nl-BE" sz="1400" b="0" i="0" u="none" strike="noStrike">
+                          <a:solidFill>
+                            <a:srgbClr val="000000"/>
+                          </a:solidFill>
+                          <a:effectLst/>
+                          <a:latin typeface="Calibri" panose="020F0502020204030204" pitchFamily="34" charset="0"/>
+                        </a:rPr>
+                        <a:t>verworven studiepunten</a:t>
+                      </a:r>
                     </a:p>
                   </a:txBody>
                   <a:tcPr marL="0" marR="0" marT="0" marB="0" anchor="b">
@@ -22669,7 +21633,7 @@
                           <a:srgbClr val="000000"/>
                         </a:solidFill>
                         <a:effectLst/>
-                        <a:latin typeface="Tahoma" panose="020B0604030504040204" pitchFamily="34" charset="0"/>
+                        <a:latin typeface="Calibri" panose="020F0502020204030204" pitchFamily="34" charset="0"/>
                       </a:endParaRPr>
                     </a:p>
                   </a:txBody>
@@ -22718,12 +21682,12 @@
                     <a:lstStyle/>
                     <a:p>
                       <a:pPr algn="ctr" rtl="0" fontAlgn="b"/>
-                      <a:endParaRPr lang="nl-BE" sz="1400" b="0" i="0" u="none" strike="noStrike" dirty="0">
+                      <a:endParaRPr lang="nl-BE" sz="1600" b="0" i="0" u="none" strike="noStrike" dirty="0">
                         <a:solidFill>
                           <a:srgbClr val="000000"/>
                         </a:solidFill>
                         <a:effectLst/>
-                        <a:latin typeface="Tahoma" panose="020B0604030504040204" pitchFamily="34" charset="0"/>
+                        <a:latin typeface="Calibri" panose="020F0502020204030204" pitchFamily="34" charset="0"/>
                       </a:endParaRPr>
                     </a:p>
                   </a:txBody>
@@ -22772,12 +21736,12 @@
                     <a:lstStyle/>
                     <a:p>
                       <a:pPr algn="ctr" rtl="0" fontAlgn="b"/>
-                      <a:endParaRPr lang="nl-BE" sz="1400" b="0" i="0" u="none" strike="noStrike" dirty="0">
+                      <a:endParaRPr lang="nl-BE" sz="1600" b="0" i="0" u="none" strike="noStrike" dirty="0">
                         <a:solidFill>
                           <a:srgbClr val="000000"/>
                         </a:solidFill>
                         <a:effectLst/>
-                        <a:latin typeface="Tahoma" panose="020B0604030504040204" pitchFamily="34" charset="0"/>
+                        <a:latin typeface="Calibri" panose="020F0502020204030204" pitchFamily="34" charset="0"/>
                       </a:endParaRPr>
                     </a:p>
                   </a:txBody>
@@ -22828,10 +21792,10 @@
                       <a:pPr algn="ctr" rtl="0" fontAlgn="b"/>
                       <a:endParaRPr lang="nl-BE" sz="1600" b="0" i="0" u="none" strike="noStrike" dirty="0">
                         <a:solidFill>
-                          <a:srgbClr val="000000"/>
+                          <a:srgbClr val="4F81BD"/>
                         </a:solidFill>
                         <a:effectLst/>
-                        <a:latin typeface="Tahoma" panose="020B0604030504040204" pitchFamily="34" charset="0"/>
+                        <a:latin typeface="Calibri" panose="020F0502020204030204" pitchFamily="34" charset="0"/>
                       </a:endParaRPr>
                     </a:p>
                   </a:txBody>
@@ -22874,664 +21838,6 @@
                     </a:lnB>
                   </a:tcPr>
                 </a:tc>
-                <a:tc>
-                  <a:txBody>
-                    <a:bodyPr/>
-                    <a:lstStyle/>
-                    <a:p>
-                      <a:pPr algn="ctr" rtl="0" fontAlgn="b"/>
-                      <a:endParaRPr lang="nl-BE" sz="1600" b="0" i="0" u="none" strike="noStrike" dirty="0">
-                        <a:solidFill>
-                          <a:srgbClr val="000000"/>
-                        </a:solidFill>
-                        <a:effectLst/>
-                        <a:latin typeface="Calibri" panose="020F0502020204030204" pitchFamily="34" charset="0"/>
-                      </a:endParaRPr>
-                    </a:p>
-                  </a:txBody>
-                  <a:tcPr marL="0" marR="0" marT="0" marB="0" anchor="b">
-                    <a:lnL w="6350" cap="flat" cmpd="sng" algn="ctr">
-                      <a:solidFill>
-                        <a:srgbClr val="000000"/>
-                      </a:solidFill>
-                      <a:prstDash val="solid"/>
-                      <a:round/>
-                      <a:headEnd type="none" w="med" len="med"/>
-                      <a:tailEnd type="none" w="med" len="med"/>
-                    </a:lnL>
-                    <a:lnR w="6350" cap="flat" cmpd="sng" algn="ctr">
-                      <a:solidFill>
-                        <a:srgbClr val="000000"/>
-                      </a:solidFill>
-                      <a:prstDash val="solid"/>
-                      <a:round/>
-                      <a:headEnd type="none" w="med" len="med"/>
-                      <a:tailEnd type="none" w="med" len="med"/>
-                    </a:lnR>
-                    <a:lnT w="6350" cap="flat" cmpd="sng" algn="ctr">
-                      <a:solidFill>
-                        <a:srgbClr val="000000"/>
-                      </a:solidFill>
-                      <a:prstDash val="solid"/>
-                      <a:round/>
-                      <a:headEnd type="none" w="med" len="med"/>
-                      <a:tailEnd type="none" w="med" len="med"/>
-                    </a:lnT>
-                    <a:lnB w="6350" cap="flat" cmpd="sng" algn="ctr">
-                      <a:solidFill>
-                        <a:srgbClr val="000000"/>
-                      </a:solidFill>
-                      <a:prstDash val="solid"/>
-                      <a:round/>
-                      <a:headEnd type="none" w="med" len="med"/>
-                      <a:tailEnd type="none" w="med" len="med"/>
-                    </a:lnB>
-                  </a:tcPr>
-                </a:tc>
-                <a:tc>
-                  <a:txBody>
-                    <a:bodyPr/>
-                    <a:lstStyle/>
-                    <a:p>
-                      <a:pPr algn="ctr" rtl="0" fontAlgn="b"/>
-                      <a:endParaRPr lang="nl-BE" sz="1600" b="0" i="0" u="none" strike="noStrike" dirty="0">
-                        <a:solidFill>
-                          <a:srgbClr val="4F81BD"/>
-                        </a:solidFill>
-                        <a:effectLst/>
-                        <a:latin typeface="Calibri" panose="020F0502020204030204" pitchFamily="34" charset="0"/>
-                      </a:endParaRPr>
-                    </a:p>
-                  </a:txBody>
-                  <a:tcPr marL="0" marR="0" marT="0" marB="0" anchor="b">
-                    <a:lnL w="6350" cap="flat" cmpd="sng" algn="ctr">
-                      <a:solidFill>
-                        <a:srgbClr val="000000"/>
-                      </a:solidFill>
-                      <a:prstDash val="solid"/>
-                      <a:round/>
-                      <a:headEnd type="none" w="med" len="med"/>
-                      <a:tailEnd type="none" w="med" len="med"/>
-                    </a:lnL>
-                    <a:lnR w="6350" cap="flat" cmpd="sng" algn="ctr">
-                      <a:solidFill>
-                        <a:srgbClr val="000000"/>
-                      </a:solidFill>
-                      <a:prstDash val="solid"/>
-                      <a:round/>
-                      <a:headEnd type="none" w="med" len="med"/>
-                      <a:tailEnd type="none" w="med" len="med"/>
-                    </a:lnR>
-                    <a:lnT w="6350" cap="flat" cmpd="sng" algn="ctr">
-                      <a:solidFill>
-                        <a:srgbClr val="000000"/>
-                      </a:solidFill>
-                      <a:prstDash val="solid"/>
-                      <a:round/>
-                      <a:headEnd type="none" w="med" len="med"/>
-                      <a:tailEnd type="none" w="med" len="med"/>
-                    </a:lnT>
-                    <a:lnB w="6350" cap="flat" cmpd="sng" algn="ctr">
-                      <a:solidFill>
-                        <a:srgbClr val="000000"/>
-                      </a:solidFill>
-                      <a:prstDash val="solid"/>
-                      <a:round/>
-                      <a:headEnd type="none" w="med" len="med"/>
-                      <a:tailEnd type="none" w="med" len="med"/>
-                    </a:lnB>
-                  </a:tcPr>
-                </a:tc>
-                <a:extLst>
-                  <a:ext uri="{0D108BD9-81ED-4DB2-BD59-A6C34878D82A}">
-                    <a16:rowId xmlns:a16="http://schemas.microsoft.com/office/drawing/2014/main" val="3852400749"/>
-                  </a:ext>
-                </a:extLst>
-              </a:tr>
-              <a:tr h="510160">
-                <a:tc>
-                  <a:txBody>
-                    <a:bodyPr/>
-                    <a:lstStyle/>
-                    <a:p>
-                      <a:pPr algn="l" rtl="0" fontAlgn="b"/>
-                      <a:r>
-                        <a:rPr lang="nl-BE" sz="1400" b="0" i="0" u="none" strike="noStrike">
-                          <a:solidFill>
-                            <a:srgbClr val="000000"/>
-                          </a:solidFill>
-                          <a:effectLst/>
-                          <a:latin typeface="Calibri" panose="020F0502020204030204" pitchFamily="34" charset="0"/>
-                        </a:rPr>
-                        <a:t>verworven studiepunten</a:t>
-                      </a:r>
-                    </a:p>
-                  </a:txBody>
-                  <a:tcPr marL="0" marR="0" marT="0" marB="0" anchor="b">
-                    <a:lnL w="6350" cap="flat" cmpd="sng" algn="ctr">
-                      <a:solidFill>
-                        <a:srgbClr val="000000"/>
-                      </a:solidFill>
-                      <a:prstDash val="solid"/>
-                      <a:round/>
-                      <a:headEnd type="none" w="med" len="med"/>
-                      <a:tailEnd type="none" w="med" len="med"/>
-                    </a:lnL>
-                    <a:lnR w="6350" cap="flat" cmpd="sng" algn="ctr">
-                      <a:solidFill>
-                        <a:srgbClr val="000000"/>
-                      </a:solidFill>
-                      <a:prstDash val="solid"/>
-                      <a:round/>
-                      <a:headEnd type="none" w="med" len="med"/>
-                      <a:tailEnd type="none" w="med" len="med"/>
-                    </a:lnR>
-                    <a:lnT w="6350" cap="flat" cmpd="sng" algn="ctr">
-                      <a:solidFill>
-                        <a:srgbClr val="000000"/>
-                      </a:solidFill>
-                      <a:prstDash val="solid"/>
-                      <a:round/>
-                      <a:headEnd type="none" w="med" len="med"/>
-                      <a:tailEnd type="none" w="med" len="med"/>
-                    </a:lnT>
-                    <a:lnB w="6350" cap="flat" cmpd="sng" algn="ctr">
-                      <a:solidFill>
-                        <a:srgbClr val="000000"/>
-                      </a:solidFill>
-                      <a:prstDash val="solid"/>
-                      <a:round/>
-                      <a:headEnd type="none" w="med" len="med"/>
-                      <a:tailEnd type="none" w="med" len="med"/>
-                    </a:lnB>
-                  </a:tcPr>
-                </a:tc>
-                <a:tc>
-                  <a:txBody>
-                    <a:bodyPr/>
-                    <a:lstStyle/>
-                    <a:p>
-                      <a:pPr algn="ctr" rtl="0" fontAlgn="b"/>
-                      <a:endParaRPr lang="nl-BE" sz="1400" b="0" i="0" u="none" strike="noStrike" dirty="0">
-                        <a:solidFill>
-                          <a:srgbClr val="000000"/>
-                        </a:solidFill>
-                        <a:effectLst/>
-                        <a:latin typeface="Tahoma" panose="020B0604030504040204" pitchFamily="34" charset="0"/>
-                      </a:endParaRPr>
-                    </a:p>
-                  </a:txBody>
-                  <a:tcPr marL="0" marR="0" marT="0" marB="0" anchor="b">
-                    <a:lnL w="6350" cap="flat" cmpd="sng" algn="ctr">
-                      <a:solidFill>
-                        <a:srgbClr val="000000"/>
-                      </a:solidFill>
-                      <a:prstDash val="solid"/>
-                      <a:round/>
-                      <a:headEnd type="none" w="med" len="med"/>
-                      <a:tailEnd type="none" w="med" len="med"/>
-                    </a:lnL>
-                    <a:lnR w="6350" cap="flat" cmpd="sng" algn="ctr">
-                      <a:solidFill>
-                        <a:srgbClr val="000000"/>
-                      </a:solidFill>
-                      <a:prstDash val="solid"/>
-                      <a:round/>
-                      <a:headEnd type="none" w="med" len="med"/>
-                      <a:tailEnd type="none" w="med" len="med"/>
-                    </a:lnR>
-                    <a:lnT w="6350" cap="flat" cmpd="sng" algn="ctr">
-                      <a:solidFill>
-                        <a:srgbClr val="000000"/>
-                      </a:solidFill>
-                      <a:prstDash val="solid"/>
-                      <a:round/>
-                      <a:headEnd type="none" w="med" len="med"/>
-                      <a:tailEnd type="none" w="med" len="med"/>
-                    </a:lnT>
-                    <a:lnB w="6350" cap="flat" cmpd="sng" algn="ctr">
-                      <a:solidFill>
-                        <a:srgbClr val="000000"/>
-                      </a:solidFill>
-                      <a:prstDash val="solid"/>
-                      <a:round/>
-                      <a:headEnd type="none" w="med" len="med"/>
-                      <a:tailEnd type="none" w="med" len="med"/>
-                    </a:lnB>
-                  </a:tcPr>
-                </a:tc>
-                <a:tc>
-                  <a:txBody>
-                    <a:bodyPr/>
-                    <a:lstStyle/>
-                    <a:p>
-                      <a:pPr algn="ctr" rtl="0" fontAlgn="b"/>
-                      <a:endParaRPr lang="nl-BE" sz="1400" b="0" i="0" u="none" strike="noStrike" dirty="0">
-                        <a:solidFill>
-                          <a:srgbClr val="000000"/>
-                        </a:solidFill>
-                        <a:effectLst/>
-                        <a:latin typeface="Tahoma" panose="020B0604030504040204" pitchFamily="34" charset="0"/>
-                      </a:endParaRPr>
-                    </a:p>
-                  </a:txBody>
-                  <a:tcPr marL="0" marR="0" marT="0" marB="0" anchor="b">
-                    <a:lnL w="6350" cap="flat" cmpd="sng" algn="ctr">
-                      <a:solidFill>
-                        <a:srgbClr val="000000"/>
-                      </a:solidFill>
-                      <a:prstDash val="solid"/>
-                      <a:round/>
-                      <a:headEnd type="none" w="med" len="med"/>
-                      <a:tailEnd type="none" w="med" len="med"/>
-                    </a:lnL>
-                    <a:lnR w="6350" cap="flat" cmpd="sng" algn="ctr">
-                      <a:solidFill>
-                        <a:srgbClr val="000000"/>
-                      </a:solidFill>
-                      <a:prstDash val="solid"/>
-                      <a:round/>
-                      <a:headEnd type="none" w="med" len="med"/>
-                      <a:tailEnd type="none" w="med" len="med"/>
-                    </a:lnR>
-                    <a:lnT w="6350" cap="flat" cmpd="sng" algn="ctr">
-                      <a:solidFill>
-                        <a:srgbClr val="000000"/>
-                      </a:solidFill>
-                      <a:prstDash val="solid"/>
-                      <a:round/>
-                      <a:headEnd type="none" w="med" len="med"/>
-                      <a:tailEnd type="none" w="med" len="med"/>
-                    </a:lnT>
-                    <a:lnB w="6350" cap="flat" cmpd="sng" algn="ctr">
-                      <a:solidFill>
-                        <a:srgbClr val="000000"/>
-                      </a:solidFill>
-                      <a:prstDash val="solid"/>
-                      <a:round/>
-                      <a:headEnd type="none" w="med" len="med"/>
-                      <a:tailEnd type="none" w="med" len="med"/>
-                    </a:lnB>
-                  </a:tcPr>
-                </a:tc>
-                <a:tc>
-                  <a:txBody>
-                    <a:bodyPr/>
-                    <a:lstStyle/>
-                    <a:p>
-                      <a:pPr algn="ctr" rtl="0" fontAlgn="b"/>
-                      <a:endParaRPr lang="nl-BE" sz="1400" b="0" i="0" u="none" strike="noStrike" dirty="0">
-                        <a:solidFill>
-                          <a:srgbClr val="000000"/>
-                        </a:solidFill>
-                        <a:effectLst/>
-                        <a:latin typeface="Tahoma" panose="020B0604030504040204" pitchFamily="34" charset="0"/>
-                      </a:endParaRPr>
-                    </a:p>
-                  </a:txBody>
-                  <a:tcPr marL="0" marR="0" marT="0" marB="0" anchor="b">
-                    <a:lnL w="6350" cap="flat" cmpd="sng" algn="ctr">
-                      <a:solidFill>
-                        <a:srgbClr val="000000"/>
-                      </a:solidFill>
-                      <a:prstDash val="solid"/>
-                      <a:round/>
-                      <a:headEnd type="none" w="med" len="med"/>
-                      <a:tailEnd type="none" w="med" len="med"/>
-                    </a:lnL>
-                    <a:lnR w="6350" cap="flat" cmpd="sng" algn="ctr">
-                      <a:solidFill>
-                        <a:srgbClr val="000000"/>
-                      </a:solidFill>
-                      <a:prstDash val="solid"/>
-                      <a:round/>
-                      <a:headEnd type="none" w="med" len="med"/>
-                      <a:tailEnd type="none" w="med" len="med"/>
-                    </a:lnR>
-                    <a:lnT w="6350" cap="flat" cmpd="sng" algn="ctr">
-                      <a:solidFill>
-                        <a:srgbClr val="000000"/>
-                      </a:solidFill>
-                      <a:prstDash val="solid"/>
-                      <a:round/>
-                      <a:headEnd type="none" w="med" len="med"/>
-                      <a:tailEnd type="none" w="med" len="med"/>
-                    </a:lnT>
-                    <a:lnB w="6350" cap="flat" cmpd="sng" algn="ctr">
-                      <a:solidFill>
-                        <a:srgbClr val="000000"/>
-                      </a:solidFill>
-                      <a:prstDash val="solid"/>
-                      <a:round/>
-                      <a:headEnd type="none" w="med" len="med"/>
-                      <a:tailEnd type="none" w="med" len="med"/>
-                    </a:lnB>
-                  </a:tcPr>
-                </a:tc>
-                <a:tc>
-                  <a:txBody>
-                    <a:bodyPr/>
-                    <a:lstStyle/>
-                    <a:p>
-                      <a:pPr algn="ctr" rtl="0" fontAlgn="b"/>
-                      <a:endParaRPr lang="nl-BE" sz="1400" b="0" i="0" u="none" strike="noStrike" dirty="0">
-                        <a:solidFill>
-                          <a:srgbClr val="000000"/>
-                        </a:solidFill>
-                        <a:effectLst/>
-                        <a:latin typeface="Tahoma" panose="020B0604030504040204" pitchFamily="34" charset="0"/>
-                      </a:endParaRPr>
-                    </a:p>
-                  </a:txBody>
-                  <a:tcPr marL="0" marR="0" marT="0" marB="0" anchor="b">
-                    <a:lnL w="6350" cap="flat" cmpd="sng" algn="ctr">
-                      <a:solidFill>
-                        <a:srgbClr val="000000"/>
-                      </a:solidFill>
-                      <a:prstDash val="solid"/>
-                      <a:round/>
-                      <a:headEnd type="none" w="med" len="med"/>
-                      <a:tailEnd type="none" w="med" len="med"/>
-                    </a:lnL>
-                    <a:lnR w="6350" cap="flat" cmpd="sng" algn="ctr">
-                      <a:solidFill>
-                        <a:srgbClr val="000000"/>
-                      </a:solidFill>
-                      <a:prstDash val="solid"/>
-                      <a:round/>
-                      <a:headEnd type="none" w="med" len="med"/>
-                      <a:tailEnd type="none" w="med" len="med"/>
-                    </a:lnR>
-                    <a:lnT w="6350" cap="flat" cmpd="sng" algn="ctr">
-                      <a:solidFill>
-                        <a:srgbClr val="000000"/>
-                      </a:solidFill>
-                      <a:prstDash val="solid"/>
-                      <a:round/>
-                      <a:headEnd type="none" w="med" len="med"/>
-                      <a:tailEnd type="none" w="med" len="med"/>
-                    </a:lnT>
-                    <a:lnB w="6350" cap="flat" cmpd="sng" algn="ctr">
-                      <a:solidFill>
-                        <a:srgbClr val="000000"/>
-                      </a:solidFill>
-                      <a:prstDash val="solid"/>
-                      <a:round/>
-                      <a:headEnd type="none" w="med" len="med"/>
-                      <a:tailEnd type="none" w="med" len="med"/>
-                    </a:lnB>
-                  </a:tcPr>
-                </a:tc>
-                <a:tc>
-                  <a:txBody>
-                    <a:bodyPr/>
-                    <a:lstStyle/>
-                    <a:p>
-                      <a:pPr algn="ctr" rtl="0" fontAlgn="b"/>
-                      <a:endParaRPr lang="nl-BE" sz="1400" b="0" i="0" u="none" strike="noStrike" dirty="0">
-                        <a:solidFill>
-                          <a:srgbClr val="000000"/>
-                        </a:solidFill>
-                        <a:effectLst/>
-                        <a:latin typeface="Tahoma" panose="020B0604030504040204" pitchFamily="34" charset="0"/>
-                      </a:endParaRPr>
-                    </a:p>
-                  </a:txBody>
-                  <a:tcPr marL="0" marR="0" marT="0" marB="0" anchor="b">
-                    <a:lnL w="6350" cap="flat" cmpd="sng" algn="ctr">
-                      <a:solidFill>
-                        <a:srgbClr val="000000"/>
-                      </a:solidFill>
-                      <a:prstDash val="solid"/>
-                      <a:round/>
-                      <a:headEnd type="none" w="med" len="med"/>
-                      <a:tailEnd type="none" w="med" len="med"/>
-                    </a:lnL>
-                    <a:lnR w="6350" cap="flat" cmpd="sng" algn="ctr">
-                      <a:solidFill>
-                        <a:srgbClr val="000000"/>
-                      </a:solidFill>
-                      <a:prstDash val="solid"/>
-                      <a:round/>
-                      <a:headEnd type="none" w="med" len="med"/>
-                      <a:tailEnd type="none" w="med" len="med"/>
-                    </a:lnR>
-                    <a:lnT w="6350" cap="flat" cmpd="sng" algn="ctr">
-                      <a:solidFill>
-                        <a:srgbClr val="000000"/>
-                      </a:solidFill>
-                      <a:prstDash val="solid"/>
-                      <a:round/>
-                      <a:headEnd type="none" w="med" len="med"/>
-                      <a:tailEnd type="none" w="med" len="med"/>
-                    </a:lnT>
-                    <a:lnB w="6350" cap="flat" cmpd="sng" algn="ctr">
-                      <a:solidFill>
-                        <a:srgbClr val="000000"/>
-                      </a:solidFill>
-                      <a:prstDash val="solid"/>
-                      <a:round/>
-                      <a:headEnd type="none" w="med" len="med"/>
-                      <a:tailEnd type="none" w="med" len="med"/>
-                    </a:lnB>
-                  </a:tcPr>
-                </a:tc>
-                <a:tc>
-                  <a:txBody>
-                    <a:bodyPr/>
-                    <a:lstStyle/>
-                    <a:p>
-                      <a:pPr algn="ctr" rtl="0" fontAlgn="b"/>
-                      <a:endParaRPr lang="nl-BE" sz="1400" b="0" i="0" u="none" strike="noStrike" dirty="0">
-                        <a:solidFill>
-                          <a:srgbClr val="000000"/>
-                        </a:solidFill>
-                        <a:effectLst/>
-                        <a:latin typeface="Calibri" panose="020F0502020204030204" pitchFamily="34" charset="0"/>
-                      </a:endParaRPr>
-                    </a:p>
-                  </a:txBody>
-                  <a:tcPr marL="0" marR="0" marT="0" marB="0" anchor="b">
-                    <a:lnL w="6350" cap="flat" cmpd="sng" algn="ctr">
-                      <a:solidFill>
-                        <a:srgbClr val="000000"/>
-                      </a:solidFill>
-                      <a:prstDash val="solid"/>
-                      <a:round/>
-                      <a:headEnd type="none" w="med" len="med"/>
-                      <a:tailEnd type="none" w="med" len="med"/>
-                    </a:lnL>
-                    <a:lnR w="6350" cap="flat" cmpd="sng" algn="ctr">
-                      <a:solidFill>
-                        <a:srgbClr val="000000"/>
-                      </a:solidFill>
-                      <a:prstDash val="solid"/>
-                      <a:round/>
-                      <a:headEnd type="none" w="med" len="med"/>
-                      <a:tailEnd type="none" w="med" len="med"/>
-                    </a:lnR>
-                    <a:lnT w="6350" cap="flat" cmpd="sng" algn="ctr">
-                      <a:solidFill>
-                        <a:srgbClr val="000000"/>
-                      </a:solidFill>
-                      <a:prstDash val="solid"/>
-                      <a:round/>
-                      <a:headEnd type="none" w="med" len="med"/>
-                      <a:tailEnd type="none" w="med" len="med"/>
-                    </a:lnT>
-                    <a:lnB w="6350" cap="flat" cmpd="sng" algn="ctr">
-                      <a:solidFill>
-                        <a:srgbClr val="000000"/>
-                      </a:solidFill>
-                      <a:prstDash val="solid"/>
-                      <a:round/>
-                      <a:headEnd type="none" w="med" len="med"/>
-                      <a:tailEnd type="none" w="med" len="med"/>
-                    </a:lnB>
-                  </a:tcPr>
-                </a:tc>
-                <a:tc>
-                  <a:txBody>
-                    <a:bodyPr/>
-                    <a:lstStyle/>
-                    <a:p>
-                      <a:pPr algn="ctr" rtl="0" fontAlgn="b"/>
-                      <a:endParaRPr lang="nl-BE" sz="1600" b="0" i="0" u="none" strike="noStrike" dirty="0">
-                        <a:solidFill>
-                          <a:srgbClr val="000000"/>
-                        </a:solidFill>
-                        <a:effectLst/>
-                        <a:latin typeface="Calibri" panose="020F0502020204030204" pitchFamily="34" charset="0"/>
-                      </a:endParaRPr>
-                    </a:p>
-                  </a:txBody>
-                  <a:tcPr marL="0" marR="0" marT="0" marB="0" anchor="b">
-                    <a:lnL w="6350" cap="flat" cmpd="sng" algn="ctr">
-                      <a:solidFill>
-                        <a:srgbClr val="000000"/>
-                      </a:solidFill>
-                      <a:prstDash val="solid"/>
-                      <a:round/>
-                      <a:headEnd type="none" w="med" len="med"/>
-                      <a:tailEnd type="none" w="med" len="med"/>
-                    </a:lnL>
-                    <a:lnR w="6350" cap="flat" cmpd="sng" algn="ctr">
-                      <a:solidFill>
-                        <a:srgbClr val="000000"/>
-                      </a:solidFill>
-                      <a:prstDash val="solid"/>
-                      <a:round/>
-                      <a:headEnd type="none" w="med" len="med"/>
-                      <a:tailEnd type="none" w="med" len="med"/>
-                    </a:lnR>
-                    <a:lnT w="6350" cap="flat" cmpd="sng" algn="ctr">
-                      <a:solidFill>
-                        <a:srgbClr val="000000"/>
-                      </a:solidFill>
-                      <a:prstDash val="solid"/>
-                      <a:round/>
-                      <a:headEnd type="none" w="med" len="med"/>
-                      <a:tailEnd type="none" w="med" len="med"/>
-                    </a:lnT>
-                    <a:lnB w="6350" cap="flat" cmpd="sng" algn="ctr">
-                      <a:solidFill>
-                        <a:srgbClr val="000000"/>
-                      </a:solidFill>
-                      <a:prstDash val="solid"/>
-                      <a:round/>
-                      <a:headEnd type="none" w="med" len="med"/>
-                      <a:tailEnd type="none" w="med" len="med"/>
-                    </a:lnB>
-                  </a:tcPr>
-                </a:tc>
-                <a:tc>
-                  <a:txBody>
-                    <a:bodyPr/>
-                    <a:lstStyle/>
-                    <a:p>
-                      <a:pPr algn="ctr" rtl="0" fontAlgn="b"/>
-                      <a:endParaRPr lang="nl-BE" sz="1600" b="0" i="0" u="none" strike="noStrike" dirty="0">
-                        <a:solidFill>
-                          <a:srgbClr val="000000"/>
-                        </a:solidFill>
-                        <a:effectLst/>
-                        <a:latin typeface="Calibri" panose="020F0502020204030204" pitchFamily="34" charset="0"/>
-                      </a:endParaRPr>
-                    </a:p>
-                  </a:txBody>
-                  <a:tcPr marL="0" marR="0" marT="0" marB="0" anchor="b">
-                    <a:lnL w="6350" cap="flat" cmpd="sng" algn="ctr">
-                      <a:solidFill>
-                        <a:srgbClr val="000000"/>
-                      </a:solidFill>
-                      <a:prstDash val="solid"/>
-                      <a:round/>
-                      <a:headEnd type="none" w="med" len="med"/>
-                      <a:tailEnd type="none" w="med" len="med"/>
-                    </a:lnL>
-                    <a:lnR w="6350" cap="flat" cmpd="sng" algn="ctr">
-                      <a:solidFill>
-                        <a:srgbClr val="000000"/>
-                      </a:solidFill>
-                      <a:prstDash val="solid"/>
-                      <a:round/>
-                      <a:headEnd type="none" w="med" len="med"/>
-                      <a:tailEnd type="none" w="med" len="med"/>
-                    </a:lnR>
-                    <a:lnT w="6350" cap="flat" cmpd="sng" algn="ctr">
-                      <a:solidFill>
-                        <a:srgbClr val="000000"/>
-                      </a:solidFill>
-                      <a:prstDash val="solid"/>
-                      <a:round/>
-                      <a:headEnd type="none" w="med" len="med"/>
-                      <a:tailEnd type="none" w="med" len="med"/>
-                    </a:lnT>
-                    <a:lnB w="6350" cap="flat" cmpd="sng" algn="ctr">
-                      <a:solidFill>
-                        <a:srgbClr val="000000"/>
-                      </a:solidFill>
-                      <a:prstDash val="solid"/>
-                      <a:round/>
-                      <a:headEnd type="none" w="med" len="med"/>
-                      <a:tailEnd type="none" w="med" len="med"/>
-                    </a:lnB>
-                  </a:tcPr>
-                </a:tc>
-                <a:tc>
-                  <a:txBody>
-                    <a:bodyPr/>
-                    <a:lstStyle/>
-                    <a:p>
-                      <a:pPr algn="ctr" rtl="0" fontAlgn="b"/>
-                      <a:endParaRPr lang="nl-BE" sz="1600" b="0" i="0" u="none" strike="noStrike" dirty="0">
-                        <a:solidFill>
-                          <a:srgbClr val="4F81BD"/>
-                        </a:solidFill>
-                        <a:effectLst/>
-                        <a:latin typeface="Calibri" panose="020F0502020204030204" pitchFamily="34" charset="0"/>
-                      </a:endParaRPr>
-                    </a:p>
-                  </a:txBody>
-                  <a:tcPr marL="0" marR="0" marT="0" marB="0" anchor="b">
-                    <a:lnL w="6350" cap="flat" cmpd="sng" algn="ctr">
-                      <a:solidFill>
-                        <a:srgbClr val="000000"/>
-                      </a:solidFill>
-                      <a:prstDash val="solid"/>
-                      <a:round/>
-                      <a:headEnd type="none" w="med" len="med"/>
-                      <a:tailEnd type="none" w="med" len="med"/>
-                    </a:lnL>
-                    <a:lnR w="6350" cap="flat" cmpd="sng" algn="ctr">
-                      <a:solidFill>
-                        <a:srgbClr val="000000"/>
-                      </a:solidFill>
-                      <a:prstDash val="solid"/>
-                      <a:round/>
-                      <a:headEnd type="none" w="med" len="med"/>
-                      <a:tailEnd type="none" w="med" len="med"/>
-                    </a:lnR>
-                    <a:lnT w="6350" cap="flat" cmpd="sng" algn="ctr">
-                      <a:solidFill>
-                        <a:srgbClr val="000000"/>
-                      </a:solidFill>
-                      <a:prstDash val="solid"/>
-                      <a:round/>
-                      <a:headEnd type="none" w="med" len="med"/>
-                      <a:tailEnd type="none" w="med" len="med"/>
-                    </a:lnT>
-                    <a:lnB w="6350" cap="flat" cmpd="sng" algn="ctr">
-                      <a:solidFill>
-                        <a:srgbClr val="000000"/>
-                      </a:solidFill>
-                      <a:prstDash val="solid"/>
-                      <a:round/>
-                      <a:headEnd type="none" w="med" len="med"/>
-                      <a:tailEnd type="none" w="med" len="med"/>
-                    </a:lnB>
-                  </a:tcPr>
-                </a:tc>
                 <a:extLst>
                   <a:ext uri="{0D108BD9-81ED-4DB2-BD59-A6C34878D82A}">
                     <a16:rowId xmlns:a16="http://schemas.microsoft.com/office/drawing/2014/main" val="2886835352"/>
@@ -23555,222 +21861,6 @@
                         </a:rPr>
                         <a:t>Studie-rendement </a:t>
                       </a:r>
-                    </a:p>
-                  </a:txBody>
-                  <a:tcPr marL="0" marR="0" marT="0" marB="0" anchor="b">
-                    <a:lnL w="6350" cap="flat" cmpd="sng" algn="ctr">
-                      <a:solidFill>
-                        <a:srgbClr val="000000"/>
-                      </a:solidFill>
-                      <a:prstDash val="solid"/>
-                      <a:round/>
-                      <a:headEnd type="none" w="med" len="med"/>
-                      <a:tailEnd type="none" w="med" len="med"/>
-                    </a:lnL>
-                    <a:lnR w="6350" cap="flat" cmpd="sng" algn="ctr">
-                      <a:solidFill>
-                        <a:srgbClr val="000000"/>
-                      </a:solidFill>
-                      <a:prstDash val="solid"/>
-                      <a:round/>
-                      <a:headEnd type="none" w="med" len="med"/>
-                      <a:tailEnd type="none" w="med" len="med"/>
-                    </a:lnR>
-                    <a:lnT w="6350" cap="flat" cmpd="sng" algn="ctr">
-                      <a:solidFill>
-                        <a:srgbClr val="000000"/>
-                      </a:solidFill>
-                      <a:prstDash val="solid"/>
-                      <a:round/>
-                      <a:headEnd type="none" w="med" len="med"/>
-                      <a:tailEnd type="none" w="med" len="med"/>
-                    </a:lnT>
-                    <a:lnB w="6350" cap="flat" cmpd="sng" algn="ctr">
-                      <a:solidFill>
-                        <a:srgbClr val="000000"/>
-                      </a:solidFill>
-                      <a:prstDash val="solid"/>
-                      <a:round/>
-                      <a:headEnd type="none" w="med" len="med"/>
-                      <a:tailEnd type="none" w="med" len="med"/>
-                    </a:lnB>
-                  </a:tcPr>
-                </a:tc>
-                <a:tc>
-                  <a:txBody>
-                    <a:bodyPr/>
-                    <a:lstStyle/>
-                    <a:p>
-                      <a:pPr algn="ctr" rtl="0" fontAlgn="b"/>
-                      <a:endParaRPr lang="nl-BE" sz="1800" b="1" i="0" u="none" strike="noStrike" dirty="0">
-                        <a:solidFill>
-                          <a:srgbClr val="000000"/>
-                        </a:solidFill>
-                        <a:effectLst/>
-                        <a:latin typeface="Calibri" panose="020F0502020204030204" pitchFamily="34" charset="0"/>
-                      </a:endParaRPr>
-                    </a:p>
-                  </a:txBody>
-                  <a:tcPr marL="0" marR="0" marT="0" marB="0" anchor="b">
-                    <a:lnL w="6350" cap="flat" cmpd="sng" algn="ctr">
-                      <a:solidFill>
-                        <a:srgbClr val="000000"/>
-                      </a:solidFill>
-                      <a:prstDash val="solid"/>
-                      <a:round/>
-                      <a:headEnd type="none" w="med" len="med"/>
-                      <a:tailEnd type="none" w="med" len="med"/>
-                    </a:lnL>
-                    <a:lnR w="6350" cap="flat" cmpd="sng" algn="ctr">
-                      <a:solidFill>
-                        <a:srgbClr val="000000"/>
-                      </a:solidFill>
-                      <a:prstDash val="solid"/>
-                      <a:round/>
-                      <a:headEnd type="none" w="med" len="med"/>
-                      <a:tailEnd type="none" w="med" len="med"/>
-                    </a:lnR>
-                    <a:lnT w="6350" cap="flat" cmpd="sng" algn="ctr">
-                      <a:solidFill>
-                        <a:srgbClr val="000000"/>
-                      </a:solidFill>
-                      <a:prstDash val="solid"/>
-                      <a:round/>
-                      <a:headEnd type="none" w="med" len="med"/>
-                      <a:tailEnd type="none" w="med" len="med"/>
-                    </a:lnT>
-                    <a:lnB w="6350" cap="flat" cmpd="sng" algn="ctr">
-                      <a:solidFill>
-                        <a:srgbClr val="000000"/>
-                      </a:solidFill>
-                      <a:prstDash val="solid"/>
-                      <a:round/>
-                      <a:headEnd type="none" w="med" len="med"/>
-                      <a:tailEnd type="none" w="med" len="med"/>
-                    </a:lnB>
-                  </a:tcPr>
-                </a:tc>
-                <a:tc>
-                  <a:txBody>
-                    <a:bodyPr/>
-                    <a:lstStyle/>
-                    <a:p>
-                      <a:pPr algn="ctr" rtl="0" fontAlgn="b"/>
-                      <a:endParaRPr lang="nl-BE" sz="1800" b="1" i="0" u="none" strike="noStrike" dirty="0">
-                        <a:solidFill>
-                          <a:srgbClr val="000000"/>
-                        </a:solidFill>
-                        <a:effectLst/>
-                        <a:latin typeface="Calibri" panose="020F0502020204030204" pitchFamily="34" charset="0"/>
-                      </a:endParaRPr>
-                    </a:p>
-                  </a:txBody>
-                  <a:tcPr marL="0" marR="0" marT="0" marB="0" anchor="b">
-                    <a:lnL w="6350" cap="flat" cmpd="sng" algn="ctr">
-                      <a:solidFill>
-                        <a:srgbClr val="000000"/>
-                      </a:solidFill>
-                      <a:prstDash val="solid"/>
-                      <a:round/>
-                      <a:headEnd type="none" w="med" len="med"/>
-                      <a:tailEnd type="none" w="med" len="med"/>
-                    </a:lnL>
-                    <a:lnR w="6350" cap="flat" cmpd="sng" algn="ctr">
-                      <a:solidFill>
-                        <a:srgbClr val="000000"/>
-                      </a:solidFill>
-                      <a:prstDash val="solid"/>
-                      <a:round/>
-                      <a:headEnd type="none" w="med" len="med"/>
-                      <a:tailEnd type="none" w="med" len="med"/>
-                    </a:lnR>
-                    <a:lnT w="6350" cap="flat" cmpd="sng" algn="ctr">
-                      <a:solidFill>
-                        <a:srgbClr val="000000"/>
-                      </a:solidFill>
-                      <a:prstDash val="solid"/>
-                      <a:round/>
-                      <a:headEnd type="none" w="med" len="med"/>
-                      <a:tailEnd type="none" w="med" len="med"/>
-                    </a:lnT>
-                    <a:lnB w="6350" cap="flat" cmpd="sng" algn="ctr">
-                      <a:solidFill>
-                        <a:srgbClr val="000000"/>
-                      </a:solidFill>
-                      <a:prstDash val="solid"/>
-                      <a:round/>
-                      <a:headEnd type="none" w="med" len="med"/>
-                      <a:tailEnd type="none" w="med" len="med"/>
-                    </a:lnB>
-                  </a:tcPr>
-                </a:tc>
-                <a:tc>
-                  <a:txBody>
-                    <a:bodyPr/>
-                    <a:lstStyle/>
-                    <a:p>
-                      <a:pPr algn="ctr" rtl="0" fontAlgn="b"/>
-                      <a:endParaRPr lang="nl-BE" sz="1800" b="1" i="0" u="none" strike="noStrike" dirty="0">
-                        <a:solidFill>
-                          <a:srgbClr val="000000"/>
-                        </a:solidFill>
-                        <a:effectLst/>
-                        <a:latin typeface="Calibri" panose="020F0502020204030204" pitchFamily="34" charset="0"/>
-                      </a:endParaRPr>
-                    </a:p>
-                  </a:txBody>
-                  <a:tcPr marL="0" marR="0" marT="0" marB="0" anchor="b">
-                    <a:lnL w="6350" cap="flat" cmpd="sng" algn="ctr">
-                      <a:solidFill>
-                        <a:srgbClr val="000000"/>
-                      </a:solidFill>
-                      <a:prstDash val="solid"/>
-                      <a:round/>
-                      <a:headEnd type="none" w="med" len="med"/>
-                      <a:tailEnd type="none" w="med" len="med"/>
-                    </a:lnL>
-                    <a:lnR w="6350" cap="flat" cmpd="sng" algn="ctr">
-                      <a:solidFill>
-                        <a:srgbClr val="000000"/>
-                      </a:solidFill>
-                      <a:prstDash val="solid"/>
-                      <a:round/>
-                      <a:headEnd type="none" w="med" len="med"/>
-                      <a:tailEnd type="none" w="med" len="med"/>
-                    </a:lnR>
-                    <a:lnT w="6350" cap="flat" cmpd="sng" algn="ctr">
-                      <a:solidFill>
-                        <a:srgbClr val="000000"/>
-                      </a:solidFill>
-                      <a:prstDash val="solid"/>
-                      <a:round/>
-                      <a:headEnd type="none" w="med" len="med"/>
-                      <a:tailEnd type="none" w="med" len="med"/>
-                    </a:lnT>
-                    <a:lnB w="6350" cap="flat" cmpd="sng" algn="ctr">
-                      <a:solidFill>
-                        <a:srgbClr val="000000"/>
-                      </a:solidFill>
-                      <a:prstDash val="solid"/>
-                      <a:round/>
-                      <a:headEnd type="none" w="med" len="med"/>
-                      <a:tailEnd type="none" w="med" len="med"/>
-                    </a:lnB>
-                  </a:tcPr>
-                </a:tc>
-                <a:tc>
-                  <a:txBody>
-                    <a:bodyPr/>
-                    <a:lstStyle/>
-                    <a:p>
-                      <a:pPr algn="ctr" rtl="0" fontAlgn="b"/>
-                      <a:endParaRPr lang="nl-BE" sz="1800" b="1" i="0" u="none" strike="noStrike" dirty="0">
-                        <a:solidFill>
-                          <a:srgbClr val="000000"/>
-                        </a:solidFill>
-                        <a:effectLst/>
-                        <a:latin typeface="Calibri" panose="020F0502020204030204" pitchFamily="34" charset="0"/>
-                      </a:endParaRPr>
                     </a:p>
                   </a:txBody>
                   <a:tcPr marL="0" marR="0" marT="0" marB="0" anchor="b">
@@ -24209,84 +22299,56 @@
           <p:nvPr>
             <p:extLst>
               <p:ext uri="{D42A27DB-BD31-4B8C-83A1-F6EECF244321}">
-                <p14:modId xmlns:p14="http://schemas.microsoft.com/office/powerpoint/2010/main" val="2786156845"/>
+                <p14:modId xmlns:p14="http://schemas.microsoft.com/office/powerpoint/2010/main" val="3582156028"/>
               </p:ext>
             </p:extLst>
           </p:nvPr>
         </p:nvGraphicFramePr>
         <p:xfrm>
           <a:off x="427116" y="1461821"/>
-          <a:ext cx="8261880" cy="1974207"/>
+          <a:ext cx="8105322" cy="1947566"/>
         </p:xfrm>
         <a:graphic>
           <a:graphicData uri="http://schemas.openxmlformats.org/drawingml/2006/table">
             <a:tbl>
               <a:tblPr/>
               <a:tblGrid>
-                <a:gridCol w="826188">
+                <a:gridCol w="1350887">
                   <a:extLst>
                     <a:ext uri="{9D8B030D-6E8A-4147-A177-3AD203B41FA5}">
                       <a16:colId xmlns:a16="http://schemas.microsoft.com/office/drawing/2014/main" val="1179333989"/>
                     </a:ext>
                   </a:extLst>
                 </a:gridCol>
-                <a:gridCol w="826188">
-                  <a:extLst>
-                    <a:ext uri="{9D8B030D-6E8A-4147-A177-3AD203B41FA5}">
-                      <a16:colId xmlns:a16="http://schemas.microsoft.com/office/drawing/2014/main" val="1135628357"/>
-                    </a:ext>
-                  </a:extLst>
-                </a:gridCol>
-                <a:gridCol w="826188">
-                  <a:extLst>
-                    <a:ext uri="{9D8B030D-6E8A-4147-A177-3AD203B41FA5}">
-                      <a16:colId xmlns:a16="http://schemas.microsoft.com/office/drawing/2014/main" val="92639003"/>
-                    </a:ext>
-                  </a:extLst>
-                </a:gridCol>
-                <a:gridCol w="826188">
-                  <a:extLst>
-                    <a:ext uri="{9D8B030D-6E8A-4147-A177-3AD203B41FA5}">
-                      <a16:colId xmlns:a16="http://schemas.microsoft.com/office/drawing/2014/main" val="3134556112"/>
-                    </a:ext>
-                  </a:extLst>
-                </a:gridCol>
-                <a:gridCol w="826188">
-                  <a:extLst>
-                    <a:ext uri="{9D8B030D-6E8A-4147-A177-3AD203B41FA5}">
-                      <a16:colId xmlns:a16="http://schemas.microsoft.com/office/drawing/2014/main" val="2840137077"/>
-                    </a:ext>
-                  </a:extLst>
-                </a:gridCol>
-                <a:gridCol w="826188">
+                <a:gridCol w="1350887">
                   <a:extLst>
                     <a:ext uri="{9D8B030D-6E8A-4147-A177-3AD203B41FA5}">
                       <a16:colId xmlns:a16="http://schemas.microsoft.com/office/drawing/2014/main" val="2908427013"/>
                     </a:ext>
                   </a:extLst>
                 </a:gridCol>
-                <a:gridCol w="826188">
+                <a:gridCol w="1350887">
                   <a:extLst>
                     <a:ext uri="{9D8B030D-6E8A-4147-A177-3AD203B41FA5}">
                       <a16:colId xmlns:a16="http://schemas.microsoft.com/office/drawing/2014/main" val="1727325805"/>
                     </a:ext>
                   </a:extLst>
                 </a:gridCol>
-                <a:gridCol w="826188">
+                <a:gridCol w="1350887">
                   <a:extLst>
                     <a:ext uri="{9D8B030D-6E8A-4147-A177-3AD203B41FA5}">
                       <a16:colId xmlns:a16="http://schemas.microsoft.com/office/drawing/2014/main" val="1998951294"/>
                     </a:ext>
                   </a:extLst>
                 </a:gridCol>
-                <a:gridCol w="826188">
+                <a:gridCol w="1350887">
                   <a:extLst>
                     <a:ext uri="{9D8B030D-6E8A-4147-A177-3AD203B41FA5}">
                       <a16:colId xmlns:a16="http://schemas.microsoft.com/office/drawing/2014/main" val="1976117605"/>
                     </a:ext>
                   </a:extLst>
                 </a:gridCol>
-                <a:gridCol w="826188">
+                <a:gridCol w="1350887">
                   <a:extLst>
                     <a:ext uri="{9D8B030D-6E8A-4147-A177-3AD203B41FA5}">
                       <a16:colId xmlns:a16="http://schemas.microsoft.com/office/drawing/2014/main" val="1035834084"/>
@@ -24358,207 +22420,6 @@
                     <a:lstStyle/>
                     <a:p>
                       <a:pPr algn="ctr" rtl="0" fontAlgn="b"/>
-                      <a:r>
-                        <a:rPr lang="nl-BE" sz="1600" b="1" i="0" u="none" strike="noStrike" dirty="0">
-                          <a:solidFill>
-                            <a:srgbClr val="000000"/>
-                          </a:solidFill>
-                          <a:effectLst/>
-                          <a:latin typeface="Calibri" panose="020F0502020204030204" pitchFamily="34" charset="0"/>
-                        </a:rPr>
-                        <a:t> </a:t>
-                      </a:r>
-                    </a:p>
-                  </a:txBody>
-                  <a:tcPr marL="9525" marR="9525" marT="9525" marB="0" anchor="b">
-                    <a:lnL w="12700" cap="flat" cmpd="sng" algn="ctr">
-                      <a:solidFill>
-                        <a:srgbClr val="000000"/>
-                      </a:solidFill>
-                      <a:prstDash val="solid"/>
-                      <a:round/>
-                      <a:headEnd type="none" w="med" len="med"/>
-                      <a:tailEnd type="none" w="med" len="med"/>
-                    </a:lnL>
-                    <a:lnR w="12700" cap="flat" cmpd="sng" algn="ctr">
-                      <a:solidFill>
-                        <a:srgbClr val="000000"/>
-                      </a:solidFill>
-                      <a:prstDash val="solid"/>
-                      <a:round/>
-                      <a:headEnd type="none" w="med" len="med"/>
-                      <a:tailEnd type="none" w="med" len="med"/>
-                    </a:lnR>
-                    <a:lnT w="12700" cap="flat" cmpd="sng" algn="ctr">
-                      <a:solidFill>
-                        <a:srgbClr val="000000"/>
-                      </a:solidFill>
-                      <a:prstDash val="solid"/>
-                      <a:round/>
-                      <a:headEnd type="none" w="med" len="med"/>
-                      <a:tailEnd type="none" w="med" len="med"/>
-                    </a:lnT>
-                    <a:lnB>
-                      <a:noFill/>
-                    </a:lnB>
-                  </a:tcPr>
-                </a:tc>
-                <a:tc>
-                  <a:txBody>
-                    <a:bodyPr/>
-                    <a:lstStyle/>
-                    <a:p>
-                      <a:pPr algn="ctr" rtl="0" fontAlgn="b"/>
-                      <a:endParaRPr lang="nl-BE" sz="1600" b="1" i="0" u="none" strike="noStrike" dirty="0">
-                        <a:solidFill>
-                          <a:srgbClr val="000000"/>
-                        </a:solidFill>
-                        <a:effectLst/>
-                        <a:latin typeface="Calibri" panose="020F0502020204030204" pitchFamily="34" charset="0"/>
-                      </a:endParaRPr>
-                    </a:p>
-                  </a:txBody>
-                  <a:tcPr marL="9525" marR="9525" marT="9525" marB="0" anchor="b">
-                    <a:lnL w="12700" cap="flat" cmpd="sng" algn="ctr">
-                      <a:solidFill>
-                        <a:srgbClr val="000000"/>
-                      </a:solidFill>
-                      <a:prstDash val="solid"/>
-                      <a:round/>
-                      <a:headEnd type="none" w="med" len="med"/>
-                      <a:tailEnd type="none" w="med" len="med"/>
-                    </a:lnL>
-                    <a:lnR w="12700" cap="flat" cmpd="sng" algn="ctr">
-                      <a:solidFill>
-                        <a:srgbClr val="000000"/>
-                      </a:solidFill>
-                      <a:prstDash val="solid"/>
-                      <a:round/>
-                      <a:headEnd type="none" w="med" len="med"/>
-                      <a:tailEnd type="none" w="med" len="med"/>
-                    </a:lnR>
-                    <a:lnT w="12700" cap="flat" cmpd="sng" algn="ctr">
-                      <a:solidFill>
-                        <a:srgbClr val="000000"/>
-                      </a:solidFill>
-                      <a:prstDash val="solid"/>
-                      <a:round/>
-                      <a:headEnd type="none" w="med" len="med"/>
-                      <a:tailEnd type="none" w="med" len="med"/>
-                    </a:lnT>
-                    <a:lnB>
-                      <a:noFill/>
-                    </a:lnB>
-                  </a:tcPr>
-                </a:tc>
-                <a:tc>
-                  <a:txBody>
-                    <a:bodyPr/>
-                    <a:lstStyle/>
-                    <a:p>
-                      <a:pPr algn="ctr" rtl="0" fontAlgn="b"/>
-                      <a:r>
-                        <a:rPr lang="nl-BE" sz="1600" b="1" i="0" u="none" strike="noStrike" dirty="0">
-                          <a:solidFill>
-                            <a:srgbClr val="000000"/>
-                          </a:solidFill>
-                          <a:effectLst/>
-                          <a:latin typeface="Calibri" panose="020F0502020204030204" pitchFamily="34" charset="0"/>
-                        </a:rPr>
-                        <a:t> </a:t>
-                      </a:r>
-                    </a:p>
-                  </a:txBody>
-                  <a:tcPr marL="9525" marR="9525" marT="9525" marB="0" anchor="b">
-                    <a:lnL w="12700" cap="flat" cmpd="sng" algn="ctr">
-                      <a:solidFill>
-                        <a:srgbClr val="000000"/>
-                      </a:solidFill>
-                      <a:prstDash val="solid"/>
-                      <a:round/>
-                      <a:headEnd type="none" w="med" len="med"/>
-                      <a:tailEnd type="none" w="med" len="med"/>
-                    </a:lnL>
-                    <a:lnR w="12700" cap="flat" cmpd="sng" algn="ctr">
-                      <a:solidFill>
-                        <a:srgbClr val="000000"/>
-                      </a:solidFill>
-                      <a:prstDash val="solid"/>
-                      <a:round/>
-                      <a:headEnd type="none" w="med" len="med"/>
-                      <a:tailEnd type="none" w="med" len="med"/>
-                    </a:lnR>
-                    <a:lnT w="12700" cap="flat" cmpd="sng" algn="ctr">
-                      <a:solidFill>
-                        <a:srgbClr val="000000"/>
-                      </a:solidFill>
-                      <a:prstDash val="solid"/>
-                      <a:round/>
-                      <a:headEnd type="none" w="med" len="med"/>
-                      <a:tailEnd type="none" w="med" len="med"/>
-                    </a:lnT>
-                    <a:lnB>
-                      <a:noFill/>
-                    </a:lnB>
-                  </a:tcPr>
-                </a:tc>
-                <a:tc>
-                  <a:txBody>
-                    <a:bodyPr/>
-                    <a:lstStyle/>
-                    <a:p>
-                      <a:pPr algn="ctr" rtl="0" fontAlgn="b"/>
-                      <a:r>
-                        <a:rPr lang="nl-BE" sz="1600" b="1" i="0" u="none" strike="noStrike" dirty="0">
-                          <a:solidFill>
-                            <a:srgbClr val="000000"/>
-                          </a:solidFill>
-                          <a:effectLst/>
-                          <a:latin typeface="Calibri" panose="020F0502020204030204" pitchFamily="34" charset="0"/>
-                        </a:rPr>
-                        <a:t> </a:t>
-                      </a:r>
-                    </a:p>
-                  </a:txBody>
-                  <a:tcPr marL="9525" marR="9525" marT="9525" marB="0" anchor="b">
-                    <a:lnL w="12700" cap="flat" cmpd="sng" algn="ctr">
-                      <a:solidFill>
-                        <a:srgbClr val="000000"/>
-                      </a:solidFill>
-                      <a:prstDash val="solid"/>
-                      <a:round/>
-                      <a:headEnd type="none" w="med" len="med"/>
-                      <a:tailEnd type="none" w="med" len="med"/>
-                    </a:lnL>
-                    <a:lnR w="12700" cap="flat" cmpd="sng" algn="ctr">
-                      <a:solidFill>
-                        <a:srgbClr val="000000"/>
-                      </a:solidFill>
-                      <a:prstDash val="solid"/>
-                      <a:round/>
-                      <a:headEnd type="none" w="med" len="med"/>
-                      <a:tailEnd type="none" w="med" len="med"/>
-                    </a:lnR>
-                    <a:lnT w="12700" cap="flat" cmpd="sng" algn="ctr">
-                      <a:solidFill>
-                        <a:srgbClr val="000000"/>
-                      </a:solidFill>
-                      <a:prstDash val="solid"/>
-                      <a:round/>
-                      <a:headEnd type="none" w="med" len="med"/>
-                      <a:tailEnd type="none" w="med" len="med"/>
-                    </a:lnT>
-                    <a:lnB>
-                      <a:noFill/>
-                    </a:lnB>
-                  </a:tcPr>
-                </a:tc>
-                <a:tc>
-                  <a:txBody>
-                    <a:bodyPr/>
-                    <a:lstStyle/>
-                    <a:p>
-                      <a:pPr algn="ctr" rtl="0" fontAlgn="b"/>
                       <a:endParaRPr lang="nl-BE" sz="1600" b="1" i="0" u="none" strike="noStrike" dirty="0">
                         <a:solidFill>
                           <a:srgbClr val="000000"/>
@@ -24811,7 +22672,7 @@
                   </a:ext>
                 </a:extLst>
               </a:tr>
-              <a:tr h="279330">
+              <a:tr h="168530">
                 <a:tc vMerge="1">
                   <a:txBody>
                     <a:bodyPr/>
@@ -24821,198 +22682,6 @@
                     </a:p>
                   </a:txBody>
                   <a:tcPr/>
-                </a:tc>
-                <a:tc>
-                  <a:txBody>
-                    <a:bodyPr/>
-                    <a:lstStyle/>
-                    <a:p>
-                      <a:pPr algn="ctr" rtl="0" fontAlgn="b"/>
-                      <a:endParaRPr lang="nl-BE" sz="1600" b="1" i="0" u="none" strike="noStrike" dirty="0">
-                        <a:solidFill>
-                          <a:srgbClr val="000000"/>
-                        </a:solidFill>
-                        <a:effectLst/>
-                        <a:latin typeface="Calibri" panose="020F0502020204030204" pitchFamily="34" charset="0"/>
-                      </a:endParaRPr>
-                    </a:p>
-                  </a:txBody>
-                  <a:tcPr marL="9525" marR="9525" marT="9525" marB="0" anchor="b">
-                    <a:lnL w="12700" cap="flat" cmpd="sng" algn="ctr">
-                      <a:solidFill>
-                        <a:srgbClr val="000000"/>
-                      </a:solidFill>
-                      <a:prstDash val="solid"/>
-                      <a:round/>
-                      <a:headEnd type="none" w="med" len="med"/>
-                      <a:tailEnd type="none" w="med" len="med"/>
-                    </a:lnL>
-                    <a:lnR w="12700" cap="flat" cmpd="sng" algn="ctr">
-                      <a:solidFill>
-                        <a:srgbClr val="000000"/>
-                      </a:solidFill>
-                      <a:prstDash val="solid"/>
-                      <a:round/>
-                      <a:headEnd type="none" w="med" len="med"/>
-                      <a:tailEnd type="none" w="med" len="med"/>
-                    </a:lnR>
-                    <a:lnT>
-                      <a:noFill/>
-                    </a:lnT>
-                    <a:lnB w="12700" cap="flat" cmpd="sng" algn="ctr">
-                      <a:solidFill>
-                        <a:srgbClr val="000000"/>
-                      </a:solidFill>
-                      <a:prstDash val="solid"/>
-                      <a:round/>
-                      <a:headEnd type="none" w="med" len="med"/>
-                      <a:tailEnd type="none" w="med" len="med"/>
-                    </a:lnB>
-                  </a:tcPr>
-                </a:tc>
-                <a:tc>
-                  <a:txBody>
-                    <a:bodyPr/>
-                    <a:lstStyle/>
-                    <a:p>
-                      <a:pPr algn="ctr" rtl="0" fontAlgn="b"/>
-                      <a:endParaRPr lang="nl-BE" sz="1600" b="1" i="0" u="none" strike="noStrike" dirty="0">
-                        <a:solidFill>
-                          <a:srgbClr val="000000"/>
-                        </a:solidFill>
-                        <a:effectLst/>
-                        <a:latin typeface="Calibri" panose="020F0502020204030204" pitchFamily="34" charset="0"/>
-                      </a:endParaRPr>
-                    </a:p>
-                  </a:txBody>
-                  <a:tcPr marL="9525" marR="9525" marT="9525" marB="0" anchor="b">
-                    <a:lnL w="12700" cap="flat" cmpd="sng" algn="ctr">
-                      <a:solidFill>
-                        <a:srgbClr val="000000"/>
-                      </a:solidFill>
-                      <a:prstDash val="solid"/>
-                      <a:round/>
-                      <a:headEnd type="none" w="med" len="med"/>
-                      <a:tailEnd type="none" w="med" len="med"/>
-                    </a:lnL>
-                    <a:lnR w="12700" cap="flat" cmpd="sng" algn="ctr">
-                      <a:solidFill>
-                        <a:srgbClr val="000000"/>
-                      </a:solidFill>
-                      <a:prstDash val="solid"/>
-                      <a:round/>
-                      <a:headEnd type="none" w="med" len="med"/>
-                      <a:tailEnd type="none" w="med" len="med"/>
-                    </a:lnR>
-                    <a:lnT>
-                      <a:noFill/>
-                    </a:lnT>
-                    <a:lnB w="12700" cap="flat" cmpd="sng" algn="ctr">
-                      <a:solidFill>
-                        <a:srgbClr val="000000"/>
-                      </a:solidFill>
-                      <a:prstDash val="solid"/>
-                      <a:round/>
-                      <a:headEnd type="none" w="med" len="med"/>
-                      <a:tailEnd type="none" w="med" len="med"/>
-                    </a:lnB>
-                  </a:tcPr>
-                </a:tc>
-                <a:tc>
-                  <a:txBody>
-                    <a:bodyPr/>
-                    <a:lstStyle/>
-                    <a:p>
-                      <a:pPr algn="ctr" rtl="0" fontAlgn="b"/>
-                      <a:endParaRPr lang="nl-BE" sz="1600" b="1" i="0" u="none" strike="noStrike" dirty="0">
-                        <a:solidFill>
-                          <a:srgbClr val="000000"/>
-                        </a:solidFill>
-                        <a:effectLst/>
-                        <a:latin typeface="Calibri" panose="020F0502020204030204" pitchFamily="34" charset="0"/>
-                      </a:endParaRPr>
-                    </a:p>
-                  </a:txBody>
-                  <a:tcPr marL="9525" marR="9525" marT="9525" marB="0" anchor="b">
-                    <a:lnL w="12700" cap="flat" cmpd="sng" algn="ctr">
-                      <a:solidFill>
-                        <a:srgbClr val="000000"/>
-                      </a:solidFill>
-                      <a:prstDash val="solid"/>
-                      <a:round/>
-                      <a:headEnd type="none" w="med" len="med"/>
-                      <a:tailEnd type="none" w="med" len="med"/>
-                    </a:lnL>
-                    <a:lnR w="12700" cap="flat" cmpd="sng" algn="ctr">
-                      <a:solidFill>
-                        <a:srgbClr val="000000"/>
-                      </a:solidFill>
-                      <a:prstDash val="solid"/>
-                      <a:round/>
-                      <a:headEnd type="none" w="med" len="med"/>
-                      <a:tailEnd type="none" w="med" len="med"/>
-                    </a:lnR>
-                    <a:lnT>
-                      <a:noFill/>
-                    </a:lnT>
-                    <a:lnB w="12700" cap="flat" cmpd="sng" algn="ctr">
-                      <a:solidFill>
-                        <a:srgbClr val="000000"/>
-                      </a:solidFill>
-                      <a:prstDash val="solid"/>
-                      <a:round/>
-                      <a:headEnd type="none" w="med" len="med"/>
-                      <a:tailEnd type="none" w="med" len="med"/>
-                    </a:lnB>
-                  </a:tcPr>
-                </a:tc>
-                <a:tc>
-                  <a:txBody>
-                    <a:bodyPr/>
-                    <a:lstStyle/>
-                    <a:p>
-                      <a:pPr algn="ctr" rtl="0" fontAlgn="b"/>
-                      <a:endParaRPr lang="nl-BE" sz="1600" b="1" i="0" u="none" strike="noStrike" dirty="0">
-                        <a:solidFill>
-                          <a:srgbClr val="000000"/>
-                        </a:solidFill>
-                        <a:effectLst/>
-                        <a:latin typeface="Calibri" panose="020F0502020204030204" pitchFamily="34" charset="0"/>
-                      </a:endParaRPr>
-                    </a:p>
-                  </a:txBody>
-                  <a:tcPr marL="9525" marR="9525" marT="9525" marB="0" anchor="b">
-                    <a:lnL w="12700" cap="flat" cmpd="sng" algn="ctr">
-                      <a:solidFill>
-                        <a:srgbClr val="000000"/>
-                      </a:solidFill>
-                      <a:prstDash val="solid"/>
-                      <a:round/>
-                      <a:headEnd type="none" w="med" len="med"/>
-                      <a:tailEnd type="none" w="med" len="med"/>
-                    </a:lnL>
-                    <a:lnR w="12700" cap="flat" cmpd="sng" algn="ctr">
-                      <a:solidFill>
-                        <a:srgbClr val="000000"/>
-                      </a:solidFill>
-                      <a:prstDash val="solid"/>
-                      <a:round/>
-                      <a:headEnd type="none" w="med" len="med"/>
-                      <a:tailEnd type="none" w="med" len="med"/>
-                    </a:lnR>
-                    <a:lnT>
-                      <a:noFill/>
-                    </a:lnT>
-                    <a:lnB w="12700" cap="flat" cmpd="sng" algn="ctr">
-                      <a:solidFill>
-                        <a:srgbClr val="000000"/>
-                      </a:solidFill>
-                      <a:prstDash val="solid"/>
-                      <a:round/>
-                      <a:headEnd type="none" w="med" len="med"/>
-                      <a:tailEnd type="none" w="med" len="med"/>
-                    </a:lnB>
-                  </a:tcPr>
                 </a:tc>
                 <a:tc>
                   <a:txBody>
@@ -25466,7 +23135,7 @@
                       <a:pPr algn="ctr" rtl="0" fontAlgn="b"/>
                       <a:endParaRPr lang="nl-BE" sz="1600" b="0" i="0" u="none" strike="noStrike" dirty="0">
                         <a:solidFill>
-                          <a:srgbClr val="000000"/>
+                          <a:srgbClr val="4F81BD"/>
                         </a:solidFill>
                         <a:effectLst/>
                         <a:latin typeface="Tahoma" panose="020B0604030504040204" pitchFamily="34" charset="0"/>
@@ -25512,19 +23181,29 @@
                     </a:lnB>
                   </a:tcPr>
                 </a:tc>
+                <a:extLst>
+                  <a:ext uri="{0D108BD9-81ED-4DB2-BD59-A6C34878D82A}">
+                    <a16:rowId xmlns:a16="http://schemas.microsoft.com/office/drawing/2014/main" val="3500620213"/>
+                  </a:ext>
+                </a:extLst>
+              </a:tr>
+              <a:tr h="427923">
                 <a:tc>
                   <a:txBody>
                     <a:bodyPr/>
                     <a:lstStyle/>
                     <a:p>
                       <a:pPr algn="ctr" rtl="0" fontAlgn="b"/>
-                      <a:endParaRPr lang="nl-BE" sz="1600" b="0" i="0" u="none" strike="noStrike" dirty="0">
-                        <a:solidFill>
-                          <a:srgbClr val="000000"/>
-                        </a:solidFill>
-                        <a:effectLst/>
-                        <a:latin typeface="Tahoma" panose="020B0604030504040204" pitchFamily="34" charset="0"/>
-                      </a:endParaRPr>
+                      <a:r>
+                        <a:rPr lang="nl-BE" sz="1600" b="1" i="0" u="none" strike="noStrike">
+                          <a:solidFill>
+                            <a:srgbClr val="000000"/>
+                          </a:solidFill>
+                          <a:effectLst/>
+                          <a:latin typeface="Calibri" panose="020F0502020204030204" pitchFamily="34" charset="0"/>
+                        </a:rPr>
+                        <a:t>TSO</a:t>
+                      </a:r>
                     </a:p>
                   </a:txBody>
                   <a:tcPr marL="9525" marR="9525" marT="9525" marB="0" anchor="b">
@@ -25682,7 +23361,7 @@
                       <a:pPr algn="ctr" rtl="0" fontAlgn="b"/>
                       <a:endParaRPr lang="nl-BE" sz="1600" b="0" i="0" u="none" strike="noStrike" dirty="0">
                         <a:solidFill>
-                          <a:srgbClr val="4F81BD"/>
+                          <a:srgbClr val="000000"/>
                         </a:solidFill>
                         <a:effectLst/>
                         <a:latin typeface="Tahoma" panose="020B0604030504040204" pitchFamily="34" charset="0"/>
@@ -25728,29 +23407,19 @@
                     </a:lnB>
                   </a:tcPr>
                 </a:tc>
-                <a:extLst>
-                  <a:ext uri="{0D108BD9-81ED-4DB2-BD59-A6C34878D82A}">
-                    <a16:rowId xmlns:a16="http://schemas.microsoft.com/office/drawing/2014/main" val="3500620213"/>
-                  </a:ext>
-                </a:extLst>
-              </a:tr>
-              <a:tr h="193452">
                 <a:tc>
                   <a:txBody>
                     <a:bodyPr/>
                     <a:lstStyle/>
                     <a:p>
                       <a:pPr algn="ctr" rtl="0" fontAlgn="b"/>
-                      <a:r>
-                        <a:rPr lang="nl-BE" sz="1600" b="1" i="0" u="none" strike="noStrike">
-                          <a:solidFill>
-                            <a:srgbClr val="000000"/>
-                          </a:solidFill>
-                          <a:effectLst/>
-                          <a:latin typeface="Calibri" panose="020F0502020204030204" pitchFamily="34" charset="0"/>
-                        </a:rPr>
-                        <a:t>TSO</a:t>
-                      </a:r>
+                      <a:endParaRPr lang="nl-BE" sz="1600" b="0" i="0" u="none" strike="noStrike" dirty="0">
+                        <a:solidFill>
+                          <a:srgbClr val="000000"/>
+                        </a:solidFill>
+                        <a:effectLst/>
+                        <a:latin typeface="Tahoma" panose="020B0604030504040204" pitchFamily="34" charset="0"/>
+                      </a:endParaRPr>
                     </a:p>
                   </a:txBody>
                   <a:tcPr marL="9525" marR="9525" marT="9525" marB="0" anchor="b">
@@ -25800,7 +23469,7 @@
                       <a:pPr algn="ctr" rtl="0" fontAlgn="b"/>
                       <a:endParaRPr lang="nl-BE" sz="1600" b="0" i="0" u="none" strike="noStrike" dirty="0">
                         <a:solidFill>
-                          <a:srgbClr val="000000"/>
+                          <a:srgbClr val="4F81BD"/>
                         </a:solidFill>
                         <a:effectLst/>
                         <a:latin typeface="Tahoma" panose="020B0604030504040204" pitchFamily="34" charset="0"/>
@@ -25846,19 +23515,29 @@
                     </a:lnB>
                   </a:tcPr>
                 </a:tc>
+                <a:extLst>
+                  <a:ext uri="{0D108BD9-81ED-4DB2-BD59-A6C34878D82A}">
+                    <a16:rowId xmlns:a16="http://schemas.microsoft.com/office/drawing/2014/main" val="534592105"/>
+                  </a:ext>
+                </a:extLst>
+              </a:tr>
+              <a:tr h="434836">
                 <a:tc>
                   <a:txBody>
                     <a:bodyPr/>
                     <a:lstStyle/>
                     <a:p>
                       <a:pPr algn="ctr" rtl="0" fontAlgn="b"/>
-                      <a:endParaRPr lang="nl-BE" sz="1600" b="0" i="0" u="none" strike="noStrike" dirty="0">
-                        <a:solidFill>
-                          <a:srgbClr val="000000"/>
-                        </a:solidFill>
-                        <a:effectLst/>
-                        <a:latin typeface="Tahoma" panose="020B0604030504040204" pitchFamily="34" charset="0"/>
-                      </a:endParaRPr>
+                      <a:r>
+                        <a:rPr lang="nl-BE" sz="1600" b="1" i="0" u="none" strike="noStrike">
+                          <a:solidFill>
+                            <a:srgbClr val="000000"/>
+                          </a:solidFill>
+                          <a:effectLst/>
+                          <a:latin typeface="Calibri" panose="020F0502020204030204" pitchFamily="34" charset="0"/>
+                        </a:rPr>
+                        <a:t>   BSO**</a:t>
+                      </a:r>
                     </a:p>
                   </a:txBody>
                   <a:tcPr marL="9525" marR="9525" marT="9525" marB="0" anchor="b">
@@ -26124,7 +23803,7 @@
                       <a:pPr algn="ctr" rtl="0" fontAlgn="b"/>
                       <a:endParaRPr lang="nl-BE" sz="1600" b="0" i="0" u="none" strike="noStrike" dirty="0">
                         <a:solidFill>
-                          <a:srgbClr val="000000"/>
+                          <a:srgbClr val="4F81BD"/>
                         </a:solidFill>
                         <a:effectLst/>
                         <a:latin typeface="Tahoma" panose="020B0604030504040204" pitchFamily="34" charset="0"/>
@@ -26170,664 +23849,6 @@
                     </a:lnB>
                   </a:tcPr>
                 </a:tc>
-                <a:tc>
-                  <a:txBody>
-                    <a:bodyPr/>
-                    <a:lstStyle/>
-                    <a:p>
-                      <a:pPr algn="ctr" rtl="0" fontAlgn="b"/>
-                      <a:endParaRPr lang="nl-BE" sz="1600" b="0" i="0" u="none" strike="noStrike" dirty="0">
-                        <a:solidFill>
-                          <a:srgbClr val="000000"/>
-                        </a:solidFill>
-                        <a:effectLst/>
-                        <a:latin typeface="Tahoma" panose="020B0604030504040204" pitchFamily="34" charset="0"/>
-                      </a:endParaRPr>
-                    </a:p>
-                  </a:txBody>
-                  <a:tcPr marL="9525" marR="9525" marT="9525" marB="0" anchor="b">
-                    <a:lnL w="12700" cap="flat" cmpd="sng" algn="ctr">
-                      <a:solidFill>
-                        <a:srgbClr val="000000"/>
-                      </a:solidFill>
-                      <a:prstDash val="solid"/>
-                      <a:round/>
-                      <a:headEnd type="none" w="med" len="med"/>
-                      <a:tailEnd type="none" w="med" len="med"/>
-                    </a:lnL>
-                    <a:lnR w="12700" cap="flat" cmpd="sng" algn="ctr">
-                      <a:solidFill>
-                        <a:srgbClr val="000000"/>
-                      </a:solidFill>
-                      <a:prstDash val="solid"/>
-                      <a:round/>
-                      <a:headEnd type="none" w="med" len="med"/>
-                      <a:tailEnd type="none" w="med" len="med"/>
-                    </a:lnR>
-                    <a:lnT w="12700" cap="flat" cmpd="sng" algn="ctr">
-                      <a:solidFill>
-                        <a:srgbClr val="000000"/>
-                      </a:solidFill>
-                      <a:prstDash val="solid"/>
-                      <a:round/>
-                      <a:headEnd type="none" w="med" len="med"/>
-                      <a:tailEnd type="none" w="med" len="med"/>
-                    </a:lnT>
-                    <a:lnB w="12700" cap="flat" cmpd="sng" algn="ctr">
-                      <a:solidFill>
-                        <a:srgbClr val="000000"/>
-                      </a:solidFill>
-                      <a:prstDash val="solid"/>
-                      <a:round/>
-                      <a:headEnd type="none" w="med" len="med"/>
-                      <a:tailEnd type="none" w="med" len="med"/>
-                    </a:lnB>
-                  </a:tcPr>
-                </a:tc>
-                <a:tc>
-                  <a:txBody>
-                    <a:bodyPr/>
-                    <a:lstStyle/>
-                    <a:p>
-                      <a:pPr algn="ctr" rtl="0" fontAlgn="b"/>
-                      <a:endParaRPr lang="nl-BE" sz="1600" b="0" i="0" u="none" strike="noStrike" dirty="0">
-                        <a:solidFill>
-                          <a:srgbClr val="4F81BD"/>
-                        </a:solidFill>
-                        <a:effectLst/>
-                        <a:latin typeface="Tahoma" panose="020B0604030504040204" pitchFamily="34" charset="0"/>
-                      </a:endParaRPr>
-                    </a:p>
-                  </a:txBody>
-                  <a:tcPr marL="9525" marR="9525" marT="9525" marB="0" anchor="b">
-                    <a:lnL w="12700" cap="flat" cmpd="sng" algn="ctr">
-                      <a:solidFill>
-                        <a:srgbClr val="000000"/>
-                      </a:solidFill>
-                      <a:prstDash val="solid"/>
-                      <a:round/>
-                      <a:headEnd type="none" w="med" len="med"/>
-                      <a:tailEnd type="none" w="med" len="med"/>
-                    </a:lnL>
-                    <a:lnR w="12700" cap="flat" cmpd="sng" algn="ctr">
-                      <a:solidFill>
-                        <a:srgbClr val="000000"/>
-                      </a:solidFill>
-                      <a:prstDash val="solid"/>
-                      <a:round/>
-                      <a:headEnd type="none" w="med" len="med"/>
-                      <a:tailEnd type="none" w="med" len="med"/>
-                    </a:lnR>
-                    <a:lnT w="12700" cap="flat" cmpd="sng" algn="ctr">
-                      <a:solidFill>
-                        <a:srgbClr val="000000"/>
-                      </a:solidFill>
-                      <a:prstDash val="solid"/>
-                      <a:round/>
-                      <a:headEnd type="none" w="med" len="med"/>
-                      <a:tailEnd type="none" w="med" len="med"/>
-                    </a:lnT>
-                    <a:lnB w="12700" cap="flat" cmpd="sng" algn="ctr">
-                      <a:solidFill>
-                        <a:srgbClr val="000000"/>
-                      </a:solidFill>
-                      <a:prstDash val="solid"/>
-                      <a:round/>
-                      <a:headEnd type="none" w="med" len="med"/>
-                      <a:tailEnd type="none" w="med" len="med"/>
-                    </a:lnB>
-                  </a:tcPr>
-                </a:tc>
-                <a:extLst>
-                  <a:ext uri="{0D108BD9-81ED-4DB2-BD59-A6C34878D82A}">
-                    <a16:rowId xmlns:a16="http://schemas.microsoft.com/office/drawing/2014/main" val="534592105"/>
-                  </a:ext>
-                </a:extLst>
-              </a:tr>
-              <a:tr h="434836">
-                <a:tc>
-                  <a:txBody>
-                    <a:bodyPr/>
-                    <a:lstStyle/>
-                    <a:p>
-                      <a:pPr algn="ctr" rtl="0" fontAlgn="b"/>
-                      <a:r>
-                        <a:rPr lang="nl-BE" sz="1600" b="1" i="0" u="none" strike="noStrike">
-                          <a:solidFill>
-                            <a:srgbClr val="000000"/>
-                          </a:solidFill>
-                          <a:effectLst/>
-                          <a:latin typeface="Calibri" panose="020F0502020204030204" pitchFamily="34" charset="0"/>
-                        </a:rPr>
-                        <a:t>   BSO**</a:t>
-                      </a:r>
-                    </a:p>
-                  </a:txBody>
-                  <a:tcPr marL="9525" marR="9525" marT="9525" marB="0" anchor="b">
-                    <a:lnL w="12700" cap="flat" cmpd="sng" algn="ctr">
-                      <a:solidFill>
-                        <a:srgbClr val="000000"/>
-                      </a:solidFill>
-                      <a:prstDash val="solid"/>
-                      <a:round/>
-                      <a:headEnd type="none" w="med" len="med"/>
-                      <a:tailEnd type="none" w="med" len="med"/>
-                    </a:lnL>
-                    <a:lnR w="12700" cap="flat" cmpd="sng" algn="ctr">
-                      <a:solidFill>
-                        <a:srgbClr val="000000"/>
-                      </a:solidFill>
-                      <a:prstDash val="solid"/>
-                      <a:round/>
-                      <a:headEnd type="none" w="med" len="med"/>
-                      <a:tailEnd type="none" w="med" len="med"/>
-                    </a:lnR>
-                    <a:lnT w="12700" cap="flat" cmpd="sng" algn="ctr">
-                      <a:solidFill>
-                        <a:srgbClr val="000000"/>
-                      </a:solidFill>
-                      <a:prstDash val="solid"/>
-                      <a:round/>
-                      <a:headEnd type="none" w="med" len="med"/>
-                      <a:tailEnd type="none" w="med" len="med"/>
-                    </a:lnT>
-                    <a:lnB w="12700" cap="flat" cmpd="sng" algn="ctr">
-                      <a:solidFill>
-                        <a:srgbClr val="000000"/>
-                      </a:solidFill>
-                      <a:prstDash val="solid"/>
-                      <a:round/>
-                      <a:headEnd type="none" w="med" len="med"/>
-                      <a:tailEnd type="none" w="med" len="med"/>
-                    </a:lnB>
-                  </a:tcPr>
-                </a:tc>
-                <a:tc>
-                  <a:txBody>
-                    <a:bodyPr/>
-                    <a:lstStyle/>
-                    <a:p>
-                      <a:pPr algn="ctr" rtl="0" fontAlgn="b"/>
-                      <a:endParaRPr lang="nl-BE" sz="1600" b="0" i="0" u="none" strike="noStrike" dirty="0">
-                        <a:solidFill>
-                          <a:srgbClr val="000000"/>
-                        </a:solidFill>
-                        <a:effectLst/>
-                        <a:latin typeface="Tahoma" panose="020B0604030504040204" pitchFamily="34" charset="0"/>
-                      </a:endParaRPr>
-                    </a:p>
-                  </a:txBody>
-                  <a:tcPr marL="9525" marR="9525" marT="9525" marB="0" anchor="b">
-                    <a:lnL w="12700" cap="flat" cmpd="sng" algn="ctr">
-                      <a:solidFill>
-                        <a:srgbClr val="000000"/>
-                      </a:solidFill>
-                      <a:prstDash val="solid"/>
-                      <a:round/>
-                      <a:headEnd type="none" w="med" len="med"/>
-                      <a:tailEnd type="none" w="med" len="med"/>
-                    </a:lnL>
-                    <a:lnR w="12700" cap="flat" cmpd="sng" algn="ctr">
-                      <a:solidFill>
-                        <a:srgbClr val="000000"/>
-                      </a:solidFill>
-                      <a:prstDash val="solid"/>
-                      <a:round/>
-                      <a:headEnd type="none" w="med" len="med"/>
-                      <a:tailEnd type="none" w="med" len="med"/>
-                    </a:lnR>
-                    <a:lnT w="12700" cap="flat" cmpd="sng" algn="ctr">
-                      <a:solidFill>
-                        <a:srgbClr val="000000"/>
-                      </a:solidFill>
-                      <a:prstDash val="solid"/>
-                      <a:round/>
-                      <a:headEnd type="none" w="med" len="med"/>
-                      <a:tailEnd type="none" w="med" len="med"/>
-                    </a:lnT>
-                    <a:lnB w="12700" cap="flat" cmpd="sng" algn="ctr">
-                      <a:solidFill>
-                        <a:srgbClr val="000000"/>
-                      </a:solidFill>
-                      <a:prstDash val="solid"/>
-                      <a:round/>
-                      <a:headEnd type="none" w="med" len="med"/>
-                      <a:tailEnd type="none" w="med" len="med"/>
-                    </a:lnB>
-                  </a:tcPr>
-                </a:tc>
-                <a:tc>
-                  <a:txBody>
-                    <a:bodyPr/>
-                    <a:lstStyle/>
-                    <a:p>
-                      <a:pPr algn="ctr" rtl="0" fontAlgn="b"/>
-                      <a:endParaRPr lang="nl-BE" sz="1600" b="0" i="0" u="none" strike="noStrike" dirty="0">
-                        <a:solidFill>
-                          <a:srgbClr val="000000"/>
-                        </a:solidFill>
-                        <a:effectLst/>
-                        <a:latin typeface="Tahoma" panose="020B0604030504040204" pitchFamily="34" charset="0"/>
-                      </a:endParaRPr>
-                    </a:p>
-                  </a:txBody>
-                  <a:tcPr marL="9525" marR="9525" marT="9525" marB="0" anchor="b">
-                    <a:lnL w="12700" cap="flat" cmpd="sng" algn="ctr">
-                      <a:solidFill>
-                        <a:srgbClr val="000000"/>
-                      </a:solidFill>
-                      <a:prstDash val="solid"/>
-                      <a:round/>
-                      <a:headEnd type="none" w="med" len="med"/>
-                      <a:tailEnd type="none" w="med" len="med"/>
-                    </a:lnL>
-                    <a:lnR w="12700" cap="flat" cmpd="sng" algn="ctr">
-                      <a:solidFill>
-                        <a:srgbClr val="000000"/>
-                      </a:solidFill>
-                      <a:prstDash val="solid"/>
-                      <a:round/>
-                      <a:headEnd type="none" w="med" len="med"/>
-                      <a:tailEnd type="none" w="med" len="med"/>
-                    </a:lnR>
-                    <a:lnT w="12700" cap="flat" cmpd="sng" algn="ctr">
-                      <a:solidFill>
-                        <a:srgbClr val="000000"/>
-                      </a:solidFill>
-                      <a:prstDash val="solid"/>
-                      <a:round/>
-                      <a:headEnd type="none" w="med" len="med"/>
-                      <a:tailEnd type="none" w="med" len="med"/>
-                    </a:lnT>
-                    <a:lnB w="12700" cap="flat" cmpd="sng" algn="ctr">
-                      <a:solidFill>
-                        <a:srgbClr val="000000"/>
-                      </a:solidFill>
-                      <a:prstDash val="solid"/>
-                      <a:round/>
-                      <a:headEnd type="none" w="med" len="med"/>
-                      <a:tailEnd type="none" w="med" len="med"/>
-                    </a:lnB>
-                  </a:tcPr>
-                </a:tc>
-                <a:tc>
-                  <a:txBody>
-                    <a:bodyPr/>
-                    <a:lstStyle/>
-                    <a:p>
-                      <a:pPr algn="ctr" rtl="0" fontAlgn="b"/>
-                      <a:endParaRPr lang="nl-BE" sz="1600" b="0" i="0" u="none" strike="noStrike" dirty="0">
-                        <a:solidFill>
-                          <a:srgbClr val="000000"/>
-                        </a:solidFill>
-                        <a:effectLst/>
-                        <a:latin typeface="Tahoma" panose="020B0604030504040204" pitchFamily="34" charset="0"/>
-                      </a:endParaRPr>
-                    </a:p>
-                  </a:txBody>
-                  <a:tcPr marL="9525" marR="9525" marT="9525" marB="0" anchor="b">
-                    <a:lnL w="12700" cap="flat" cmpd="sng" algn="ctr">
-                      <a:solidFill>
-                        <a:srgbClr val="000000"/>
-                      </a:solidFill>
-                      <a:prstDash val="solid"/>
-                      <a:round/>
-                      <a:headEnd type="none" w="med" len="med"/>
-                      <a:tailEnd type="none" w="med" len="med"/>
-                    </a:lnL>
-                    <a:lnR w="12700" cap="flat" cmpd="sng" algn="ctr">
-                      <a:solidFill>
-                        <a:srgbClr val="000000"/>
-                      </a:solidFill>
-                      <a:prstDash val="solid"/>
-                      <a:round/>
-                      <a:headEnd type="none" w="med" len="med"/>
-                      <a:tailEnd type="none" w="med" len="med"/>
-                    </a:lnR>
-                    <a:lnT w="12700" cap="flat" cmpd="sng" algn="ctr">
-                      <a:solidFill>
-                        <a:srgbClr val="000000"/>
-                      </a:solidFill>
-                      <a:prstDash val="solid"/>
-                      <a:round/>
-                      <a:headEnd type="none" w="med" len="med"/>
-                      <a:tailEnd type="none" w="med" len="med"/>
-                    </a:lnT>
-                    <a:lnB w="12700" cap="flat" cmpd="sng" algn="ctr">
-                      <a:solidFill>
-                        <a:srgbClr val="000000"/>
-                      </a:solidFill>
-                      <a:prstDash val="solid"/>
-                      <a:round/>
-                      <a:headEnd type="none" w="med" len="med"/>
-                      <a:tailEnd type="none" w="med" len="med"/>
-                    </a:lnB>
-                  </a:tcPr>
-                </a:tc>
-                <a:tc>
-                  <a:txBody>
-                    <a:bodyPr/>
-                    <a:lstStyle/>
-                    <a:p>
-                      <a:pPr algn="ctr" rtl="0" fontAlgn="b"/>
-                      <a:endParaRPr lang="nl-BE" sz="1600" b="0" i="0" u="none" strike="noStrike" dirty="0">
-                        <a:solidFill>
-                          <a:srgbClr val="000000"/>
-                        </a:solidFill>
-                        <a:effectLst/>
-                        <a:latin typeface="Tahoma" panose="020B0604030504040204" pitchFamily="34" charset="0"/>
-                      </a:endParaRPr>
-                    </a:p>
-                  </a:txBody>
-                  <a:tcPr marL="9525" marR="9525" marT="9525" marB="0" anchor="b">
-                    <a:lnL w="12700" cap="flat" cmpd="sng" algn="ctr">
-                      <a:solidFill>
-                        <a:srgbClr val="000000"/>
-                      </a:solidFill>
-                      <a:prstDash val="solid"/>
-                      <a:round/>
-                      <a:headEnd type="none" w="med" len="med"/>
-                      <a:tailEnd type="none" w="med" len="med"/>
-                    </a:lnL>
-                    <a:lnR w="12700" cap="flat" cmpd="sng" algn="ctr">
-                      <a:solidFill>
-                        <a:srgbClr val="000000"/>
-                      </a:solidFill>
-                      <a:prstDash val="solid"/>
-                      <a:round/>
-                      <a:headEnd type="none" w="med" len="med"/>
-                      <a:tailEnd type="none" w="med" len="med"/>
-                    </a:lnR>
-                    <a:lnT w="12700" cap="flat" cmpd="sng" algn="ctr">
-                      <a:solidFill>
-                        <a:srgbClr val="000000"/>
-                      </a:solidFill>
-                      <a:prstDash val="solid"/>
-                      <a:round/>
-                      <a:headEnd type="none" w="med" len="med"/>
-                      <a:tailEnd type="none" w="med" len="med"/>
-                    </a:lnT>
-                    <a:lnB w="12700" cap="flat" cmpd="sng" algn="ctr">
-                      <a:solidFill>
-                        <a:srgbClr val="000000"/>
-                      </a:solidFill>
-                      <a:prstDash val="solid"/>
-                      <a:round/>
-                      <a:headEnd type="none" w="med" len="med"/>
-                      <a:tailEnd type="none" w="med" len="med"/>
-                    </a:lnB>
-                  </a:tcPr>
-                </a:tc>
-                <a:tc>
-                  <a:txBody>
-                    <a:bodyPr/>
-                    <a:lstStyle/>
-                    <a:p>
-                      <a:pPr algn="ctr" rtl="0" fontAlgn="b"/>
-                      <a:endParaRPr lang="nl-BE" sz="1600" b="0" i="0" u="none" strike="noStrike" dirty="0">
-                        <a:solidFill>
-                          <a:srgbClr val="000000"/>
-                        </a:solidFill>
-                        <a:effectLst/>
-                        <a:latin typeface="Tahoma" panose="020B0604030504040204" pitchFamily="34" charset="0"/>
-                      </a:endParaRPr>
-                    </a:p>
-                  </a:txBody>
-                  <a:tcPr marL="9525" marR="9525" marT="9525" marB="0" anchor="b">
-                    <a:lnL w="12700" cap="flat" cmpd="sng" algn="ctr">
-                      <a:solidFill>
-                        <a:srgbClr val="000000"/>
-                      </a:solidFill>
-                      <a:prstDash val="solid"/>
-                      <a:round/>
-                      <a:headEnd type="none" w="med" len="med"/>
-                      <a:tailEnd type="none" w="med" len="med"/>
-                    </a:lnL>
-                    <a:lnR w="12700" cap="flat" cmpd="sng" algn="ctr">
-                      <a:solidFill>
-                        <a:srgbClr val="000000"/>
-                      </a:solidFill>
-                      <a:prstDash val="solid"/>
-                      <a:round/>
-                      <a:headEnd type="none" w="med" len="med"/>
-                      <a:tailEnd type="none" w="med" len="med"/>
-                    </a:lnR>
-                    <a:lnT w="12700" cap="flat" cmpd="sng" algn="ctr">
-                      <a:solidFill>
-                        <a:srgbClr val="000000"/>
-                      </a:solidFill>
-                      <a:prstDash val="solid"/>
-                      <a:round/>
-                      <a:headEnd type="none" w="med" len="med"/>
-                      <a:tailEnd type="none" w="med" len="med"/>
-                    </a:lnT>
-                    <a:lnB w="12700" cap="flat" cmpd="sng" algn="ctr">
-                      <a:solidFill>
-                        <a:srgbClr val="000000"/>
-                      </a:solidFill>
-                      <a:prstDash val="solid"/>
-                      <a:round/>
-                      <a:headEnd type="none" w="med" len="med"/>
-                      <a:tailEnd type="none" w="med" len="med"/>
-                    </a:lnB>
-                  </a:tcPr>
-                </a:tc>
-                <a:tc>
-                  <a:txBody>
-                    <a:bodyPr/>
-                    <a:lstStyle/>
-                    <a:p>
-                      <a:pPr algn="ctr" rtl="0" fontAlgn="b"/>
-                      <a:endParaRPr lang="nl-BE" sz="1600" b="0" i="0" u="none" strike="noStrike" dirty="0">
-                        <a:solidFill>
-                          <a:srgbClr val="000000"/>
-                        </a:solidFill>
-                        <a:effectLst/>
-                        <a:latin typeface="Tahoma" panose="020B0604030504040204" pitchFamily="34" charset="0"/>
-                      </a:endParaRPr>
-                    </a:p>
-                  </a:txBody>
-                  <a:tcPr marL="9525" marR="9525" marT="9525" marB="0" anchor="b">
-                    <a:lnL w="12700" cap="flat" cmpd="sng" algn="ctr">
-                      <a:solidFill>
-                        <a:srgbClr val="000000"/>
-                      </a:solidFill>
-                      <a:prstDash val="solid"/>
-                      <a:round/>
-                      <a:headEnd type="none" w="med" len="med"/>
-                      <a:tailEnd type="none" w="med" len="med"/>
-                    </a:lnL>
-                    <a:lnR w="12700" cap="flat" cmpd="sng" algn="ctr">
-                      <a:solidFill>
-                        <a:srgbClr val="000000"/>
-                      </a:solidFill>
-                      <a:prstDash val="solid"/>
-                      <a:round/>
-                      <a:headEnd type="none" w="med" len="med"/>
-                      <a:tailEnd type="none" w="med" len="med"/>
-                    </a:lnR>
-                    <a:lnT w="12700" cap="flat" cmpd="sng" algn="ctr">
-                      <a:solidFill>
-                        <a:srgbClr val="000000"/>
-                      </a:solidFill>
-                      <a:prstDash val="solid"/>
-                      <a:round/>
-                      <a:headEnd type="none" w="med" len="med"/>
-                      <a:tailEnd type="none" w="med" len="med"/>
-                    </a:lnT>
-                    <a:lnB w="12700" cap="flat" cmpd="sng" algn="ctr">
-                      <a:solidFill>
-                        <a:srgbClr val="000000"/>
-                      </a:solidFill>
-                      <a:prstDash val="solid"/>
-                      <a:round/>
-                      <a:headEnd type="none" w="med" len="med"/>
-                      <a:tailEnd type="none" w="med" len="med"/>
-                    </a:lnB>
-                  </a:tcPr>
-                </a:tc>
-                <a:tc>
-                  <a:txBody>
-                    <a:bodyPr/>
-                    <a:lstStyle/>
-                    <a:p>
-                      <a:pPr algn="ctr" rtl="0" fontAlgn="b"/>
-                      <a:endParaRPr lang="nl-BE" sz="1600" b="0" i="0" u="none" strike="noStrike" dirty="0">
-                        <a:solidFill>
-                          <a:srgbClr val="000000"/>
-                        </a:solidFill>
-                        <a:effectLst/>
-                        <a:latin typeface="Tahoma" panose="020B0604030504040204" pitchFamily="34" charset="0"/>
-                      </a:endParaRPr>
-                    </a:p>
-                  </a:txBody>
-                  <a:tcPr marL="9525" marR="9525" marT="9525" marB="0" anchor="b">
-                    <a:lnL w="12700" cap="flat" cmpd="sng" algn="ctr">
-                      <a:solidFill>
-                        <a:srgbClr val="000000"/>
-                      </a:solidFill>
-                      <a:prstDash val="solid"/>
-                      <a:round/>
-                      <a:headEnd type="none" w="med" len="med"/>
-                      <a:tailEnd type="none" w="med" len="med"/>
-                    </a:lnL>
-                    <a:lnR w="12700" cap="flat" cmpd="sng" algn="ctr">
-                      <a:solidFill>
-                        <a:srgbClr val="000000"/>
-                      </a:solidFill>
-                      <a:prstDash val="solid"/>
-                      <a:round/>
-                      <a:headEnd type="none" w="med" len="med"/>
-                      <a:tailEnd type="none" w="med" len="med"/>
-                    </a:lnR>
-                    <a:lnT w="12700" cap="flat" cmpd="sng" algn="ctr">
-                      <a:solidFill>
-                        <a:srgbClr val="000000"/>
-                      </a:solidFill>
-                      <a:prstDash val="solid"/>
-                      <a:round/>
-                      <a:headEnd type="none" w="med" len="med"/>
-                      <a:tailEnd type="none" w="med" len="med"/>
-                    </a:lnT>
-                    <a:lnB w="12700" cap="flat" cmpd="sng" algn="ctr">
-                      <a:solidFill>
-                        <a:srgbClr val="000000"/>
-                      </a:solidFill>
-                      <a:prstDash val="solid"/>
-                      <a:round/>
-                      <a:headEnd type="none" w="med" len="med"/>
-                      <a:tailEnd type="none" w="med" len="med"/>
-                    </a:lnB>
-                  </a:tcPr>
-                </a:tc>
-                <a:tc>
-                  <a:txBody>
-                    <a:bodyPr/>
-                    <a:lstStyle/>
-                    <a:p>
-                      <a:pPr algn="ctr" rtl="0" fontAlgn="b"/>
-                      <a:endParaRPr lang="nl-BE" sz="1600" b="0" i="0" u="none" strike="noStrike" dirty="0">
-                        <a:solidFill>
-                          <a:srgbClr val="000000"/>
-                        </a:solidFill>
-                        <a:effectLst/>
-                        <a:latin typeface="Tahoma" panose="020B0604030504040204" pitchFamily="34" charset="0"/>
-                      </a:endParaRPr>
-                    </a:p>
-                  </a:txBody>
-                  <a:tcPr marL="9525" marR="9525" marT="9525" marB="0" anchor="b">
-                    <a:lnL w="12700" cap="flat" cmpd="sng" algn="ctr">
-                      <a:solidFill>
-                        <a:srgbClr val="000000"/>
-                      </a:solidFill>
-                      <a:prstDash val="solid"/>
-                      <a:round/>
-                      <a:headEnd type="none" w="med" len="med"/>
-                      <a:tailEnd type="none" w="med" len="med"/>
-                    </a:lnL>
-                    <a:lnR w="12700" cap="flat" cmpd="sng" algn="ctr">
-                      <a:solidFill>
-                        <a:srgbClr val="000000"/>
-                      </a:solidFill>
-                      <a:prstDash val="solid"/>
-                      <a:round/>
-                      <a:headEnd type="none" w="med" len="med"/>
-                      <a:tailEnd type="none" w="med" len="med"/>
-                    </a:lnR>
-                    <a:lnT w="12700" cap="flat" cmpd="sng" algn="ctr">
-                      <a:solidFill>
-                        <a:srgbClr val="000000"/>
-                      </a:solidFill>
-                      <a:prstDash val="solid"/>
-                      <a:round/>
-                      <a:headEnd type="none" w="med" len="med"/>
-                      <a:tailEnd type="none" w="med" len="med"/>
-                    </a:lnT>
-                    <a:lnB w="12700" cap="flat" cmpd="sng" algn="ctr">
-                      <a:solidFill>
-                        <a:srgbClr val="000000"/>
-                      </a:solidFill>
-                      <a:prstDash val="solid"/>
-                      <a:round/>
-                      <a:headEnd type="none" w="med" len="med"/>
-                      <a:tailEnd type="none" w="med" len="med"/>
-                    </a:lnB>
-                  </a:tcPr>
-                </a:tc>
-                <a:tc>
-                  <a:txBody>
-                    <a:bodyPr/>
-                    <a:lstStyle/>
-                    <a:p>
-                      <a:pPr algn="ctr" rtl="0" fontAlgn="b"/>
-                      <a:endParaRPr lang="nl-BE" sz="1600" b="0" i="0" u="none" strike="noStrike" dirty="0">
-                        <a:solidFill>
-                          <a:srgbClr val="4F81BD"/>
-                        </a:solidFill>
-                        <a:effectLst/>
-                        <a:latin typeface="Tahoma" panose="020B0604030504040204" pitchFamily="34" charset="0"/>
-                      </a:endParaRPr>
-                    </a:p>
-                  </a:txBody>
-                  <a:tcPr marL="9525" marR="9525" marT="9525" marB="0" anchor="b">
-                    <a:lnL w="12700" cap="flat" cmpd="sng" algn="ctr">
-                      <a:solidFill>
-                        <a:srgbClr val="000000"/>
-                      </a:solidFill>
-                      <a:prstDash val="solid"/>
-                      <a:round/>
-                      <a:headEnd type="none" w="med" len="med"/>
-                      <a:tailEnd type="none" w="med" len="med"/>
-                    </a:lnL>
-                    <a:lnR w="12700" cap="flat" cmpd="sng" algn="ctr">
-                      <a:solidFill>
-                        <a:srgbClr val="000000"/>
-                      </a:solidFill>
-                      <a:prstDash val="solid"/>
-                      <a:round/>
-                      <a:headEnd type="none" w="med" len="med"/>
-                      <a:tailEnd type="none" w="med" len="med"/>
-                    </a:lnR>
-                    <a:lnT w="12700" cap="flat" cmpd="sng" algn="ctr">
-                      <a:solidFill>
-                        <a:srgbClr val="000000"/>
-                      </a:solidFill>
-                      <a:prstDash val="solid"/>
-                      <a:round/>
-                      <a:headEnd type="none" w="med" len="med"/>
-                      <a:tailEnd type="none" w="med" len="med"/>
-                    </a:lnT>
-                    <a:lnB w="12700" cap="flat" cmpd="sng" algn="ctr">
-                      <a:solidFill>
-                        <a:srgbClr val="000000"/>
-                      </a:solidFill>
-                      <a:prstDash val="solid"/>
-                      <a:round/>
-                      <a:headEnd type="none" w="med" len="med"/>
-                      <a:tailEnd type="none" w="med" len="med"/>
-                    </a:lnB>
-                  </a:tcPr>
-                </a:tc>
                 <a:extLst>
                   <a:ext uri="{0D108BD9-81ED-4DB2-BD59-A6C34878D82A}">
                     <a16:rowId xmlns:a16="http://schemas.microsoft.com/office/drawing/2014/main" val="1811187076"/>
@@ -26851,222 +23872,6 @@
                         </a:rPr>
                         <a:t>    KSO**</a:t>
                       </a:r>
-                    </a:p>
-                  </a:txBody>
-                  <a:tcPr marL="9525" marR="9525" marT="9525" marB="0" anchor="b">
-                    <a:lnL w="12700" cap="flat" cmpd="sng" algn="ctr">
-                      <a:solidFill>
-                        <a:srgbClr val="000000"/>
-                      </a:solidFill>
-                      <a:prstDash val="solid"/>
-                      <a:round/>
-                      <a:headEnd type="none" w="med" len="med"/>
-                      <a:tailEnd type="none" w="med" len="med"/>
-                    </a:lnL>
-                    <a:lnR w="12700" cap="flat" cmpd="sng" algn="ctr">
-                      <a:solidFill>
-                        <a:srgbClr val="000000"/>
-                      </a:solidFill>
-                      <a:prstDash val="solid"/>
-                      <a:round/>
-                      <a:headEnd type="none" w="med" len="med"/>
-                      <a:tailEnd type="none" w="med" len="med"/>
-                    </a:lnR>
-                    <a:lnT w="12700" cap="flat" cmpd="sng" algn="ctr">
-                      <a:solidFill>
-                        <a:srgbClr val="000000"/>
-                      </a:solidFill>
-                      <a:prstDash val="solid"/>
-                      <a:round/>
-                      <a:headEnd type="none" w="med" len="med"/>
-                      <a:tailEnd type="none" w="med" len="med"/>
-                    </a:lnT>
-                    <a:lnB w="12700" cap="flat" cmpd="sng" algn="ctr">
-                      <a:solidFill>
-                        <a:srgbClr val="000000"/>
-                      </a:solidFill>
-                      <a:prstDash val="solid"/>
-                      <a:round/>
-                      <a:headEnd type="none" w="med" len="med"/>
-                      <a:tailEnd type="none" w="med" len="med"/>
-                    </a:lnB>
-                  </a:tcPr>
-                </a:tc>
-                <a:tc>
-                  <a:txBody>
-                    <a:bodyPr/>
-                    <a:lstStyle/>
-                    <a:p>
-                      <a:pPr algn="ctr" rtl="0" fontAlgn="b"/>
-                      <a:endParaRPr lang="nl-BE" sz="1600" b="0" i="0" u="none" strike="noStrike" dirty="0">
-                        <a:solidFill>
-                          <a:srgbClr val="7F7F7F"/>
-                        </a:solidFill>
-                        <a:effectLst/>
-                        <a:latin typeface="Tahoma" panose="020B0604030504040204" pitchFamily="34" charset="0"/>
-                      </a:endParaRPr>
-                    </a:p>
-                  </a:txBody>
-                  <a:tcPr marL="9525" marR="9525" marT="9525" marB="0" anchor="b">
-                    <a:lnL w="12700" cap="flat" cmpd="sng" algn="ctr">
-                      <a:solidFill>
-                        <a:srgbClr val="000000"/>
-                      </a:solidFill>
-                      <a:prstDash val="solid"/>
-                      <a:round/>
-                      <a:headEnd type="none" w="med" len="med"/>
-                      <a:tailEnd type="none" w="med" len="med"/>
-                    </a:lnL>
-                    <a:lnR w="12700" cap="flat" cmpd="sng" algn="ctr">
-                      <a:solidFill>
-                        <a:srgbClr val="000000"/>
-                      </a:solidFill>
-                      <a:prstDash val="solid"/>
-                      <a:round/>
-                      <a:headEnd type="none" w="med" len="med"/>
-                      <a:tailEnd type="none" w="med" len="med"/>
-                    </a:lnR>
-                    <a:lnT w="12700" cap="flat" cmpd="sng" algn="ctr">
-                      <a:solidFill>
-                        <a:srgbClr val="000000"/>
-                      </a:solidFill>
-                      <a:prstDash val="solid"/>
-                      <a:round/>
-                      <a:headEnd type="none" w="med" len="med"/>
-                      <a:tailEnd type="none" w="med" len="med"/>
-                    </a:lnT>
-                    <a:lnB w="12700" cap="flat" cmpd="sng" algn="ctr">
-                      <a:solidFill>
-                        <a:srgbClr val="000000"/>
-                      </a:solidFill>
-                      <a:prstDash val="solid"/>
-                      <a:round/>
-                      <a:headEnd type="none" w="med" len="med"/>
-                      <a:tailEnd type="none" w="med" len="med"/>
-                    </a:lnB>
-                  </a:tcPr>
-                </a:tc>
-                <a:tc>
-                  <a:txBody>
-                    <a:bodyPr/>
-                    <a:lstStyle/>
-                    <a:p>
-                      <a:pPr algn="ctr" rtl="0" fontAlgn="b"/>
-                      <a:endParaRPr lang="nl-BE" sz="1600" b="0" i="0" u="none" strike="noStrike" dirty="0">
-                        <a:solidFill>
-                          <a:srgbClr val="7F7F7F"/>
-                        </a:solidFill>
-                        <a:effectLst/>
-                        <a:latin typeface="Tahoma" panose="020B0604030504040204" pitchFamily="34" charset="0"/>
-                      </a:endParaRPr>
-                    </a:p>
-                  </a:txBody>
-                  <a:tcPr marL="9525" marR="9525" marT="9525" marB="0" anchor="b">
-                    <a:lnL w="12700" cap="flat" cmpd="sng" algn="ctr">
-                      <a:solidFill>
-                        <a:srgbClr val="000000"/>
-                      </a:solidFill>
-                      <a:prstDash val="solid"/>
-                      <a:round/>
-                      <a:headEnd type="none" w="med" len="med"/>
-                      <a:tailEnd type="none" w="med" len="med"/>
-                    </a:lnL>
-                    <a:lnR w="12700" cap="flat" cmpd="sng" algn="ctr">
-                      <a:solidFill>
-                        <a:srgbClr val="000000"/>
-                      </a:solidFill>
-                      <a:prstDash val="solid"/>
-                      <a:round/>
-                      <a:headEnd type="none" w="med" len="med"/>
-                      <a:tailEnd type="none" w="med" len="med"/>
-                    </a:lnR>
-                    <a:lnT w="12700" cap="flat" cmpd="sng" algn="ctr">
-                      <a:solidFill>
-                        <a:srgbClr val="000000"/>
-                      </a:solidFill>
-                      <a:prstDash val="solid"/>
-                      <a:round/>
-                      <a:headEnd type="none" w="med" len="med"/>
-                      <a:tailEnd type="none" w="med" len="med"/>
-                    </a:lnT>
-                    <a:lnB w="12700" cap="flat" cmpd="sng" algn="ctr">
-                      <a:solidFill>
-                        <a:srgbClr val="000000"/>
-                      </a:solidFill>
-                      <a:prstDash val="solid"/>
-                      <a:round/>
-                      <a:headEnd type="none" w="med" len="med"/>
-                      <a:tailEnd type="none" w="med" len="med"/>
-                    </a:lnB>
-                  </a:tcPr>
-                </a:tc>
-                <a:tc>
-                  <a:txBody>
-                    <a:bodyPr/>
-                    <a:lstStyle/>
-                    <a:p>
-                      <a:pPr algn="ctr" rtl="0" fontAlgn="b"/>
-                      <a:endParaRPr lang="nl-BE" sz="1600" b="0" i="0" u="none" strike="noStrike" dirty="0">
-                        <a:solidFill>
-                          <a:srgbClr val="7F7F7F"/>
-                        </a:solidFill>
-                        <a:effectLst/>
-                        <a:latin typeface="Tahoma" panose="020B0604030504040204" pitchFamily="34" charset="0"/>
-                      </a:endParaRPr>
-                    </a:p>
-                  </a:txBody>
-                  <a:tcPr marL="9525" marR="9525" marT="9525" marB="0" anchor="b">
-                    <a:lnL w="12700" cap="flat" cmpd="sng" algn="ctr">
-                      <a:solidFill>
-                        <a:srgbClr val="000000"/>
-                      </a:solidFill>
-                      <a:prstDash val="solid"/>
-                      <a:round/>
-                      <a:headEnd type="none" w="med" len="med"/>
-                      <a:tailEnd type="none" w="med" len="med"/>
-                    </a:lnL>
-                    <a:lnR w="12700" cap="flat" cmpd="sng" algn="ctr">
-                      <a:solidFill>
-                        <a:srgbClr val="000000"/>
-                      </a:solidFill>
-                      <a:prstDash val="solid"/>
-                      <a:round/>
-                      <a:headEnd type="none" w="med" len="med"/>
-                      <a:tailEnd type="none" w="med" len="med"/>
-                    </a:lnR>
-                    <a:lnT w="12700" cap="flat" cmpd="sng" algn="ctr">
-                      <a:solidFill>
-                        <a:srgbClr val="000000"/>
-                      </a:solidFill>
-                      <a:prstDash val="solid"/>
-                      <a:round/>
-                      <a:headEnd type="none" w="med" len="med"/>
-                      <a:tailEnd type="none" w="med" len="med"/>
-                    </a:lnT>
-                    <a:lnB w="12700" cap="flat" cmpd="sng" algn="ctr">
-                      <a:solidFill>
-                        <a:srgbClr val="000000"/>
-                      </a:solidFill>
-                      <a:prstDash val="solid"/>
-                      <a:round/>
-                      <a:headEnd type="none" w="med" len="med"/>
-                      <a:tailEnd type="none" w="med" len="med"/>
-                    </a:lnB>
-                  </a:tcPr>
-                </a:tc>
-                <a:tc>
-                  <a:txBody>
-                    <a:bodyPr/>
-                    <a:lstStyle/>
-                    <a:p>
-                      <a:pPr algn="ctr" rtl="0" fontAlgn="b"/>
-                      <a:endParaRPr lang="nl-BE" sz="1600" b="0" i="0" u="none" strike="noStrike" dirty="0">
-                        <a:solidFill>
-                          <a:srgbClr val="7F7F7F"/>
-                        </a:solidFill>
-                        <a:effectLst/>
-                        <a:latin typeface="Tahoma" panose="020B0604030504040204" pitchFamily="34" charset="0"/>
-                      </a:endParaRPr>
                     </a:p>
                   </a:txBody>
                   <a:tcPr marL="9525" marR="9525" marT="9525" marB="0" anchor="b">
@@ -30790,14 +27595,14 @@
           <p:nvPr>
             <p:extLst>
               <p:ext uri="{D42A27DB-BD31-4B8C-83A1-F6EECF244321}">
-                <p14:modId xmlns:p14="http://schemas.microsoft.com/office/powerpoint/2010/main" val="2876297028"/>
+                <p14:modId xmlns:p14="http://schemas.microsoft.com/office/powerpoint/2010/main" val="2144079261"/>
               </p:ext>
             </p:extLst>
           </p:nvPr>
         </p:nvGraphicFramePr>
         <p:xfrm>
           <a:off x="611560" y="1856849"/>
-          <a:ext cx="6872342" cy="4042853"/>
+          <a:ext cx="7488832" cy="4164439"/>
         </p:xfrm>
         <a:graphic>
           <a:graphicData uri="http://schemas.openxmlformats.org/drawingml/2006/table">
@@ -30806,63 +27611,42 @@
                 <a:tableStyleId>{5C22544A-7EE6-4342-B048-85BDC9FD1C3A}</a:tableStyleId>
               </a:tblPr>
               <a:tblGrid>
-                <a:gridCol w="1135546">
+                <a:gridCol w="1777852">
                   <a:extLst>
                     <a:ext uri="{9D8B030D-6E8A-4147-A177-3AD203B41FA5}">
                       <a16:colId xmlns:a16="http://schemas.microsoft.com/office/drawing/2014/main" val="20000"/>
                     </a:ext>
                   </a:extLst>
                 </a:gridCol>
-                <a:gridCol w="679775">
-                  <a:extLst>
-                    <a:ext uri="{9D8B030D-6E8A-4147-A177-3AD203B41FA5}">
-                      <a16:colId xmlns:a16="http://schemas.microsoft.com/office/drawing/2014/main" val="20002"/>
-                    </a:ext>
-                  </a:extLst>
-                </a:gridCol>
-                <a:gridCol w="679775">
-                  <a:extLst>
-                    <a:ext uri="{9D8B030D-6E8A-4147-A177-3AD203B41FA5}">
-                      <a16:colId xmlns:a16="http://schemas.microsoft.com/office/drawing/2014/main" val="20003"/>
-                    </a:ext>
-                  </a:extLst>
-                </a:gridCol>
-                <a:gridCol w="729541">
-                  <a:extLst>
-                    <a:ext uri="{9D8B030D-6E8A-4147-A177-3AD203B41FA5}">
-                      <a16:colId xmlns:a16="http://schemas.microsoft.com/office/drawing/2014/main" val="20004"/>
-                    </a:ext>
-                  </a:extLst>
-                </a:gridCol>
-                <a:gridCol w="729541">
+                <a:gridCol w="1142196">
                   <a:extLst>
                     <a:ext uri="{9D8B030D-6E8A-4147-A177-3AD203B41FA5}">
                       <a16:colId xmlns:a16="http://schemas.microsoft.com/office/drawing/2014/main" val="20005"/>
                     </a:ext>
                   </a:extLst>
                 </a:gridCol>
-                <a:gridCol w="729541">
+                <a:gridCol w="1142196">
                   <a:extLst>
                     <a:ext uri="{9D8B030D-6E8A-4147-A177-3AD203B41FA5}">
                       <a16:colId xmlns:a16="http://schemas.microsoft.com/office/drawing/2014/main" val="1120111767"/>
                     </a:ext>
                   </a:extLst>
                 </a:gridCol>
-                <a:gridCol w="729541">
+                <a:gridCol w="1142196">
                   <a:extLst>
                     <a:ext uri="{9D8B030D-6E8A-4147-A177-3AD203B41FA5}">
                       <a16:colId xmlns:a16="http://schemas.microsoft.com/office/drawing/2014/main" val="3301988953"/>
                     </a:ext>
                   </a:extLst>
                 </a:gridCol>
-                <a:gridCol w="729541">
+                <a:gridCol w="1142196">
                   <a:extLst>
                     <a:ext uri="{9D8B030D-6E8A-4147-A177-3AD203B41FA5}">
                       <a16:colId xmlns:a16="http://schemas.microsoft.com/office/drawing/2014/main" val="3215054678"/>
                     </a:ext>
                   </a:extLst>
                 </a:gridCol>
-                <a:gridCol w="729541">
+                <a:gridCol w="1142196">
                   <a:extLst>
                     <a:ext uri="{9D8B030D-6E8A-4147-A177-3AD203B41FA5}">
                       <a16:colId xmlns:a16="http://schemas.microsoft.com/office/drawing/2014/main" val="1483026167"/>
@@ -30870,7 +27654,7 @@
                   </a:extLst>
                 </a:gridCol>
               </a:tblGrid>
-              <a:tr h="433622">
+              <a:tr h="446663">
                 <a:tc>
                   <a:txBody>
                     <a:bodyPr/>
@@ -30881,36 +27665,6 @@
                         <a:t>Type SO</a:t>
                       </a:r>
                       <a:endParaRPr lang="nl-BE" b="1" dirty="0"/>
-                    </a:p>
-                  </a:txBody>
-                  <a:tcPr/>
-                </a:tc>
-                <a:tc>
-                  <a:txBody>
-                    <a:bodyPr/>
-                    <a:lstStyle/>
-                    <a:p>
-                      <a:endParaRPr lang="nl-BE" dirty="0"/>
-                    </a:p>
-                  </a:txBody>
-                  <a:tcPr/>
-                </a:tc>
-                <a:tc>
-                  <a:txBody>
-                    <a:bodyPr/>
-                    <a:lstStyle/>
-                    <a:p>
-                      <a:endParaRPr lang="nl-BE" dirty="0"/>
-                    </a:p>
-                  </a:txBody>
-                  <a:tcPr/>
-                </a:tc>
-                <a:tc>
-                  <a:txBody>
-                    <a:bodyPr/>
-                    <a:lstStyle/>
-                    <a:p>
-                      <a:endParaRPr lang="nl-BE" dirty="0"/>
                     </a:p>
                   </a:txBody>
                   <a:tcPr/>
@@ -30983,7 +27737,7 @@
                   </a:ext>
                 </a:extLst>
               </a:tr>
-              <a:tr h="502482">
+              <a:tr h="517594">
                 <a:tc>
                   <a:txBody>
                     <a:bodyPr/>
@@ -30994,48 +27748,6 @@
                         <a:t>ASO           </a:t>
                       </a:r>
                       <a:endParaRPr lang="nl-BE" b="1" dirty="0"/>
-                    </a:p>
-                  </a:txBody>
-                  <a:tcPr/>
-                </a:tc>
-                <a:tc>
-                  <a:txBody>
-                    <a:bodyPr/>
-                    <a:lstStyle/>
-                    <a:p>
-                      <a:endParaRPr lang="nl-BE" dirty="0">
-                        <a:solidFill>
-                          <a:schemeClr val="tx1"/>
-                        </a:solidFill>
-                      </a:endParaRPr>
-                    </a:p>
-                  </a:txBody>
-                  <a:tcPr/>
-                </a:tc>
-                <a:tc>
-                  <a:txBody>
-                    <a:bodyPr/>
-                    <a:lstStyle/>
-                    <a:p>
-                      <a:endParaRPr lang="nl-BE" dirty="0">
-                        <a:solidFill>
-                          <a:schemeClr val="tx1"/>
-                        </a:solidFill>
-                      </a:endParaRPr>
-                    </a:p>
-                  </a:txBody>
-                  <a:tcPr/>
-                </a:tc>
-                <a:tc>
-                  <a:txBody>
-                    <a:bodyPr/>
-                    <a:lstStyle/>
-                    <a:p>
-                      <a:endParaRPr lang="nl-BE" dirty="0">
-                        <a:solidFill>
-                          <a:schemeClr val="tx1"/>
-                        </a:solidFill>
-                      </a:endParaRPr>
                     </a:p>
                   </a:txBody>
                   <a:tcPr/>
@@ -31120,7 +27832,7 @@
                   </a:ext>
                 </a:extLst>
               </a:tr>
-              <a:tr h="504056">
+              <a:tr h="519215">
                 <a:tc>
                   <a:txBody>
                     <a:bodyPr/>
@@ -31131,48 +27843,6 @@
                         <a:t>TSO</a:t>
                       </a:r>
                       <a:endParaRPr lang="nl-BE" b="1" dirty="0"/>
-                    </a:p>
-                  </a:txBody>
-                  <a:tcPr/>
-                </a:tc>
-                <a:tc>
-                  <a:txBody>
-                    <a:bodyPr/>
-                    <a:lstStyle/>
-                    <a:p>
-                      <a:endParaRPr lang="nl-BE" dirty="0">
-                        <a:solidFill>
-                          <a:schemeClr val="tx1"/>
-                        </a:solidFill>
-                      </a:endParaRPr>
-                    </a:p>
-                  </a:txBody>
-                  <a:tcPr/>
-                </a:tc>
-                <a:tc>
-                  <a:txBody>
-                    <a:bodyPr/>
-                    <a:lstStyle/>
-                    <a:p>
-                      <a:endParaRPr lang="nl-BE" dirty="0">
-                        <a:solidFill>
-                          <a:schemeClr val="tx1"/>
-                        </a:solidFill>
-                      </a:endParaRPr>
-                    </a:p>
-                  </a:txBody>
-                  <a:tcPr/>
-                </a:tc>
-                <a:tc>
-                  <a:txBody>
-                    <a:bodyPr/>
-                    <a:lstStyle/>
-                    <a:p>
-                      <a:endParaRPr lang="nl-BE" dirty="0">
-                        <a:solidFill>
-                          <a:schemeClr val="tx1"/>
-                        </a:solidFill>
-                      </a:endParaRPr>
                     </a:p>
                   </a:txBody>
                   <a:tcPr/>
@@ -31257,7 +27927,7 @@
                   </a:ext>
                 </a:extLst>
               </a:tr>
-              <a:tr h="504056">
+              <a:tr h="519215">
                 <a:tc>
                   <a:txBody>
                     <a:bodyPr/>
@@ -31268,48 +27938,6 @@
                         <a:t>BSO</a:t>
                       </a:r>
                       <a:endParaRPr lang="nl-BE" b="1" dirty="0"/>
-                    </a:p>
-                  </a:txBody>
-                  <a:tcPr/>
-                </a:tc>
-                <a:tc>
-                  <a:txBody>
-                    <a:bodyPr/>
-                    <a:lstStyle/>
-                    <a:p>
-                      <a:endParaRPr lang="nl-BE" dirty="0">
-                        <a:solidFill>
-                          <a:schemeClr val="tx1"/>
-                        </a:solidFill>
-                      </a:endParaRPr>
-                    </a:p>
-                  </a:txBody>
-                  <a:tcPr/>
-                </a:tc>
-                <a:tc>
-                  <a:txBody>
-                    <a:bodyPr/>
-                    <a:lstStyle/>
-                    <a:p>
-                      <a:endParaRPr lang="nl-BE" dirty="0">
-                        <a:solidFill>
-                          <a:schemeClr val="tx1"/>
-                        </a:solidFill>
-                      </a:endParaRPr>
-                    </a:p>
-                  </a:txBody>
-                  <a:tcPr/>
-                </a:tc>
-                <a:tc>
-                  <a:txBody>
-                    <a:bodyPr/>
-                    <a:lstStyle/>
-                    <a:p>
-                      <a:endParaRPr lang="nl-BE" dirty="0">
-                        <a:solidFill>
-                          <a:schemeClr val="tx1"/>
-                        </a:solidFill>
-                      </a:endParaRPr>
                     </a:p>
                   </a:txBody>
                   <a:tcPr/>
@@ -31394,7 +28022,7 @@
                   </a:ext>
                 </a:extLst>
               </a:tr>
-              <a:tr h="504056">
+              <a:tr h="519215">
                 <a:tc>
                   <a:txBody>
                     <a:bodyPr/>
@@ -31405,51 +28033,6 @@
                         <a:t>KSO</a:t>
                       </a:r>
                       <a:endParaRPr lang="nl-BE" b="1" dirty="0"/>
-                    </a:p>
-                  </a:txBody>
-                  <a:tcPr/>
-                </a:tc>
-                <a:tc>
-                  <a:txBody>
-                    <a:bodyPr/>
-                    <a:lstStyle/>
-                    <a:p>
-                      <a:pPr algn="l"/>
-                      <a:endParaRPr lang="nl-BE" dirty="0">
-                        <a:solidFill>
-                          <a:schemeClr val="tx1"/>
-                        </a:solidFill>
-                      </a:endParaRPr>
-                    </a:p>
-                  </a:txBody>
-                  <a:tcPr/>
-                </a:tc>
-                <a:tc>
-                  <a:txBody>
-                    <a:bodyPr/>
-                    <a:lstStyle/>
-                    <a:p>
-                      <a:pPr algn="l"/>
-                      <a:endParaRPr lang="nl-BE" dirty="0">
-                        <a:solidFill>
-                          <a:schemeClr val="tx1"/>
-                        </a:solidFill>
-                      </a:endParaRPr>
-                    </a:p>
-                  </a:txBody>
-                  <a:tcPr/>
-                </a:tc>
-                <a:tc>
-                  <a:txBody>
-                    <a:bodyPr/>
-                    <a:lstStyle/>
-                    <a:p>
-                      <a:pPr algn="l"/>
-                      <a:endParaRPr lang="nl-BE" dirty="0">
-                        <a:solidFill>
-                          <a:schemeClr val="tx1"/>
-                        </a:solidFill>
-                      </a:endParaRPr>
                     </a:p>
                   </a:txBody>
                   <a:tcPr/>
@@ -31539,7 +28122,7 @@
                   </a:ext>
                 </a:extLst>
               </a:tr>
-              <a:tr h="576064">
+              <a:tr h="847710">
                 <a:tc>
                   <a:txBody>
                     <a:bodyPr/>
@@ -31650,48 +28233,6 @@
                       </a:endParaRPr>
                     </a:p>
                   </a:txBody>
-                  <a:tcPr/>
-                </a:tc>
-                <a:tc>
-                  <a:txBody>
-                    <a:bodyPr/>
-                    <a:lstStyle/>
-                    <a:p>
-                      <a:endParaRPr lang="nl-BE" dirty="0">
-                        <a:solidFill>
-                          <a:schemeClr val="tx1"/>
-                        </a:solidFill>
-                      </a:endParaRPr>
-                    </a:p>
-                  </a:txBody>
-                  <a:tcPr/>
-                </a:tc>
-                <a:tc>
-                  <a:txBody>
-                    <a:bodyPr/>
-                    <a:lstStyle/>
-                    <a:p>
-                      <a:endParaRPr lang="nl-BE" dirty="0">
-                        <a:solidFill>
-                          <a:schemeClr val="tx1"/>
-                        </a:solidFill>
-                      </a:endParaRPr>
-                    </a:p>
-                  </a:txBody>
-                  <a:tcPr/>
-                </a:tc>
-                <a:tc>
-                  <a:txBody>
-                    <a:bodyPr/>
-                    <a:lstStyle/>
-                    <a:p>
-                      <a:endParaRPr lang="nl-BE" dirty="0">
-                        <a:solidFill>
-                          <a:schemeClr val="tx1"/>
-                        </a:solidFill>
-                      </a:endParaRPr>
-                    </a:p>
-                  </a:txBody>
                   <a:tcPr>
                     <a:solidFill>
                       <a:srgbClr val="92D050"/>
@@ -31704,7 +28245,7 @@
                   </a:ext>
                 </a:extLst>
               </a:tr>
-              <a:tr h="140960">
+              <a:tr h="188380">
                 <a:tc>
                   <a:txBody>
                     <a:bodyPr/>
@@ -31717,48 +28258,6 @@
                         <a:latin typeface="+mn-lt"/>
                         <a:ea typeface="+mn-ea"/>
                         <a:cs typeface="+mn-cs"/>
-                      </a:endParaRPr>
-                    </a:p>
-                  </a:txBody>
-                  <a:tcPr/>
-                </a:tc>
-                <a:tc>
-                  <a:txBody>
-                    <a:bodyPr/>
-                    <a:lstStyle/>
-                    <a:p>
-                      <a:endParaRPr lang="nl-BE" sz="300" dirty="0">
-                        <a:solidFill>
-                          <a:schemeClr val="tx1"/>
-                        </a:solidFill>
-                      </a:endParaRPr>
-                    </a:p>
-                  </a:txBody>
-                  <a:tcPr/>
-                </a:tc>
-                <a:tc>
-                  <a:txBody>
-                    <a:bodyPr/>
-                    <a:lstStyle/>
-                    <a:p>
-                      <a:endParaRPr lang="nl-BE" sz="300" dirty="0">
-                        <a:solidFill>
-                          <a:schemeClr val="tx1"/>
-                        </a:solidFill>
-                      </a:endParaRPr>
-                    </a:p>
-                  </a:txBody>
-                  <a:tcPr/>
-                </a:tc>
-                <a:tc>
-                  <a:txBody>
-                    <a:bodyPr/>
-                    <a:lstStyle/>
-                    <a:p>
-                      <a:endParaRPr lang="nl-BE" sz="300" dirty="0">
-                        <a:solidFill>
-                          <a:schemeClr val="tx1"/>
-                        </a:solidFill>
                       </a:endParaRPr>
                     </a:p>
                   </a:txBody>
@@ -31844,7 +28343,7 @@
                   </a:ext>
                 </a:extLst>
               </a:tr>
-              <a:tr h="588741">
+              <a:tr h="606447">
                 <a:tc>
                   <a:txBody>
                     <a:bodyPr/>
@@ -31855,48 +28354,6 @@
                         <a:t>TOT</a:t>
                       </a:r>
                       <a:endParaRPr lang="nl-BE" b="1" dirty="0"/>
-                    </a:p>
-                  </a:txBody>
-                  <a:tcPr/>
-                </a:tc>
-                <a:tc>
-                  <a:txBody>
-                    <a:bodyPr/>
-                    <a:lstStyle/>
-                    <a:p>
-                      <a:endParaRPr lang="nl-BE" b="1" dirty="0">
-                        <a:solidFill>
-                          <a:schemeClr val="tx1"/>
-                        </a:solidFill>
-                      </a:endParaRPr>
-                    </a:p>
-                  </a:txBody>
-                  <a:tcPr/>
-                </a:tc>
-                <a:tc>
-                  <a:txBody>
-                    <a:bodyPr/>
-                    <a:lstStyle/>
-                    <a:p>
-                      <a:endParaRPr lang="nl-BE" b="1" dirty="0">
-                        <a:solidFill>
-                          <a:schemeClr val="tx1"/>
-                        </a:solidFill>
-                      </a:endParaRPr>
-                    </a:p>
-                  </a:txBody>
-                  <a:tcPr/>
-                </a:tc>
-                <a:tc>
-                  <a:txBody>
-                    <a:bodyPr/>
-                    <a:lstStyle/>
-                    <a:p>
-                      <a:endParaRPr lang="nl-BE" b="1" dirty="0">
-                        <a:solidFill>
-                          <a:schemeClr val="tx1"/>
-                        </a:solidFill>
-                      </a:endParaRPr>
                     </a:p>
                   </a:txBody>
                   <a:tcPr/>
@@ -32251,14 +28708,14 @@
           <p:nvPr>
             <p:extLst>
               <p:ext uri="{D42A27DB-BD31-4B8C-83A1-F6EECF244321}">
-                <p14:modId xmlns:p14="http://schemas.microsoft.com/office/powerpoint/2010/main" val="3994213744"/>
+                <p14:modId xmlns:p14="http://schemas.microsoft.com/office/powerpoint/2010/main" val="1506166999"/>
               </p:ext>
             </p:extLst>
           </p:nvPr>
         </p:nvGraphicFramePr>
         <p:xfrm>
           <a:off x="395536" y="2026816"/>
-          <a:ext cx="7920882" cy="2758440"/>
+          <a:ext cx="7920879" cy="2914352"/>
         </p:xfrm>
         <a:graphic>
           <a:graphicData uri="http://schemas.openxmlformats.org/drawingml/2006/table">
@@ -32267,63 +28724,42 @@
                 <a:tableStyleId>{5C22544A-7EE6-4342-B048-85BDC9FD1C3A}</a:tableStyleId>
               </a:tblPr>
               <a:tblGrid>
-                <a:gridCol w="1296738">
+                <a:gridCol w="1889209">
                   <a:extLst>
                     <a:ext uri="{9D8B030D-6E8A-4147-A177-3AD203B41FA5}">
                       <a16:colId xmlns:a16="http://schemas.microsoft.com/office/drawing/2014/main" val="20000"/>
                     </a:ext>
                   </a:extLst>
                 </a:gridCol>
-                <a:gridCol w="828018">
-                  <a:extLst>
-                    <a:ext uri="{9D8B030D-6E8A-4147-A177-3AD203B41FA5}">
-                      <a16:colId xmlns:a16="http://schemas.microsoft.com/office/drawing/2014/main" val="20002"/>
-                    </a:ext>
-                  </a:extLst>
-                </a:gridCol>
-                <a:gridCol w="828018">
-                  <a:extLst>
-                    <a:ext uri="{9D8B030D-6E8A-4147-A177-3AD203B41FA5}">
-                      <a16:colId xmlns:a16="http://schemas.microsoft.com/office/drawing/2014/main" val="20003"/>
-                    </a:ext>
-                  </a:extLst>
-                </a:gridCol>
-                <a:gridCol w="828018">
-                  <a:extLst>
-                    <a:ext uri="{9D8B030D-6E8A-4147-A177-3AD203B41FA5}">
-                      <a16:colId xmlns:a16="http://schemas.microsoft.com/office/drawing/2014/main" val="20004"/>
-                    </a:ext>
-                  </a:extLst>
-                </a:gridCol>
-                <a:gridCol w="828018">
+                <a:gridCol w="1206334">
                   <a:extLst>
                     <a:ext uri="{9D8B030D-6E8A-4147-A177-3AD203B41FA5}">
                       <a16:colId xmlns:a16="http://schemas.microsoft.com/office/drawing/2014/main" val="20005"/>
                     </a:ext>
                   </a:extLst>
                 </a:gridCol>
-                <a:gridCol w="828018">
+                <a:gridCol w="1206334">
                   <a:extLst>
                     <a:ext uri="{9D8B030D-6E8A-4147-A177-3AD203B41FA5}">
                       <a16:colId xmlns:a16="http://schemas.microsoft.com/office/drawing/2014/main" val="2261671403"/>
                     </a:ext>
                   </a:extLst>
                 </a:gridCol>
-                <a:gridCol w="828018">
+                <a:gridCol w="1206334">
                   <a:extLst>
                     <a:ext uri="{9D8B030D-6E8A-4147-A177-3AD203B41FA5}">
                       <a16:colId xmlns:a16="http://schemas.microsoft.com/office/drawing/2014/main" val="2342043502"/>
                     </a:ext>
                   </a:extLst>
                 </a:gridCol>
-                <a:gridCol w="828018">
+                <a:gridCol w="1206334">
                   <a:extLst>
                     <a:ext uri="{9D8B030D-6E8A-4147-A177-3AD203B41FA5}">
                       <a16:colId xmlns:a16="http://schemas.microsoft.com/office/drawing/2014/main" val="797768801"/>
                     </a:ext>
                   </a:extLst>
                 </a:gridCol>
-                <a:gridCol w="828018">
+                <a:gridCol w="1206334">
                   <a:extLst>
                     <a:ext uri="{9D8B030D-6E8A-4147-A177-3AD203B41FA5}">
                       <a16:colId xmlns:a16="http://schemas.microsoft.com/office/drawing/2014/main" val="495432180"/>
@@ -32331,7 +28767,7 @@
                   </a:extLst>
                 </a:gridCol>
               </a:tblGrid>
-              <a:tr h="0">
+              <a:tr h="386433">
                 <a:tc>
                   <a:txBody>
                     <a:bodyPr/>
@@ -32342,60 +28778,6 @@
                         <a:t>Type SO</a:t>
                       </a:r>
                       <a:endParaRPr lang="nl-BE" b="1" dirty="0"/>
-                    </a:p>
-                  </a:txBody>
-                  <a:tcPr/>
-                </a:tc>
-                <a:tc>
-                  <a:txBody>
-                    <a:bodyPr/>
-                    <a:lstStyle/>
-                    <a:p>
-                      <a:pPr marL="0" algn="l" defTabSz="914400" rtl="0" eaLnBrk="1" latinLnBrk="0" hangingPunct="1"/>
-                      <a:endParaRPr lang="nl-BE" sz="1800" b="1" kern="1200" dirty="0">
-                        <a:solidFill>
-                          <a:schemeClr val="bg1"/>
-                        </a:solidFill>
-                        <a:latin typeface="+mn-lt"/>
-                        <a:ea typeface="+mn-ea"/>
-                        <a:cs typeface="+mn-cs"/>
-                      </a:endParaRPr>
-                    </a:p>
-                  </a:txBody>
-                  <a:tcPr/>
-                </a:tc>
-                <a:tc>
-                  <a:txBody>
-                    <a:bodyPr/>
-                    <a:lstStyle/>
-                    <a:p>
-                      <a:pPr marL="0" algn="l" defTabSz="914400" rtl="0" eaLnBrk="1" latinLnBrk="0" hangingPunct="1"/>
-                      <a:endParaRPr lang="nl-BE" sz="1800" b="1" kern="1200" dirty="0">
-                        <a:solidFill>
-                          <a:schemeClr val="bg1"/>
-                        </a:solidFill>
-                        <a:latin typeface="+mn-lt"/>
-                        <a:ea typeface="+mn-ea"/>
-                        <a:cs typeface="+mn-cs"/>
-                      </a:endParaRPr>
-                    </a:p>
-                  </a:txBody>
-                  <a:tcPr/>
-                </a:tc>
-                <a:tc>
-                  <a:txBody>
-                    <a:bodyPr/>
-                    <a:lstStyle/>
-                    <a:p>
-                      <a:pPr marL="0" algn="l" defTabSz="914400" rtl="0" eaLnBrk="1" latinLnBrk="0" hangingPunct="1"/>
-                      <a:endParaRPr lang="nl-BE" sz="1800" b="1" kern="1200" dirty="0">
-                        <a:solidFill>
-                          <a:schemeClr val="bg1"/>
-                        </a:solidFill>
-                        <a:latin typeface="+mn-lt"/>
-                        <a:ea typeface="+mn-ea"/>
-                        <a:cs typeface="+mn-cs"/>
-                      </a:endParaRPr>
                     </a:p>
                   </a:txBody>
                   <a:tcPr/>
@@ -32500,7 +28882,7 @@
                   </a:ext>
                 </a:extLst>
               </a:tr>
-              <a:tr h="370840">
+              <a:tr h="676258">
                 <a:tc>
                   <a:txBody>
                     <a:bodyPr/>
@@ -32520,60 +28902,6 @@
                             <a:lumOff val="35000"/>
                           </a:schemeClr>
                         </a:solidFill>
-                      </a:endParaRPr>
-                    </a:p>
-                  </a:txBody>
-                  <a:tcPr/>
-                </a:tc>
-                <a:tc>
-                  <a:txBody>
-                    <a:bodyPr/>
-                    <a:lstStyle/>
-                    <a:p>
-                      <a:pPr marL="0" algn="l" defTabSz="914400" rtl="0" eaLnBrk="1" latinLnBrk="0" hangingPunct="1"/>
-                      <a:endParaRPr lang="nl-BE" sz="1800" b="0" kern="1200" dirty="0">
-                        <a:solidFill>
-                          <a:schemeClr val="tx1"/>
-                        </a:solidFill>
-                        <a:latin typeface="+mn-lt"/>
-                        <a:ea typeface="+mn-ea"/>
-                        <a:cs typeface="+mn-cs"/>
-                      </a:endParaRPr>
-                    </a:p>
-                  </a:txBody>
-                  <a:tcPr/>
-                </a:tc>
-                <a:tc>
-                  <a:txBody>
-                    <a:bodyPr/>
-                    <a:lstStyle/>
-                    <a:p>
-                      <a:pPr marL="0" algn="l" defTabSz="914400" rtl="0" eaLnBrk="1" latinLnBrk="0" hangingPunct="1"/>
-                      <a:endParaRPr lang="nl-BE" sz="1800" b="0" kern="1200" dirty="0">
-                        <a:solidFill>
-                          <a:schemeClr val="tx1"/>
-                        </a:solidFill>
-                        <a:latin typeface="+mn-lt"/>
-                        <a:ea typeface="+mn-ea"/>
-                        <a:cs typeface="+mn-cs"/>
-                      </a:endParaRPr>
-                    </a:p>
-                  </a:txBody>
-                  <a:tcPr/>
-                </a:tc>
-                <a:tc>
-                  <a:txBody>
-                    <a:bodyPr/>
-                    <a:lstStyle/>
-                    <a:p>
-                      <a:pPr marL="0" algn="l" defTabSz="914400" rtl="0" eaLnBrk="1" latinLnBrk="0" hangingPunct="1"/>
-                      <a:endParaRPr lang="nl-BE" sz="1800" b="0" kern="1200" dirty="0">
-                        <a:solidFill>
-                          <a:schemeClr val="tx1"/>
-                        </a:solidFill>
-                        <a:latin typeface="+mn-lt"/>
-                        <a:ea typeface="+mn-ea"/>
-                        <a:cs typeface="+mn-cs"/>
                       </a:endParaRPr>
                     </a:p>
                   </a:txBody>
@@ -32679,7 +29007,7 @@
                   </a:ext>
                 </a:extLst>
               </a:tr>
-              <a:tr h="370840">
+              <a:tr h="391801">
                 <a:tc>
                   <a:txBody>
                     <a:bodyPr/>
@@ -32690,60 +29018,6 @@
                         <a:t>TSO</a:t>
                       </a:r>
                       <a:endParaRPr lang="nl-BE" b="1" dirty="0"/>
-                    </a:p>
-                  </a:txBody>
-                  <a:tcPr/>
-                </a:tc>
-                <a:tc>
-                  <a:txBody>
-                    <a:bodyPr/>
-                    <a:lstStyle/>
-                    <a:p>
-                      <a:pPr marL="0" algn="l" defTabSz="914400" rtl="0" eaLnBrk="1" latinLnBrk="0" hangingPunct="1"/>
-                      <a:endParaRPr lang="nl-BE" sz="1800" b="0" kern="1200" dirty="0">
-                        <a:solidFill>
-                          <a:schemeClr val="tx1"/>
-                        </a:solidFill>
-                        <a:latin typeface="+mn-lt"/>
-                        <a:ea typeface="+mn-ea"/>
-                        <a:cs typeface="+mn-cs"/>
-                      </a:endParaRPr>
-                    </a:p>
-                  </a:txBody>
-                  <a:tcPr/>
-                </a:tc>
-                <a:tc>
-                  <a:txBody>
-                    <a:bodyPr/>
-                    <a:lstStyle/>
-                    <a:p>
-                      <a:pPr marL="0" algn="l" defTabSz="914400" rtl="0" eaLnBrk="1" latinLnBrk="0" hangingPunct="1"/>
-                      <a:endParaRPr lang="nl-BE" sz="1800" b="0" kern="1200" dirty="0">
-                        <a:solidFill>
-                          <a:schemeClr val="tx1"/>
-                        </a:solidFill>
-                        <a:latin typeface="+mn-lt"/>
-                        <a:ea typeface="+mn-ea"/>
-                        <a:cs typeface="+mn-cs"/>
-                      </a:endParaRPr>
-                    </a:p>
-                  </a:txBody>
-                  <a:tcPr/>
-                </a:tc>
-                <a:tc>
-                  <a:txBody>
-                    <a:bodyPr/>
-                    <a:lstStyle/>
-                    <a:p>
-                      <a:pPr marL="0" algn="l" defTabSz="914400" rtl="0" eaLnBrk="1" latinLnBrk="0" hangingPunct="1"/>
-                      <a:endParaRPr lang="nl-BE" sz="1800" b="0" kern="1200" dirty="0">
-                        <a:solidFill>
-                          <a:schemeClr val="tx1"/>
-                        </a:solidFill>
-                        <a:latin typeface="+mn-lt"/>
-                        <a:ea typeface="+mn-ea"/>
-                        <a:cs typeface="+mn-cs"/>
-                      </a:endParaRPr>
                     </a:p>
                   </a:txBody>
                   <a:tcPr/>
@@ -32848,7 +29122,7 @@
                   </a:ext>
                 </a:extLst>
               </a:tr>
-              <a:tr h="370840">
+              <a:tr h="391801">
                 <a:tc>
                   <a:txBody>
                     <a:bodyPr/>
@@ -32859,60 +29133,6 @@
                         <a:t>BSO</a:t>
                       </a:r>
                       <a:endParaRPr lang="nl-BE" b="1" dirty="0"/>
-                    </a:p>
-                  </a:txBody>
-                  <a:tcPr/>
-                </a:tc>
-                <a:tc>
-                  <a:txBody>
-                    <a:bodyPr/>
-                    <a:lstStyle/>
-                    <a:p>
-                      <a:pPr marL="0" algn="l" defTabSz="914400" rtl="0" eaLnBrk="1" latinLnBrk="0" hangingPunct="1"/>
-                      <a:endParaRPr lang="nl-BE" sz="1800" b="0" kern="1200" dirty="0">
-                        <a:solidFill>
-                          <a:schemeClr val="tx1"/>
-                        </a:solidFill>
-                        <a:latin typeface="+mn-lt"/>
-                        <a:ea typeface="+mn-ea"/>
-                        <a:cs typeface="+mn-cs"/>
-                      </a:endParaRPr>
-                    </a:p>
-                  </a:txBody>
-                  <a:tcPr/>
-                </a:tc>
-                <a:tc>
-                  <a:txBody>
-                    <a:bodyPr/>
-                    <a:lstStyle/>
-                    <a:p>
-                      <a:pPr marL="0" algn="l" defTabSz="914400" rtl="0" eaLnBrk="1" latinLnBrk="0" hangingPunct="1"/>
-                      <a:endParaRPr lang="nl-BE" sz="1800" b="0" kern="1200" dirty="0">
-                        <a:solidFill>
-                          <a:schemeClr val="tx1"/>
-                        </a:solidFill>
-                        <a:latin typeface="+mn-lt"/>
-                        <a:ea typeface="+mn-ea"/>
-                        <a:cs typeface="+mn-cs"/>
-                      </a:endParaRPr>
-                    </a:p>
-                  </a:txBody>
-                  <a:tcPr/>
-                </a:tc>
-                <a:tc>
-                  <a:txBody>
-                    <a:bodyPr/>
-                    <a:lstStyle/>
-                    <a:p>
-                      <a:pPr marL="0" algn="l" defTabSz="914400" rtl="0" eaLnBrk="1" latinLnBrk="0" hangingPunct="1"/>
-                      <a:endParaRPr lang="nl-BE" sz="1800" b="0" kern="1200" dirty="0">
-                        <a:solidFill>
-                          <a:schemeClr val="tx1"/>
-                        </a:solidFill>
-                        <a:latin typeface="+mn-lt"/>
-                        <a:ea typeface="+mn-ea"/>
-                        <a:cs typeface="+mn-cs"/>
-                      </a:endParaRPr>
                     </a:p>
                   </a:txBody>
                   <a:tcPr/>
@@ -33017,7 +29237,7 @@
                   </a:ext>
                 </a:extLst>
               </a:tr>
-              <a:tr h="370840">
+              <a:tr h="391801">
                 <a:tc>
                   <a:txBody>
                     <a:bodyPr/>
@@ -33028,60 +29248,6 @@
                         <a:t>KSO</a:t>
                       </a:r>
                       <a:endParaRPr lang="nl-BE" b="1" dirty="0"/>
-                    </a:p>
-                  </a:txBody>
-                  <a:tcPr/>
-                </a:tc>
-                <a:tc>
-                  <a:txBody>
-                    <a:bodyPr/>
-                    <a:lstStyle/>
-                    <a:p>
-                      <a:pPr marL="0" algn="l" defTabSz="914400" rtl="0" eaLnBrk="1" latinLnBrk="0" hangingPunct="1"/>
-                      <a:endParaRPr lang="nl-BE" sz="1800" b="0" kern="1200" dirty="0">
-                        <a:solidFill>
-                          <a:schemeClr val="tx1"/>
-                        </a:solidFill>
-                        <a:latin typeface="+mn-lt"/>
-                        <a:ea typeface="+mn-ea"/>
-                        <a:cs typeface="+mn-cs"/>
-                      </a:endParaRPr>
-                    </a:p>
-                  </a:txBody>
-                  <a:tcPr/>
-                </a:tc>
-                <a:tc>
-                  <a:txBody>
-                    <a:bodyPr/>
-                    <a:lstStyle/>
-                    <a:p>
-                      <a:pPr marL="0" algn="l" defTabSz="914400" rtl="0" eaLnBrk="1" latinLnBrk="0" hangingPunct="1"/>
-                      <a:endParaRPr lang="nl-BE" sz="1800" b="0" kern="1200" dirty="0">
-                        <a:solidFill>
-                          <a:schemeClr val="tx1"/>
-                        </a:solidFill>
-                        <a:latin typeface="+mn-lt"/>
-                        <a:ea typeface="+mn-ea"/>
-                        <a:cs typeface="+mn-cs"/>
-                      </a:endParaRPr>
-                    </a:p>
-                  </a:txBody>
-                  <a:tcPr/>
-                </a:tc>
-                <a:tc>
-                  <a:txBody>
-                    <a:bodyPr/>
-                    <a:lstStyle/>
-                    <a:p>
-                      <a:pPr marL="0" algn="l" defTabSz="914400" rtl="0" eaLnBrk="1" latinLnBrk="0" hangingPunct="1"/>
-                      <a:endParaRPr lang="nl-BE" sz="1800" b="0" kern="1200" dirty="0">
-                        <a:solidFill>
-                          <a:schemeClr val="tx1"/>
-                        </a:solidFill>
-                        <a:latin typeface="+mn-lt"/>
-                        <a:ea typeface="+mn-ea"/>
-                        <a:cs typeface="+mn-cs"/>
-                      </a:endParaRPr>
                     </a:p>
                   </a:txBody>
                   <a:tcPr/>
@@ -33186,7 +29352,7 @@
                   </a:ext>
                 </a:extLst>
               </a:tr>
-              <a:tr h="370840">
+              <a:tr h="676258">
                 <a:tc>
                   <a:txBody>
                     <a:bodyPr/>
@@ -33205,60 +29371,6 @@
                         <a:t>een info </a:t>
                       </a:r>
                       <a:endParaRPr lang="nl-BE" b="0" dirty="0"/>
-                    </a:p>
-                  </a:txBody>
-                  <a:tcPr/>
-                </a:tc>
-                <a:tc>
-                  <a:txBody>
-                    <a:bodyPr/>
-                    <a:lstStyle/>
-                    <a:p>
-                      <a:pPr marL="0" algn="l" defTabSz="914400" rtl="0" eaLnBrk="1" latinLnBrk="0" hangingPunct="1"/>
-                      <a:endParaRPr lang="nl-BE" sz="1800" b="0" kern="1200" dirty="0">
-                        <a:solidFill>
-                          <a:schemeClr val="tx1"/>
-                        </a:solidFill>
-                        <a:latin typeface="+mn-lt"/>
-                        <a:ea typeface="+mn-ea"/>
-                        <a:cs typeface="+mn-cs"/>
-                      </a:endParaRPr>
-                    </a:p>
-                  </a:txBody>
-                  <a:tcPr/>
-                </a:tc>
-                <a:tc>
-                  <a:txBody>
-                    <a:bodyPr/>
-                    <a:lstStyle/>
-                    <a:p>
-                      <a:pPr marL="0" algn="l" defTabSz="914400" rtl="0" eaLnBrk="1" latinLnBrk="0" hangingPunct="1"/>
-                      <a:endParaRPr lang="nl-BE" sz="1800" b="0" kern="1200" dirty="0">
-                        <a:solidFill>
-                          <a:schemeClr val="tx1"/>
-                        </a:solidFill>
-                        <a:latin typeface="+mn-lt"/>
-                        <a:ea typeface="+mn-ea"/>
-                        <a:cs typeface="+mn-cs"/>
-                      </a:endParaRPr>
-                    </a:p>
-                  </a:txBody>
-                  <a:tcPr/>
-                </a:tc>
-                <a:tc>
-                  <a:txBody>
-                    <a:bodyPr/>
-                    <a:lstStyle/>
-                    <a:p>
-                      <a:pPr marL="0" algn="l" defTabSz="914400" rtl="0" eaLnBrk="1" latinLnBrk="0" hangingPunct="1"/>
-                      <a:endParaRPr lang="nl-BE" sz="1800" b="0" kern="1200" dirty="0">
-                        <a:solidFill>
-                          <a:schemeClr val="tx1"/>
-                        </a:solidFill>
-                        <a:latin typeface="+mn-lt"/>
-                        <a:ea typeface="+mn-ea"/>
-                        <a:cs typeface="+mn-cs"/>
-                      </a:endParaRPr>
                     </a:p>
                   </a:txBody>
                   <a:tcPr/>
@@ -33673,14 +29785,14 @@
           <p:nvPr>
             <p:extLst>
               <p:ext uri="{D42A27DB-BD31-4B8C-83A1-F6EECF244321}">
-                <p14:modId xmlns:p14="http://schemas.microsoft.com/office/powerpoint/2010/main" val="3040053935"/>
+                <p14:modId xmlns:p14="http://schemas.microsoft.com/office/powerpoint/2010/main" val="2500772216"/>
               </p:ext>
             </p:extLst>
           </p:nvPr>
         </p:nvGraphicFramePr>
         <p:xfrm>
           <a:off x="539247" y="2145548"/>
-          <a:ext cx="7996812" cy="3430776"/>
+          <a:ext cx="7993567" cy="2892296"/>
         </p:xfrm>
         <a:graphic>
           <a:graphicData uri="http://schemas.openxmlformats.org/drawingml/2006/table">
@@ -33689,63 +29801,42 @@
                 <a:tableStyleId>{5C22544A-7EE6-4342-B048-85BDC9FD1C3A}</a:tableStyleId>
               </a:tblPr>
               <a:tblGrid>
-                <a:gridCol w="1500930">
+                <a:gridCol w="2057882">
                   <a:extLst>
                     <a:ext uri="{9D8B030D-6E8A-4147-A177-3AD203B41FA5}">
                       <a16:colId xmlns:a16="http://schemas.microsoft.com/office/drawing/2014/main" val="20000"/>
                     </a:ext>
                   </a:extLst>
                 </a:gridCol>
-                <a:gridCol w="650403">
-                  <a:extLst>
-                    <a:ext uri="{9D8B030D-6E8A-4147-A177-3AD203B41FA5}">
-                      <a16:colId xmlns:a16="http://schemas.microsoft.com/office/drawing/2014/main" val="20002"/>
-                    </a:ext>
-                  </a:extLst>
-                </a:gridCol>
-                <a:gridCol w="650403">
-                  <a:extLst>
-                    <a:ext uri="{9D8B030D-6E8A-4147-A177-3AD203B41FA5}">
-                      <a16:colId xmlns:a16="http://schemas.microsoft.com/office/drawing/2014/main" val="20003"/>
-                    </a:ext>
-                  </a:extLst>
-                </a:gridCol>
-                <a:gridCol w="865846">
-                  <a:extLst>
-                    <a:ext uri="{9D8B030D-6E8A-4147-A177-3AD203B41FA5}">
-                      <a16:colId xmlns:a16="http://schemas.microsoft.com/office/drawing/2014/main" val="20004"/>
-                    </a:ext>
-                  </a:extLst>
-                </a:gridCol>
-                <a:gridCol w="865846">
+                <a:gridCol w="1187137">
                   <a:extLst>
                     <a:ext uri="{9D8B030D-6E8A-4147-A177-3AD203B41FA5}">
                       <a16:colId xmlns:a16="http://schemas.microsoft.com/office/drawing/2014/main" val="20005"/>
                     </a:ext>
                   </a:extLst>
                 </a:gridCol>
-                <a:gridCol w="865846">
+                <a:gridCol w="1187137">
                   <a:extLst>
                     <a:ext uri="{9D8B030D-6E8A-4147-A177-3AD203B41FA5}">
                       <a16:colId xmlns:a16="http://schemas.microsoft.com/office/drawing/2014/main" val="1030308163"/>
                     </a:ext>
                   </a:extLst>
                 </a:gridCol>
-                <a:gridCol w="865846">
+                <a:gridCol w="1187137">
                   <a:extLst>
                     <a:ext uri="{9D8B030D-6E8A-4147-A177-3AD203B41FA5}">
                       <a16:colId xmlns:a16="http://schemas.microsoft.com/office/drawing/2014/main" val="3275801056"/>
                     </a:ext>
                   </a:extLst>
                 </a:gridCol>
-                <a:gridCol w="865846">
+                <a:gridCol w="1187137">
                   <a:extLst>
                     <a:ext uri="{9D8B030D-6E8A-4147-A177-3AD203B41FA5}">
                       <a16:colId xmlns:a16="http://schemas.microsoft.com/office/drawing/2014/main" val="2880949716"/>
                     </a:ext>
                   </a:extLst>
                 </a:gridCol>
-                <a:gridCol w="865846">
+                <a:gridCol w="1187137">
                   <a:extLst>
                     <a:ext uri="{9D8B030D-6E8A-4147-A177-3AD203B41FA5}">
                       <a16:colId xmlns:a16="http://schemas.microsoft.com/office/drawing/2014/main" val="4682095"/>
@@ -33815,36 +29906,6 @@
                       <a:endParaRPr lang="nl-BE" dirty="0"/>
                     </a:p>
                   </a:txBody>
-                  <a:tcPr/>
-                </a:tc>
-                <a:tc>
-                  <a:txBody>
-                    <a:bodyPr/>
-                    <a:lstStyle/>
-                    <a:p>
-                      <a:endParaRPr lang="nl-BE" dirty="0"/>
-                    </a:p>
-                  </a:txBody>
-                  <a:tcPr/>
-                </a:tc>
-                <a:tc>
-                  <a:txBody>
-                    <a:bodyPr/>
-                    <a:lstStyle/>
-                    <a:p>
-                      <a:endParaRPr lang="nl-BE" dirty="0"/>
-                    </a:p>
-                  </a:txBody>
-                  <a:tcPr/>
-                </a:tc>
-                <a:tc>
-                  <a:txBody>
-                    <a:bodyPr/>
-                    <a:lstStyle/>
-                    <a:p>
-                      <a:endParaRPr lang="nl-BE" dirty="0"/>
-                    </a:p>
-                  </a:txBody>
                   <a:tcPr>
                     <a:solidFill>
                       <a:srgbClr val="92D050"/>
@@ -33947,48 +30008,6 @@
                       </a:endParaRPr>
                     </a:p>
                   </a:txBody>
-                  <a:tcPr/>
-                </a:tc>
-                <a:tc>
-                  <a:txBody>
-                    <a:bodyPr/>
-                    <a:lstStyle/>
-                    <a:p>
-                      <a:endParaRPr lang="nl-BE" dirty="0">
-                        <a:solidFill>
-                          <a:schemeClr val="tx1"/>
-                        </a:solidFill>
-                      </a:endParaRPr>
-                    </a:p>
-                  </a:txBody>
-                  <a:tcPr/>
-                </a:tc>
-                <a:tc>
-                  <a:txBody>
-                    <a:bodyPr/>
-                    <a:lstStyle/>
-                    <a:p>
-                      <a:endParaRPr lang="nl-BE" dirty="0">
-                        <a:solidFill>
-                          <a:schemeClr val="tx1"/>
-                        </a:solidFill>
-                      </a:endParaRPr>
-                    </a:p>
-                  </a:txBody>
-                  <a:tcPr/>
-                </a:tc>
-                <a:tc>
-                  <a:txBody>
-                    <a:bodyPr/>
-                    <a:lstStyle/>
-                    <a:p>
-                      <a:endParaRPr lang="nl-BE" dirty="0">
-                        <a:solidFill>
-                          <a:schemeClr val="tx1"/>
-                        </a:solidFill>
-                      </a:endParaRPr>
-                    </a:p>
-                  </a:txBody>
                   <a:tcPr>
                     <a:solidFill>
                       <a:srgbClr val="92D050"/>
@@ -34084,48 +30103,6 @@
                       </a:endParaRPr>
                     </a:p>
                   </a:txBody>
-                  <a:tcPr/>
-                </a:tc>
-                <a:tc>
-                  <a:txBody>
-                    <a:bodyPr/>
-                    <a:lstStyle/>
-                    <a:p>
-                      <a:endParaRPr lang="nl-BE" dirty="0">
-                        <a:solidFill>
-                          <a:schemeClr val="tx1"/>
-                        </a:solidFill>
-                      </a:endParaRPr>
-                    </a:p>
-                  </a:txBody>
-                  <a:tcPr/>
-                </a:tc>
-                <a:tc>
-                  <a:txBody>
-                    <a:bodyPr/>
-                    <a:lstStyle/>
-                    <a:p>
-                      <a:endParaRPr lang="nl-BE" dirty="0">
-                        <a:solidFill>
-                          <a:schemeClr val="tx1"/>
-                        </a:solidFill>
-                      </a:endParaRPr>
-                    </a:p>
-                  </a:txBody>
-                  <a:tcPr/>
-                </a:tc>
-                <a:tc>
-                  <a:txBody>
-                    <a:bodyPr/>
-                    <a:lstStyle/>
-                    <a:p>
-                      <a:endParaRPr lang="nl-BE" dirty="0">
-                        <a:solidFill>
-                          <a:schemeClr val="tx1"/>
-                        </a:solidFill>
-                      </a:endParaRPr>
-                    </a:p>
-                  </a:txBody>
                   <a:tcPr>
                     <a:solidFill>
                       <a:srgbClr val="92D050"/>
@@ -34221,48 +30198,6 @@
                       </a:endParaRPr>
                     </a:p>
                   </a:txBody>
-                  <a:tcPr/>
-                </a:tc>
-                <a:tc>
-                  <a:txBody>
-                    <a:bodyPr/>
-                    <a:lstStyle/>
-                    <a:p>
-                      <a:endParaRPr lang="nl-BE" dirty="0">
-                        <a:solidFill>
-                          <a:schemeClr val="tx1"/>
-                        </a:solidFill>
-                      </a:endParaRPr>
-                    </a:p>
-                  </a:txBody>
-                  <a:tcPr/>
-                </a:tc>
-                <a:tc>
-                  <a:txBody>
-                    <a:bodyPr/>
-                    <a:lstStyle/>
-                    <a:p>
-                      <a:endParaRPr lang="nl-BE" dirty="0">
-                        <a:solidFill>
-                          <a:schemeClr val="tx1"/>
-                        </a:solidFill>
-                      </a:endParaRPr>
-                    </a:p>
-                  </a:txBody>
-                  <a:tcPr/>
-                </a:tc>
-                <a:tc>
-                  <a:txBody>
-                    <a:bodyPr/>
-                    <a:lstStyle/>
-                    <a:p>
-                      <a:endParaRPr lang="nl-BE" dirty="0">
-                        <a:solidFill>
-                          <a:schemeClr val="tx1"/>
-                        </a:solidFill>
-                      </a:endParaRPr>
-                    </a:p>
-                  </a:txBody>
                   <a:tcPr>
                     <a:solidFill>
                       <a:srgbClr val="92D050"/>
@@ -34286,51 +30221,6 @@
                         <a:t>KSO</a:t>
                       </a:r>
                       <a:endParaRPr lang="nl-BE" b="1" dirty="0"/>
-                    </a:p>
-                  </a:txBody>
-                  <a:tcPr/>
-                </a:tc>
-                <a:tc>
-                  <a:txBody>
-                    <a:bodyPr/>
-                    <a:lstStyle/>
-                    <a:p>
-                      <a:pPr algn="l"/>
-                      <a:endParaRPr lang="nl-BE" dirty="0">
-                        <a:solidFill>
-                          <a:schemeClr val="tx1"/>
-                        </a:solidFill>
-                      </a:endParaRPr>
-                    </a:p>
-                  </a:txBody>
-                  <a:tcPr/>
-                </a:tc>
-                <a:tc>
-                  <a:txBody>
-                    <a:bodyPr/>
-                    <a:lstStyle/>
-                    <a:p>
-                      <a:pPr algn="l"/>
-                      <a:endParaRPr lang="nl-BE" dirty="0">
-                        <a:solidFill>
-                          <a:schemeClr val="tx1"/>
-                        </a:solidFill>
-                      </a:endParaRPr>
-                    </a:p>
-                  </a:txBody>
-                  <a:tcPr/>
-                </a:tc>
-                <a:tc>
-                  <a:txBody>
-                    <a:bodyPr/>
-                    <a:lstStyle/>
-                    <a:p>
-                      <a:pPr algn="l"/>
-                      <a:endParaRPr lang="nl-BE" dirty="0">
-                        <a:solidFill>
-                          <a:schemeClr val="tx1"/>
-                        </a:solidFill>
-                      </a:endParaRPr>
                     </a:p>
                   </a:txBody>
                   <a:tcPr/>
@@ -34507,48 +30397,6 @@
                       </a:endParaRPr>
                     </a:p>
                   </a:txBody>
-                  <a:tcPr/>
-                </a:tc>
-                <a:tc>
-                  <a:txBody>
-                    <a:bodyPr/>
-                    <a:lstStyle/>
-                    <a:p>
-                      <a:endParaRPr lang="nl-BE" dirty="0">
-                        <a:solidFill>
-                          <a:schemeClr val="tx1"/>
-                        </a:solidFill>
-                      </a:endParaRPr>
-                    </a:p>
-                  </a:txBody>
-                  <a:tcPr/>
-                </a:tc>
-                <a:tc>
-                  <a:txBody>
-                    <a:bodyPr/>
-                    <a:lstStyle/>
-                    <a:p>
-                      <a:endParaRPr lang="nl-BE" dirty="0">
-                        <a:solidFill>
-                          <a:schemeClr val="tx1"/>
-                        </a:solidFill>
-                      </a:endParaRPr>
-                    </a:p>
-                  </a:txBody>
-                  <a:tcPr/>
-                </a:tc>
-                <a:tc>
-                  <a:txBody>
-                    <a:bodyPr/>
-                    <a:lstStyle/>
-                    <a:p>
-                      <a:endParaRPr lang="nl-BE" dirty="0">
-                        <a:solidFill>
-                          <a:schemeClr val="tx1"/>
-                        </a:solidFill>
-                      </a:endParaRPr>
-                    </a:p>
-                  </a:txBody>
                   <a:tcPr>
                     <a:solidFill>
                       <a:srgbClr val="92D050"/>
@@ -34640,48 +30488,6 @@
                       </a:endParaRPr>
                     </a:p>
                   </a:txBody>
-                  <a:tcPr/>
-                </a:tc>
-                <a:tc>
-                  <a:txBody>
-                    <a:bodyPr/>
-                    <a:lstStyle/>
-                    <a:p>
-                      <a:endParaRPr lang="nl-BE" sz="100" dirty="0">
-                        <a:solidFill>
-                          <a:schemeClr val="tx1"/>
-                        </a:solidFill>
-                      </a:endParaRPr>
-                    </a:p>
-                  </a:txBody>
-                  <a:tcPr/>
-                </a:tc>
-                <a:tc>
-                  <a:txBody>
-                    <a:bodyPr/>
-                    <a:lstStyle/>
-                    <a:p>
-                      <a:endParaRPr lang="nl-BE" sz="100" dirty="0">
-                        <a:solidFill>
-                          <a:schemeClr val="tx1"/>
-                        </a:solidFill>
-                      </a:endParaRPr>
-                    </a:p>
-                  </a:txBody>
-                  <a:tcPr/>
-                </a:tc>
-                <a:tc>
-                  <a:txBody>
-                    <a:bodyPr/>
-                    <a:lstStyle/>
-                    <a:p>
-                      <a:endParaRPr lang="nl-BE" sz="100" dirty="0">
-                        <a:solidFill>
-                          <a:schemeClr val="tx1"/>
-                        </a:solidFill>
-                      </a:endParaRPr>
-                    </a:p>
-                  </a:txBody>
                   <a:tcPr>
                     <a:solidFill>
                       <a:srgbClr val="92D050"/>
@@ -34705,58 +30511,6 @@
                         <a:t>Aantal</a:t>
                       </a:r>
                       <a:endParaRPr lang="nl-BE" b="1" dirty="0"/>
-                    </a:p>
-                  </a:txBody>
-                  <a:tcPr/>
-                </a:tc>
-                <a:tc>
-                  <a:txBody>
-                    <a:bodyPr/>
-                    <a:lstStyle/>
-                    <a:p>
-                      <a:endParaRPr lang="nl-BE" sz="1100" dirty="0"/>
-                    </a:p>
-                    <a:p>
-                      <a:endParaRPr lang="nl-BE" sz="1600" b="1" dirty="0">
-                        <a:solidFill>
-                          <a:schemeClr val="tx1"/>
-                        </a:solidFill>
-                      </a:endParaRPr>
-                    </a:p>
-                  </a:txBody>
-                  <a:tcPr/>
-                </a:tc>
-                <a:tc>
-                  <a:txBody>
-                    <a:bodyPr/>
-                    <a:lstStyle/>
-                    <a:p>
-                      <a:endParaRPr lang="nl-BE" dirty="0"/>
-                    </a:p>
-                    <a:p>
-                      <a:r>
-                        <a:rPr lang="nl-BE" dirty="0"/>
-                        <a:t> </a:t>
-                      </a:r>
-                      <a:endParaRPr lang="nl-BE" b="1" dirty="0">
-                        <a:solidFill>
-                          <a:schemeClr val="tx1"/>
-                        </a:solidFill>
-                      </a:endParaRPr>
-                    </a:p>
-                  </a:txBody>
-                  <a:tcPr/>
-                </a:tc>
-                <a:tc>
-                  <a:txBody>
-                    <a:bodyPr/>
-                    <a:lstStyle/>
-                    <a:p>
-                      <a:endParaRPr lang="nl-BE" sz="1800" b="1" dirty="0">
-                        <a:solidFill>
-                          <a:schemeClr val="tx1"/>
-                        </a:solidFill>
-                      </a:endParaRPr>
                     </a:p>
                   </a:txBody>
                   <a:tcPr/>

--- a/CalculationDomain/ErasmusHogeSchool/EmptyPowerPoint.pptx
+++ b/CalculationDomain/ErasmusHogeSchool/EmptyPowerPoint.pptx
@@ -2358,7 +2358,7 @@
           <a:p>
             <a:fld id="{55ACFCA9-EE0F-409A-A8C3-56F056561412}" type="datetimeFigureOut">
               <a:rPr lang="nl-BE" smtClean="0"/>
-              <a:t>22/01/2020</a:t>
+              <a:t>15/02/2020</a:t>
             </a:fld>
             <a:endParaRPr lang="nl-BE"/>
           </a:p>
@@ -3983,7 +3983,7 @@
           <a:p>
             <a:fld id="{4E928996-A761-48F5-904A-3D23874764CB}" type="datetimeFigureOut">
               <a:rPr lang="nl-BE" smtClean="0"/>
-              <a:t>22/01/2020</a:t>
+              <a:t>15/02/2020</a:t>
             </a:fld>
             <a:endParaRPr lang="nl-BE"/>
           </a:p>
@@ -4153,7 +4153,7 @@
           <a:p>
             <a:fld id="{4E928996-A761-48F5-904A-3D23874764CB}" type="datetimeFigureOut">
               <a:rPr lang="nl-BE" smtClean="0"/>
-              <a:t>22/01/2020</a:t>
+              <a:t>15/02/2020</a:t>
             </a:fld>
             <a:endParaRPr lang="nl-BE"/>
           </a:p>
@@ -4333,7 +4333,7 @@
           <a:p>
             <a:fld id="{4E928996-A761-48F5-904A-3D23874764CB}" type="datetimeFigureOut">
               <a:rPr lang="nl-BE" smtClean="0"/>
-              <a:t>22/01/2020</a:t>
+              <a:t>15/02/2020</a:t>
             </a:fld>
             <a:endParaRPr lang="nl-BE"/>
           </a:p>
@@ -5490,7 +5490,7 @@
                 </a:solidFill>
               </a:rPr>
               <a:pPr/>
-              <a:t>22/01/2020</a:t>
+              <a:t>15/02/2020</a:t>
             </a:fld>
             <a:endParaRPr lang="nl-BE">
               <a:solidFill>
@@ -5693,7 +5693,7 @@
           <a:p>
             <a:fld id="{4E928996-A761-48F5-904A-3D23874764CB}" type="datetimeFigureOut">
               <a:rPr lang="nl-BE" smtClean="0"/>
-              <a:t>22/01/2020</a:t>
+              <a:t>15/02/2020</a:t>
             </a:fld>
             <a:endParaRPr lang="nl-BE"/>
           </a:p>
@@ -5939,7 +5939,7 @@
           <a:p>
             <a:fld id="{4E928996-A761-48F5-904A-3D23874764CB}" type="datetimeFigureOut">
               <a:rPr lang="nl-BE" smtClean="0"/>
-              <a:t>22/01/2020</a:t>
+              <a:t>15/02/2020</a:t>
             </a:fld>
             <a:endParaRPr lang="nl-BE"/>
           </a:p>
@@ -6227,7 +6227,7 @@
           <a:p>
             <a:fld id="{4E928996-A761-48F5-904A-3D23874764CB}" type="datetimeFigureOut">
               <a:rPr lang="nl-BE" smtClean="0"/>
-              <a:t>22/01/2020</a:t>
+              <a:t>15/02/2020</a:t>
             </a:fld>
             <a:endParaRPr lang="nl-BE"/>
           </a:p>
@@ -6649,7 +6649,7 @@
           <a:p>
             <a:fld id="{4E928996-A761-48F5-904A-3D23874764CB}" type="datetimeFigureOut">
               <a:rPr lang="nl-BE" smtClean="0"/>
-              <a:t>22/01/2020</a:t>
+              <a:t>15/02/2020</a:t>
             </a:fld>
             <a:endParaRPr lang="nl-BE"/>
           </a:p>
@@ -6767,7 +6767,7 @@
           <a:p>
             <a:fld id="{4E928996-A761-48F5-904A-3D23874764CB}" type="datetimeFigureOut">
               <a:rPr lang="nl-BE" smtClean="0"/>
-              <a:t>22/01/2020</a:t>
+              <a:t>15/02/2020</a:t>
             </a:fld>
             <a:endParaRPr lang="nl-BE"/>
           </a:p>
@@ -6862,7 +6862,7 @@
           <a:p>
             <a:fld id="{4E928996-A761-48F5-904A-3D23874764CB}" type="datetimeFigureOut">
               <a:rPr lang="nl-BE" smtClean="0"/>
-              <a:t>22/01/2020</a:t>
+              <a:t>15/02/2020</a:t>
             </a:fld>
             <a:endParaRPr lang="nl-BE"/>
           </a:p>
@@ -7139,7 +7139,7 @@
           <a:p>
             <a:fld id="{4E928996-A761-48F5-904A-3D23874764CB}" type="datetimeFigureOut">
               <a:rPr lang="nl-BE" smtClean="0"/>
-              <a:t>22/01/2020</a:t>
+              <a:t>15/02/2020</a:t>
             </a:fld>
             <a:endParaRPr lang="nl-BE"/>
           </a:p>
@@ -7392,7 +7392,7 @@
           <a:p>
             <a:fld id="{4E928996-A761-48F5-904A-3D23874764CB}" type="datetimeFigureOut">
               <a:rPr lang="nl-BE" smtClean="0"/>
-              <a:t>22/01/2020</a:t>
+              <a:t>15/02/2020</a:t>
             </a:fld>
             <a:endParaRPr lang="nl-BE"/>
           </a:p>
@@ -7605,7 +7605,7 @@
           <a:p>
             <a:fld id="{4E928996-A761-48F5-904A-3D23874764CB}" type="datetimeFigureOut">
               <a:rPr lang="nl-BE" smtClean="0"/>
-              <a:t>22/01/2020</a:t>
+              <a:t>15/02/2020</a:t>
             </a:fld>
             <a:endParaRPr lang="nl-BE"/>
           </a:p>
@@ -9702,14 +9702,14 @@
           <p:nvPr>
             <p:extLst>
               <p:ext uri="{D42A27DB-BD31-4B8C-83A1-F6EECF244321}">
-                <p14:modId xmlns:p14="http://schemas.microsoft.com/office/powerpoint/2010/main" val="150571693"/>
+                <p14:modId xmlns:p14="http://schemas.microsoft.com/office/powerpoint/2010/main" val="759106393"/>
               </p:ext>
             </p:extLst>
           </p:nvPr>
         </p:nvGraphicFramePr>
         <p:xfrm>
           <a:off x="157479" y="4126045"/>
-          <a:ext cx="5525449" cy="2011680"/>
+          <a:ext cx="6941505" cy="2011680"/>
         </p:xfrm>
         <a:graphic>
           <a:graphicData uri="http://schemas.openxmlformats.org/drawingml/2006/table">
@@ -9718,42 +9718,42 @@
                 <a:tableStyleId>{5C22544A-7EE6-4342-B048-85BDC9FD1C3A}</a:tableStyleId>
               </a:tblPr>
               <a:tblGrid>
-                <a:gridCol w="1107619">
+                <a:gridCol w="1391479">
                   <a:extLst>
                     <a:ext uri="{9D8B030D-6E8A-4147-A177-3AD203B41FA5}">
                       <a16:colId xmlns:a16="http://schemas.microsoft.com/office/drawing/2014/main" val="20000"/>
                     </a:ext>
                   </a:extLst>
                 </a:gridCol>
-                <a:gridCol w="883566">
+                <a:gridCol w="1150834">
                   <a:extLst>
                     <a:ext uri="{9D8B030D-6E8A-4147-A177-3AD203B41FA5}">
                       <a16:colId xmlns:a16="http://schemas.microsoft.com/office/drawing/2014/main" val="704123152"/>
                     </a:ext>
                   </a:extLst>
                 </a:gridCol>
-                <a:gridCol w="883566">
+                <a:gridCol w="1152128">
                   <a:extLst>
                     <a:ext uri="{9D8B030D-6E8A-4147-A177-3AD203B41FA5}">
                       <a16:colId xmlns:a16="http://schemas.microsoft.com/office/drawing/2014/main" val="3370480986"/>
                     </a:ext>
                   </a:extLst>
                 </a:gridCol>
-                <a:gridCol w="883566">
+                <a:gridCol w="1008112">
                   <a:extLst>
                     <a:ext uri="{9D8B030D-6E8A-4147-A177-3AD203B41FA5}">
                       <a16:colId xmlns:a16="http://schemas.microsoft.com/office/drawing/2014/main" val="1622719347"/>
                     </a:ext>
                   </a:extLst>
                 </a:gridCol>
-                <a:gridCol w="883566">
+                <a:gridCol w="1152128">
                   <a:extLst>
                     <a:ext uri="{9D8B030D-6E8A-4147-A177-3AD203B41FA5}">
                       <a16:colId xmlns:a16="http://schemas.microsoft.com/office/drawing/2014/main" val="2871820729"/>
                     </a:ext>
                   </a:extLst>
                 </a:gridCol>
-                <a:gridCol w="883566">
+                <a:gridCol w="1086824">
                   <a:extLst>
                     <a:ext uri="{9D8B030D-6E8A-4147-A177-3AD203B41FA5}">
                       <a16:colId xmlns:a16="http://schemas.microsoft.com/office/drawing/2014/main" val="3188822285"/>
@@ -10145,7 +10145,7 @@
         </p:nvSpPr>
         <p:spPr>
           <a:xfrm>
-            <a:off x="2045016" y="4888998"/>
+            <a:off x="2442176" y="4915025"/>
             <a:ext cx="583778" cy="369332"/>
           </a:xfrm>
           <a:prstGeom prst="rect">
@@ -10180,7 +10180,7 @@
         </p:nvSpPr>
         <p:spPr>
           <a:xfrm>
-            <a:off x="1935263" y="4820057"/>
+            <a:off x="2332423" y="4846084"/>
             <a:ext cx="192544" cy="823327"/>
           </a:xfrm>
           <a:prstGeom prst="rightBrace">
@@ -10271,7 +10271,7 @@
         <p:spPr>
           <a:xfrm>
             <a:off x="0" y="6113360"/>
-            <a:ext cx="8473820" cy="646331"/>
+            <a:ext cx="8473820" cy="369332"/>
           </a:xfrm>
           <a:prstGeom prst="rect">
             <a:avLst/>
@@ -10296,21 +10296,7 @@
             </a:r>
             <a:r>
               <a:rPr lang="nl-BE" dirty="0"/>
-              <a:t>Berekend t.o.v. de voltijdse nieuwe studenten, gemeten einde academiejaar</a:t>
-            </a:r>
-          </a:p>
-          <a:p>
-            <a:r>
-              <a:rPr lang="nl-BE" dirty="0"/>
-              <a:t>  (30 studenten). Dit aantal ligt lager dan de meting begin</a:t>
-            </a:r>
-            <a:r>
-              <a:rPr lang="nl-BE" b="1" dirty="0"/>
-              <a:t> </a:t>
-            </a:r>
-            <a:r>
-              <a:rPr lang="nl-BE" dirty="0"/>
-              <a:t>academiejaar (51 studenten). </a:t>
+              <a:t>Berekend t.o.v. de voltijdse nieuwe studenten, gemeten einde academiejaar.</a:t>
             </a:r>
           </a:p>
         </p:txBody>
@@ -10323,7 +10309,7 @@
         </p:nvSpPr>
         <p:spPr>
           <a:xfrm>
-            <a:off x="3812513" y="4831453"/>
+            <a:off x="4693797" y="4857480"/>
             <a:ext cx="96272" cy="807612"/>
           </a:xfrm>
           <a:prstGeom prst="rightBrace">
@@ -10368,7 +10354,7 @@
         </p:nvSpPr>
         <p:spPr>
           <a:xfrm>
-            <a:off x="3924146" y="4888998"/>
+            <a:off x="4805430" y="4915025"/>
             <a:ext cx="583778" cy="369332"/>
           </a:xfrm>
           <a:prstGeom prst="rect">
@@ -10431,7 +10417,7 @@
         </p:nvSpPr>
         <p:spPr>
           <a:xfrm>
-            <a:off x="3063507" y="4888998"/>
+            <a:off x="3546018" y="4918564"/>
             <a:ext cx="583778" cy="369332"/>
           </a:xfrm>
           <a:prstGeom prst="rect">
@@ -10466,7 +10452,7 @@
         </p:nvSpPr>
         <p:spPr>
           <a:xfrm>
-            <a:off x="2951281" y="4827914"/>
+            <a:off x="3433792" y="4857480"/>
             <a:ext cx="96272" cy="807612"/>
           </a:xfrm>
           <a:prstGeom prst="rightBrace">
@@ -11484,7 +11470,7 @@
         </p:nvSpPr>
         <p:spPr>
           <a:xfrm>
-            <a:off x="4697217" y="4831453"/>
+            <a:off x="5630134" y="4857480"/>
             <a:ext cx="96272" cy="807612"/>
           </a:xfrm>
           <a:prstGeom prst="rightBrace">
@@ -11535,7 +11521,7 @@
         </p:nvSpPr>
         <p:spPr>
           <a:xfrm>
-            <a:off x="4808850" y="4888998"/>
+            <a:off x="5741767" y="4915025"/>
             <a:ext cx="583778" cy="369332"/>
           </a:xfrm>
           <a:prstGeom prst="rect">
@@ -11576,7 +11562,7 @@
         </p:nvSpPr>
         <p:spPr>
           <a:xfrm>
-            <a:off x="5528652" y="4822082"/>
+            <a:off x="6890139" y="4857480"/>
             <a:ext cx="96272" cy="807612"/>
           </a:xfrm>
           <a:prstGeom prst="rightBrace">
@@ -11627,7 +11613,7 @@
         </p:nvSpPr>
         <p:spPr>
           <a:xfrm>
-            <a:off x="5640285" y="4879627"/>
+            <a:off x="7001772" y="4915025"/>
             <a:ext cx="583778" cy="369332"/>
           </a:xfrm>
           <a:prstGeom prst="rect">

--- a/CalculationDomain/ErasmusHogeSchool/EmptyPowerPoint.pptx
+++ b/CalculationDomain/ErasmusHogeSchool/EmptyPowerPoint.pptx
@@ -158,7 +158,7 @@
 <file path=ppt/charts/chart1.xml><?xml version="1.0" encoding="utf-8"?>
 <c:chartSpace xmlns:c="http://schemas.openxmlformats.org/drawingml/2006/chart" xmlns:a="http://schemas.openxmlformats.org/drawingml/2006/main" xmlns:r="http://schemas.openxmlformats.org/officeDocument/2006/relationships" xmlns:c16r2="http://schemas.microsoft.com/office/drawing/2015/06/chart">
   <c:date1904 val="0"/>
-  <c:lang val="en-US"/>
+  <c:lang val="nl-NL"/>
   <c:roundedCorners val="0"/>
   <mc:AlternateContent xmlns:mc="http://schemas.openxmlformats.org/markup-compatibility/2006">
     <mc:Choice xmlns:c14="http://schemas.microsoft.com/office/drawing/2007/8/2/chart" Requires="c14">
@@ -574,7 +574,7 @@
 <file path=ppt/charts/chart2.xml><?xml version="1.0" encoding="utf-8"?>
 <c:chartSpace xmlns:c="http://schemas.openxmlformats.org/drawingml/2006/chart" xmlns:a="http://schemas.openxmlformats.org/drawingml/2006/main" xmlns:r="http://schemas.openxmlformats.org/officeDocument/2006/relationships" xmlns:c16r2="http://schemas.microsoft.com/office/drawing/2015/06/chart">
   <c:date1904 val="0"/>
-  <c:lang val="en-US"/>
+  <c:lang val="nl-NL"/>
   <c:roundedCorners val="0"/>
   <mc:AlternateContent xmlns:mc="http://schemas.openxmlformats.org/markup-compatibility/2006">
     <mc:Choice xmlns:c14="http://schemas.microsoft.com/office/drawing/2007/8/2/chart" Requires="c14">
@@ -2358,7 +2358,7 @@
           <a:p>
             <a:fld id="{55ACFCA9-EE0F-409A-A8C3-56F056561412}" type="datetimeFigureOut">
               <a:rPr lang="nl-BE" smtClean="0"/>
-              <a:t>15/02/2020</a:t>
+              <a:t>20/05/2020</a:t>
             </a:fld>
             <a:endParaRPr lang="nl-BE"/>
           </a:p>
@@ -2517,7 +2517,7 @@
           <a:p>
             <a:fld id="{EC40B2C6-99A6-46E5-A4FE-A0208B410262}" type="slidenum">
               <a:rPr lang="nl-BE" smtClean="0"/>
-              <a:t>‹#›</a:t>
+              <a:t>‹nr.›</a:t>
             </a:fld>
             <a:endParaRPr lang="nl-BE"/>
           </a:p>
@@ -3983,7 +3983,7 @@
           <a:p>
             <a:fld id="{4E928996-A761-48F5-904A-3D23874764CB}" type="datetimeFigureOut">
               <a:rPr lang="nl-BE" smtClean="0"/>
-              <a:t>15/02/2020</a:t>
+              <a:t>20/05/2020</a:t>
             </a:fld>
             <a:endParaRPr lang="nl-BE"/>
           </a:p>
@@ -4025,7 +4025,7 @@
           <a:p>
             <a:fld id="{4D908FE6-92FF-41E5-B581-34241A2F11BF}" type="slidenum">
               <a:rPr lang="nl-BE" smtClean="0"/>
-              <a:t>‹#›</a:t>
+              <a:t>‹nr.›</a:t>
             </a:fld>
             <a:endParaRPr lang="nl-BE"/>
           </a:p>
@@ -4153,7 +4153,7 @@
           <a:p>
             <a:fld id="{4E928996-A761-48F5-904A-3D23874764CB}" type="datetimeFigureOut">
               <a:rPr lang="nl-BE" smtClean="0"/>
-              <a:t>15/02/2020</a:t>
+              <a:t>20/05/2020</a:t>
             </a:fld>
             <a:endParaRPr lang="nl-BE"/>
           </a:p>
@@ -4195,7 +4195,7 @@
           <a:p>
             <a:fld id="{4D908FE6-92FF-41E5-B581-34241A2F11BF}" type="slidenum">
               <a:rPr lang="nl-BE" smtClean="0"/>
-              <a:t>‹#›</a:t>
+              <a:t>‹nr.›</a:t>
             </a:fld>
             <a:endParaRPr lang="nl-BE"/>
           </a:p>
@@ -4333,7 +4333,7 @@
           <a:p>
             <a:fld id="{4E928996-A761-48F5-904A-3D23874764CB}" type="datetimeFigureOut">
               <a:rPr lang="nl-BE" smtClean="0"/>
-              <a:t>15/02/2020</a:t>
+              <a:t>20/05/2020</a:t>
             </a:fld>
             <a:endParaRPr lang="nl-BE"/>
           </a:p>
@@ -4375,7 +4375,7 @@
           <a:p>
             <a:fld id="{4D908FE6-92FF-41E5-B581-34241A2F11BF}" type="slidenum">
               <a:rPr lang="nl-BE" smtClean="0"/>
-              <a:t>‹#›</a:t>
+              <a:t>‹nr.›</a:t>
             </a:fld>
             <a:endParaRPr lang="nl-BE"/>
           </a:p>
@@ -5490,7 +5490,7 @@
                 </a:solidFill>
               </a:rPr>
               <a:pPr/>
-              <a:t>15/02/2020</a:t>
+              <a:t>20/05/2020</a:t>
             </a:fld>
             <a:endParaRPr lang="nl-BE">
               <a:solidFill>
@@ -5561,7 +5561,7 @@
                 </a:solidFill>
               </a:rPr>
               <a:pPr/>
-              <a:t>‹#›</a:t>
+              <a:t>‹nr.›</a:t>
             </a:fld>
             <a:endParaRPr lang="nl-BE">
               <a:solidFill>
@@ -5693,7 +5693,7 @@
           <a:p>
             <a:fld id="{4E928996-A761-48F5-904A-3D23874764CB}" type="datetimeFigureOut">
               <a:rPr lang="nl-BE" smtClean="0"/>
-              <a:t>15/02/2020</a:t>
+              <a:t>20/05/2020</a:t>
             </a:fld>
             <a:endParaRPr lang="nl-BE"/>
           </a:p>
@@ -5735,7 +5735,7 @@
           <a:p>
             <a:fld id="{4D908FE6-92FF-41E5-B581-34241A2F11BF}" type="slidenum">
               <a:rPr lang="nl-BE" smtClean="0"/>
-              <a:t>‹#›</a:t>
+              <a:t>‹nr.›</a:t>
             </a:fld>
             <a:endParaRPr lang="nl-BE"/>
           </a:p>
@@ -5939,7 +5939,7 @@
           <a:p>
             <a:fld id="{4E928996-A761-48F5-904A-3D23874764CB}" type="datetimeFigureOut">
               <a:rPr lang="nl-BE" smtClean="0"/>
-              <a:t>15/02/2020</a:t>
+              <a:t>20/05/2020</a:t>
             </a:fld>
             <a:endParaRPr lang="nl-BE"/>
           </a:p>
@@ -5981,7 +5981,7 @@
           <a:p>
             <a:fld id="{4D908FE6-92FF-41E5-B581-34241A2F11BF}" type="slidenum">
               <a:rPr lang="nl-BE" smtClean="0"/>
-              <a:t>‹#›</a:t>
+              <a:t>‹nr.›</a:t>
             </a:fld>
             <a:endParaRPr lang="nl-BE"/>
           </a:p>
@@ -6227,7 +6227,7 @@
           <a:p>
             <a:fld id="{4E928996-A761-48F5-904A-3D23874764CB}" type="datetimeFigureOut">
               <a:rPr lang="nl-BE" smtClean="0"/>
-              <a:t>15/02/2020</a:t>
+              <a:t>20/05/2020</a:t>
             </a:fld>
             <a:endParaRPr lang="nl-BE"/>
           </a:p>
@@ -6269,7 +6269,7 @@
           <a:p>
             <a:fld id="{4D908FE6-92FF-41E5-B581-34241A2F11BF}" type="slidenum">
               <a:rPr lang="nl-BE" smtClean="0"/>
-              <a:t>‹#›</a:t>
+              <a:t>‹nr.›</a:t>
             </a:fld>
             <a:endParaRPr lang="nl-BE"/>
           </a:p>
@@ -6649,7 +6649,7 @@
           <a:p>
             <a:fld id="{4E928996-A761-48F5-904A-3D23874764CB}" type="datetimeFigureOut">
               <a:rPr lang="nl-BE" smtClean="0"/>
-              <a:t>15/02/2020</a:t>
+              <a:t>20/05/2020</a:t>
             </a:fld>
             <a:endParaRPr lang="nl-BE"/>
           </a:p>
@@ -6691,7 +6691,7 @@
           <a:p>
             <a:fld id="{4D908FE6-92FF-41E5-B581-34241A2F11BF}" type="slidenum">
               <a:rPr lang="nl-BE" smtClean="0"/>
-              <a:t>‹#›</a:t>
+              <a:t>‹nr.›</a:t>
             </a:fld>
             <a:endParaRPr lang="nl-BE"/>
           </a:p>
@@ -6767,7 +6767,7 @@
           <a:p>
             <a:fld id="{4E928996-A761-48F5-904A-3D23874764CB}" type="datetimeFigureOut">
               <a:rPr lang="nl-BE" smtClean="0"/>
-              <a:t>15/02/2020</a:t>
+              <a:t>20/05/2020</a:t>
             </a:fld>
             <a:endParaRPr lang="nl-BE"/>
           </a:p>
@@ -6809,7 +6809,7 @@
           <a:p>
             <a:fld id="{4D908FE6-92FF-41E5-B581-34241A2F11BF}" type="slidenum">
               <a:rPr lang="nl-BE" smtClean="0"/>
-              <a:t>‹#›</a:t>
+              <a:t>‹nr.›</a:t>
             </a:fld>
             <a:endParaRPr lang="nl-BE"/>
           </a:p>
@@ -6862,7 +6862,7 @@
           <a:p>
             <a:fld id="{4E928996-A761-48F5-904A-3D23874764CB}" type="datetimeFigureOut">
               <a:rPr lang="nl-BE" smtClean="0"/>
-              <a:t>15/02/2020</a:t>
+              <a:t>20/05/2020</a:t>
             </a:fld>
             <a:endParaRPr lang="nl-BE"/>
           </a:p>
@@ -6904,7 +6904,7 @@
           <a:p>
             <a:fld id="{4D908FE6-92FF-41E5-B581-34241A2F11BF}" type="slidenum">
               <a:rPr lang="nl-BE" smtClean="0"/>
-              <a:t>‹#›</a:t>
+              <a:t>‹nr.›</a:t>
             </a:fld>
             <a:endParaRPr lang="nl-BE"/>
           </a:p>
@@ -7139,7 +7139,7 @@
           <a:p>
             <a:fld id="{4E928996-A761-48F5-904A-3D23874764CB}" type="datetimeFigureOut">
               <a:rPr lang="nl-BE" smtClean="0"/>
-              <a:t>15/02/2020</a:t>
+              <a:t>20/05/2020</a:t>
             </a:fld>
             <a:endParaRPr lang="nl-BE"/>
           </a:p>
@@ -7181,7 +7181,7 @@
           <a:p>
             <a:fld id="{4D908FE6-92FF-41E5-B581-34241A2F11BF}" type="slidenum">
               <a:rPr lang="nl-BE" smtClean="0"/>
-              <a:t>‹#›</a:t>
+              <a:t>‹nr.›</a:t>
             </a:fld>
             <a:endParaRPr lang="nl-BE"/>
           </a:p>
@@ -7392,7 +7392,7 @@
           <a:p>
             <a:fld id="{4E928996-A761-48F5-904A-3D23874764CB}" type="datetimeFigureOut">
               <a:rPr lang="nl-BE" smtClean="0"/>
-              <a:t>15/02/2020</a:t>
+              <a:t>20/05/2020</a:t>
             </a:fld>
             <a:endParaRPr lang="nl-BE"/>
           </a:p>
@@ -7434,7 +7434,7 @@
           <a:p>
             <a:fld id="{4D908FE6-92FF-41E5-B581-34241A2F11BF}" type="slidenum">
               <a:rPr lang="nl-BE" smtClean="0"/>
-              <a:t>‹#›</a:t>
+              <a:t>‹nr.›</a:t>
             </a:fld>
             <a:endParaRPr lang="nl-BE"/>
           </a:p>
@@ -7605,7 +7605,7 @@
           <a:p>
             <a:fld id="{4E928996-A761-48F5-904A-3D23874764CB}" type="datetimeFigureOut">
               <a:rPr lang="nl-BE" smtClean="0"/>
-              <a:t>15/02/2020</a:t>
+              <a:t>20/05/2020</a:t>
             </a:fld>
             <a:endParaRPr lang="nl-BE"/>
           </a:p>
@@ -7683,7 +7683,7 @@
           <a:p>
             <a:fld id="{4D908FE6-92FF-41E5-B581-34241A2F11BF}" type="slidenum">
               <a:rPr lang="nl-BE" smtClean="0"/>
-              <a:t>‹#›</a:t>
+              <a:t>‹nr.›</a:t>
             </a:fld>
             <a:endParaRPr lang="nl-BE"/>
           </a:p>
@@ -8394,17 +8394,10 @@
           <a:p>
             <a:pPr algn="ctr"/>
             <a:r>
-              <a:rPr lang="nl-BE" b="1" dirty="0"/>
+              <a:rPr lang="nl-BE" b="1"/>
               <a:t>en rendement</a:t>
             </a:r>
-          </a:p>
-          <a:p>
-            <a:pPr algn="ctr"/>
-            <a:r>
-              <a:rPr lang="nl-BE" sz="2800" dirty="0"/>
-              <a:t>2019</a:t>
-            </a:r>
-            <a:endParaRPr lang="nl-BE" dirty="0"/>
+            <a:endParaRPr lang="nl-BE" b="1" dirty="0"/>
           </a:p>
         </p:txBody>
       </p:sp>
@@ -12486,8 +12479,13 @@
             <a:pPr algn="ctr"/>
             <a:r>
               <a:rPr lang="nl-BE" sz="2400" b="1" dirty="0"/>
-              <a:t>in % van de voltijdse nieuwe studenten met een bepaalde vooropleiding, einde academiejaar ‘18-’19*</a:t>
+              <a:t>in % van de voltijdse nieuwe studenten met een bepaalde vooropleiding, </a:t>
             </a:r>
+            <a:r>
+              <a:rPr lang="nl-BE" sz="2400" b="1"/>
+              <a:t>einde academiejaar</a:t>
+            </a:r>
+            <a:endParaRPr lang="nl-BE" sz="2400" b="1" dirty="0"/>
           </a:p>
         </p:txBody>
       </p:sp>
@@ -18410,7 +18408,7 @@
         <p:spPr>
           <a:xfrm>
             <a:off x="180503" y="692696"/>
-            <a:ext cx="9002592" cy="954107"/>
+            <a:ext cx="9002592" cy="523220"/>
           </a:xfrm>
           <a:prstGeom prst="rect">
             <a:avLst/>
@@ -18426,15 +18424,13 @@
             <a:pPr algn="ctr"/>
             <a:r>
               <a:rPr lang="nl-BE" sz="2800" b="1" dirty="0"/>
-              <a:t>4.2. Studieduur per type SO, uitstroom ‘18-’19* </a:t>
+              <a:t>4.2. Studieduur per </a:t>
             </a:r>
-          </a:p>
-          <a:p>
-            <a:pPr algn="ctr"/>
             <a:r>
-              <a:rPr lang="nl-BE" sz="2800" b="1" dirty="0"/>
-              <a:t>in aantal studenten</a:t>
+              <a:rPr lang="nl-BE" sz="2800" b="1"/>
+              <a:t>type SO</a:t>
             </a:r>
+            <a:endParaRPr lang="nl-BE" sz="2800" b="1" dirty="0"/>
           </a:p>
         </p:txBody>
       </p:sp>

--- a/CalculationDomain/ErasmusHogeSchool/EmptyPowerPoint.pptx
+++ b/CalculationDomain/ErasmusHogeSchool/EmptyPowerPoint.pptx
@@ -2358,7 +2358,7 @@
           <a:p>
             <a:fld id="{55ACFCA9-EE0F-409A-A8C3-56F056561412}" type="datetimeFigureOut">
               <a:rPr lang="nl-BE" smtClean="0"/>
-              <a:t>20/05/2020</a:t>
+              <a:t>27/05/2020</a:t>
             </a:fld>
             <a:endParaRPr lang="nl-BE"/>
           </a:p>
@@ -3983,7 +3983,7 @@
           <a:p>
             <a:fld id="{4E928996-A761-48F5-904A-3D23874764CB}" type="datetimeFigureOut">
               <a:rPr lang="nl-BE" smtClean="0"/>
-              <a:t>20/05/2020</a:t>
+              <a:t>27/05/2020</a:t>
             </a:fld>
             <a:endParaRPr lang="nl-BE"/>
           </a:p>
@@ -4153,7 +4153,7 @@
           <a:p>
             <a:fld id="{4E928996-A761-48F5-904A-3D23874764CB}" type="datetimeFigureOut">
               <a:rPr lang="nl-BE" smtClean="0"/>
-              <a:t>20/05/2020</a:t>
+              <a:t>27/05/2020</a:t>
             </a:fld>
             <a:endParaRPr lang="nl-BE"/>
           </a:p>
@@ -4333,7 +4333,7 @@
           <a:p>
             <a:fld id="{4E928996-A761-48F5-904A-3D23874764CB}" type="datetimeFigureOut">
               <a:rPr lang="nl-BE" smtClean="0"/>
-              <a:t>20/05/2020</a:t>
+              <a:t>27/05/2020</a:t>
             </a:fld>
             <a:endParaRPr lang="nl-BE"/>
           </a:p>
@@ -5490,7 +5490,7 @@
                 </a:solidFill>
               </a:rPr>
               <a:pPr/>
-              <a:t>20/05/2020</a:t>
+              <a:t>27/05/2020</a:t>
             </a:fld>
             <a:endParaRPr lang="nl-BE">
               <a:solidFill>
@@ -5693,7 +5693,7 @@
           <a:p>
             <a:fld id="{4E928996-A761-48F5-904A-3D23874764CB}" type="datetimeFigureOut">
               <a:rPr lang="nl-BE" smtClean="0"/>
-              <a:t>20/05/2020</a:t>
+              <a:t>27/05/2020</a:t>
             </a:fld>
             <a:endParaRPr lang="nl-BE"/>
           </a:p>
@@ -5939,7 +5939,7 @@
           <a:p>
             <a:fld id="{4E928996-A761-48F5-904A-3D23874764CB}" type="datetimeFigureOut">
               <a:rPr lang="nl-BE" smtClean="0"/>
-              <a:t>20/05/2020</a:t>
+              <a:t>27/05/2020</a:t>
             </a:fld>
             <a:endParaRPr lang="nl-BE"/>
           </a:p>
@@ -6227,7 +6227,7 @@
           <a:p>
             <a:fld id="{4E928996-A761-48F5-904A-3D23874764CB}" type="datetimeFigureOut">
               <a:rPr lang="nl-BE" smtClean="0"/>
-              <a:t>20/05/2020</a:t>
+              <a:t>27/05/2020</a:t>
             </a:fld>
             <a:endParaRPr lang="nl-BE"/>
           </a:p>
@@ -6649,7 +6649,7 @@
           <a:p>
             <a:fld id="{4E928996-A761-48F5-904A-3D23874764CB}" type="datetimeFigureOut">
               <a:rPr lang="nl-BE" smtClean="0"/>
-              <a:t>20/05/2020</a:t>
+              <a:t>27/05/2020</a:t>
             </a:fld>
             <a:endParaRPr lang="nl-BE"/>
           </a:p>
@@ -6767,7 +6767,7 @@
           <a:p>
             <a:fld id="{4E928996-A761-48F5-904A-3D23874764CB}" type="datetimeFigureOut">
               <a:rPr lang="nl-BE" smtClean="0"/>
-              <a:t>20/05/2020</a:t>
+              <a:t>27/05/2020</a:t>
             </a:fld>
             <a:endParaRPr lang="nl-BE"/>
           </a:p>
@@ -6862,7 +6862,7 @@
           <a:p>
             <a:fld id="{4E928996-A761-48F5-904A-3D23874764CB}" type="datetimeFigureOut">
               <a:rPr lang="nl-BE" smtClean="0"/>
-              <a:t>20/05/2020</a:t>
+              <a:t>27/05/2020</a:t>
             </a:fld>
             <a:endParaRPr lang="nl-BE"/>
           </a:p>
@@ -7139,7 +7139,7 @@
           <a:p>
             <a:fld id="{4E928996-A761-48F5-904A-3D23874764CB}" type="datetimeFigureOut">
               <a:rPr lang="nl-BE" smtClean="0"/>
-              <a:t>20/05/2020</a:t>
+              <a:t>27/05/2020</a:t>
             </a:fld>
             <a:endParaRPr lang="nl-BE"/>
           </a:p>
@@ -7392,7 +7392,7 @@
           <a:p>
             <a:fld id="{4E928996-A761-48F5-904A-3D23874764CB}" type="datetimeFigureOut">
               <a:rPr lang="nl-BE" smtClean="0"/>
-              <a:t>20/05/2020</a:t>
+              <a:t>27/05/2020</a:t>
             </a:fld>
             <a:endParaRPr lang="nl-BE"/>
           </a:p>
@@ -7605,7 +7605,7 @@
           <a:p>
             <a:fld id="{4E928996-A761-48F5-904A-3D23874764CB}" type="datetimeFigureOut">
               <a:rPr lang="nl-BE" smtClean="0"/>
-              <a:t>20/05/2020</a:t>
+              <a:t>27/05/2020</a:t>
             </a:fld>
             <a:endParaRPr lang="nl-BE"/>
           </a:p>
@@ -20666,7 +20666,7 @@
         <p:spPr>
           <a:xfrm>
             <a:off x="339045" y="210189"/>
-            <a:ext cx="8820472" cy="1384995"/>
+            <a:ext cx="8820472" cy="1077218"/>
           </a:xfrm>
           <a:prstGeom prst="rect">
             <a:avLst/>
@@ -20683,13 +20683,6 @@
             <a:r>
               <a:rPr lang="nl-BE" sz="3200" b="1" dirty="0"/>
               <a:t>5.1. Aantal opgenomen/verworven studiepunten en rendement</a:t>
-            </a:r>
-          </a:p>
-          <a:p>
-            <a:pPr algn="ctr"/>
-            <a:r>
-              <a:rPr lang="nl-BE" sz="2000" dirty="0"/>
-              <a:t>voor de opleiding vroedkunde</a:t>
             </a:r>
           </a:p>
         </p:txBody>
@@ -22203,7 +22196,7 @@
         <p:spPr>
           <a:xfrm>
             <a:off x="107504" y="548680"/>
-            <a:ext cx="8820472" cy="892552"/>
+            <a:ext cx="8820472" cy="584775"/>
           </a:xfrm>
           <a:prstGeom prst="rect">
             <a:avLst/>
@@ -22220,13 +22213,6 @@
             <a:r>
               <a:rPr lang="nl-BE" sz="3200" b="1" dirty="0"/>
               <a:t>5.2. Studierendement per type SO</a:t>
-            </a:r>
-          </a:p>
-          <a:p>
-            <a:pPr algn="ctr"/>
-            <a:r>
-              <a:rPr lang="nl-BE" sz="2000" dirty="0"/>
-              <a:t>voor de opleiding vroedkunde</a:t>
             </a:r>
           </a:p>
         </p:txBody>
@@ -22281,14 +22267,14 @@
           <p:nvPr>
             <p:extLst>
               <p:ext uri="{D42A27DB-BD31-4B8C-83A1-F6EECF244321}">
-                <p14:modId xmlns:p14="http://schemas.microsoft.com/office/powerpoint/2010/main" val="3582156028"/>
+                <p14:modId xmlns:p14="http://schemas.microsoft.com/office/powerpoint/2010/main" val="2854555432"/>
               </p:ext>
             </p:extLst>
           </p:nvPr>
         </p:nvGraphicFramePr>
         <p:xfrm>
           <a:off x="427116" y="1461821"/>
-          <a:ext cx="8105322" cy="1947566"/>
+          <a:ext cx="8105322" cy="1640070"/>
         </p:xfrm>
         <a:graphic>
           <a:graphicData uri="http://schemas.openxmlformats.org/drawingml/2006/table">
@@ -22338,8 +22324,8 @@
                   </a:extLst>
                 </a:gridCol>
               </a:tblGrid>
-              <a:tr h="286481">
-                <a:tc rowSpan="2">
+              <a:tr h="455011">
+                <a:tc>
                   <a:txBody>
                     <a:bodyPr/>
                     <a:lstStyle/>
@@ -22439,28 +22425,7 @@
                       <a:headEnd type="none" w="med" len="med"/>
                       <a:tailEnd type="none" w="med" len="med"/>
                     </a:lnT>
-                    <a:lnB>
-                      <a:noFill/>
-                    </a:lnB>
-                  </a:tcPr>
-                </a:tc>
-                <a:tc>
-                  <a:txBody>
-                    <a:bodyPr/>
-                    <a:lstStyle/>
-                    <a:p>
-                      <a:pPr algn="ctr" rtl="0" fontAlgn="b"/>
-                      <a:endParaRPr lang="nl-BE" sz="1600" b="1" i="0" u="none" strike="noStrike" dirty="0">
-                        <a:solidFill>
-                          <a:srgbClr val="000000"/>
-                        </a:solidFill>
-                        <a:effectLst/>
-                        <a:latin typeface="Calibri" panose="020F0502020204030204" pitchFamily="34" charset="0"/>
-                      </a:endParaRPr>
-                    </a:p>
-                  </a:txBody>
-                  <a:tcPr marL="9525" marR="9525" marT="9525" marB="0" anchor="b">
-                    <a:lnL w="12700" cap="flat" cmpd="sng" algn="ctr">
+                    <a:lnB w="12700" cap="flat" cmpd="sng" algn="ctr">
                       <a:solidFill>
                         <a:srgbClr val="000000"/>
                       </a:solidFill>
@@ -22468,79 +22433,10 @@
                       <a:round/>
                       <a:headEnd type="none" w="med" len="med"/>
                       <a:tailEnd type="none" w="med" len="med"/>
-                    </a:lnL>
-                    <a:lnR w="12700" cap="flat" cmpd="sng" algn="ctr">
-                      <a:solidFill>
-                        <a:srgbClr val="000000"/>
-                      </a:solidFill>
-                      <a:prstDash val="solid"/>
-                      <a:round/>
-                      <a:headEnd type="none" w="med" len="med"/>
-                      <a:tailEnd type="none" w="med" len="med"/>
-                    </a:lnR>
-                    <a:lnT w="12700" cap="flat" cmpd="sng" algn="ctr">
-                      <a:solidFill>
-                        <a:srgbClr val="000000"/>
-                      </a:solidFill>
-                      <a:prstDash val="solid"/>
-                      <a:round/>
-                      <a:headEnd type="none" w="med" len="med"/>
-                      <a:tailEnd type="none" w="med" len="med"/>
-                    </a:lnT>
-                    <a:lnB>
-                      <a:noFill/>
                     </a:lnB>
                   </a:tcPr>
                 </a:tc>
                 <a:tc>
-                  <a:txBody>
-                    <a:bodyPr/>
-                    <a:lstStyle/>
-                    <a:p>
-                      <a:pPr algn="ctr" rtl="0" fontAlgn="b"/>
-                      <a:endParaRPr lang="nl-BE" sz="1600" b="1" i="0" u="none" strike="noStrike" dirty="0">
-                        <a:solidFill>
-                          <a:srgbClr val="000000"/>
-                        </a:solidFill>
-                        <a:effectLst/>
-                        <a:latin typeface="Calibri" panose="020F0502020204030204" pitchFamily="34" charset="0"/>
-                      </a:endParaRPr>
-                    </a:p>
-                  </a:txBody>
-                  <a:tcPr marL="9525" marR="9525" marT="9525" marB="0" anchor="b">
-                    <a:lnL w="12700" cap="flat" cmpd="sng" algn="ctr">
-                      <a:solidFill>
-                        <a:srgbClr val="000000"/>
-                      </a:solidFill>
-                      <a:prstDash val="solid"/>
-                      <a:round/>
-                      <a:headEnd type="none" w="med" len="med"/>
-                      <a:tailEnd type="none" w="med" len="med"/>
-                    </a:lnL>
-                    <a:lnR w="12700" cap="flat" cmpd="sng" algn="ctr">
-                      <a:solidFill>
-                        <a:srgbClr val="000000"/>
-                      </a:solidFill>
-                      <a:prstDash val="solid"/>
-                      <a:round/>
-                      <a:headEnd type="none" w="med" len="med"/>
-                      <a:tailEnd type="none" w="med" len="med"/>
-                    </a:lnR>
-                    <a:lnT w="12700" cap="flat" cmpd="sng" algn="ctr">
-                      <a:solidFill>
-                        <a:srgbClr val="000000"/>
-                      </a:solidFill>
-                      <a:prstDash val="solid"/>
-                      <a:round/>
-                      <a:headEnd type="none" w="med" len="med"/>
-                      <a:tailEnd type="none" w="med" len="med"/>
-                    </a:lnT>
-                    <a:lnB>
-                      <a:noFill/>
-                    </a:lnB>
-                  </a:tcPr>
-                </a:tc>
-                <a:tc rowSpan="2">
                   <a:txBody>
                     <a:bodyPr/>
                     <a:lstStyle/>
@@ -22594,7 +22490,7 @@
                     </a:lnB>
                   </a:tcPr>
                 </a:tc>
-                <a:tc rowSpan="2">
+                <a:tc>
                   <a:txBody>
                     <a:bodyPr/>
                     <a:lstStyle/>
@@ -22602,7 +22498,7 @@
                       <a:pPr algn="ctr" rtl="0" fontAlgn="b"/>
                       <a:endParaRPr lang="nl-BE" sz="1600" b="1" i="0" u="none" strike="noStrike" dirty="0">
                         <a:solidFill>
-                          <a:srgbClr val="0070C0"/>
+                          <a:srgbClr val="000000"/>
                         </a:solidFill>
                         <a:effectLst/>
                         <a:latin typeface="Calibri" panose="020F0502020204030204" pitchFamily="34" charset="0"/>
@@ -22648,23 +22544,6 @@
                     </a:lnB>
                   </a:tcPr>
                 </a:tc>
-                <a:extLst>
-                  <a:ext uri="{0D108BD9-81ED-4DB2-BD59-A6C34878D82A}">
-                    <a16:rowId xmlns:a16="http://schemas.microsoft.com/office/drawing/2014/main" val="2905016363"/>
-                  </a:ext>
-                </a:extLst>
-              </a:tr>
-              <a:tr h="168530">
-                <a:tc vMerge="1">
-                  <a:txBody>
-                    <a:bodyPr/>
-                    <a:lstStyle/>
-                    <a:p>
-                      <a:endParaRPr lang="nl-BE"/>
-                    </a:p>
-                  </a:txBody>
-                  <a:tcPr/>
-                </a:tc>
                 <a:tc>
                   <a:txBody>
                     <a:bodyPr/>
@@ -22678,180 +22557,6 @@
                         <a:effectLst/>
                         <a:latin typeface="Calibri" panose="020F0502020204030204" pitchFamily="34" charset="0"/>
                       </a:endParaRPr>
-                    </a:p>
-                  </a:txBody>
-                  <a:tcPr marL="9525" marR="9525" marT="9525" marB="0" anchor="b">
-                    <a:lnL w="12700" cap="flat" cmpd="sng" algn="ctr">
-                      <a:solidFill>
-                        <a:srgbClr val="000000"/>
-                      </a:solidFill>
-                      <a:prstDash val="solid"/>
-                      <a:round/>
-                      <a:headEnd type="none" w="med" len="med"/>
-                      <a:tailEnd type="none" w="med" len="med"/>
-                    </a:lnL>
-                    <a:lnR w="12700" cap="flat" cmpd="sng" algn="ctr">
-                      <a:solidFill>
-                        <a:srgbClr val="000000"/>
-                      </a:solidFill>
-                      <a:prstDash val="solid"/>
-                      <a:round/>
-                      <a:headEnd type="none" w="med" len="med"/>
-                      <a:tailEnd type="none" w="med" len="med"/>
-                    </a:lnR>
-                    <a:lnT>
-                      <a:noFill/>
-                    </a:lnT>
-                    <a:lnB w="12700" cap="flat" cmpd="sng" algn="ctr">
-                      <a:solidFill>
-                        <a:srgbClr val="000000"/>
-                      </a:solidFill>
-                      <a:prstDash val="solid"/>
-                      <a:round/>
-                      <a:headEnd type="none" w="med" len="med"/>
-                      <a:tailEnd type="none" w="med" len="med"/>
-                    </a:lnB>
-                  </a:tcPr>
-                </a:tc>
-                <a:tc>
-                  <a:txBody>
-                    <a:bodyPr/>
-                    <a:lstStyle/>
-                    <a:p>
-                      <a:pPr algn="ctr" rtl="0" fontAlgn="b"/>
-                      <a:endParaRPr lang="nl-BE" sz="1600" b="1" i="0" u="none" strike="noStrike" dirty="0">
-                        <a:solidFill>
-                          <a:srgbClr val="000000"/>
-                        </a:solidFill>
-                        <a:effectLst/>
-                        <a:latin typeface="Calibri" panose="020F0502020204030204" pitchFamily="34" charset="0"/>
-                      </a:endParaRPr>
-                    </a:p>
-                  </a:txBody>
-                  <a:tcPr marL="9525" marR="9525" marT="9525" marB="0" anchor="b">
-                    <a:lnL w="12700" cap="flat" cmpd="sng" algn="ctr">
-                      <a:solidFill>
-                        <a:srgbClr val="000000"/>
-                      </a:solidFill>
-                      <a:prstDash val="solid"/>
-                      <a:round/>
-                      <a:headEnd type="none" w="med" len="med"/>
-                      <a:tailEnd type="none" w="med" len="med"/>
-                    </a:lnL>
-                    <a:lnR w="12700" cap="flat" cmpd="sng" algn="ctr">
-                      <a:solidFill>
-                        <a:srgbClr val="000000"/>
-                      </a:solidFill>
-                      <a:prstDash val="solid"/>
-                      <a:round/>
-                      <a:headEnd type="none" w="med" len="med"/>
-                      <a:tailEnd type="none" w="med" len="med"/>
-                    </a:lnR>
-                    <a:lnT>
-                      <a:noFill/>
-                    </a:lnT>
-                    <a:lnB w="12700" cap="flat" cmpd="sng" algn="ctr">
-                      <a:solidFill>
-                        <a:srgbClr val="000000"/>
-                      </a:solidFill>
-                      <a:prstDash val="solid"/>
-                      <a:round/>
-                      <a:headEnd type="none" w="med" len="med"/>
-                      <a:tailEnd type="none" w="med" len="med"/>
-                    </a:lnB>
-                  </a:tcPr>
-                </a:tc>
-                <a:tc>
-                  <a:txBody>
-                    <a:bodyPr/>
-                    <a:lstStyle/>
-                    <a:p>
-                      <a:pPr algn="ctr" rtl="0" fontAlgn="b"/>
-                      <a:endParaRPr lang="nl-BE" sz="1600" b="1" i="0" u="none" strike="noStrike" dirty="0">
-                        <a:solidFill>
-                          <a:srgbClr val="000000"/>
-                        </a:solidFill>
-                        <a:effectLst/>
-                        <a:latin typeface="Calibri" panose="020F0502020204030204" pitchFamily="34" charset="0"/>
-                      </a:endParaRPr>
-                    </a:p>
-                  </a:txBody>
-                  <a:tcPr marL="9525" marR="9525" marT="9525" marB="0" anchor="b">
-                    <a:lnL w="12700" cap="flat" cmpd="sng" algn="ctr">
-                      <a:solidFill>
-                        <a:srgbClr val="000000"/>
-                      </a:solidFill>
-                      <a:prstDash val="solid"/>
-                      <a:round/>
-                      <a:headEnd type="none" w="med" len="med"/>
-                      <a:tailEnd type="none" w="med" len="med"/>
-                    </a:lnL>
-                    <a:lnR w="12700" cap="flat" cmpd="sng" algn="ctr">
-                      <a:solidFill>
-                        <a:srgbClr val="000000"/>
-                      </a:solidFill>
-                      <a:prstDash val="solid"/>
-                      <a:round/>
-                      <a:headEnd type="none" w="med" len="med"/>
-                      <a:tailEnd type="none" w="med" len="med"/>
-                    </a:lnR>
-                    <a:lnT>
-                      <a:noFill/>
-                    </a:lnT>
-                    <a:lnB w="12700" cap="flat" cmpd="sng" algn="ctr">
-                      <a:solidFill>
-                        <a:srgbClr val="000000"/>
-                      </a:solidFill>
-                      <a:prstDash val="solid"/>
-                      <a:round/>
-                      <a:headEnd type="none" w="med" len="med"/>
-                      <a:tailEnd type="none" w="med" len="med"/>
-                    </a:lnB>
-                  </a:tcPr>
-                </a:tc>
-                <a:tc vMerge="1">
-                  <a:txBody>
-                    <a:bodyPr/>
-                    <a:lstStyle/>
-                    <a:p>
-                      <a:endParaRPr lang="nl-BE"/>
-                    </a:p>
-                  </a:txBody>
-                  <a:tcPr/>
-                </a:tc>
-                <a:tc vMerge="1">
-                  <a:txBody>
-                    <a:bodyPr/>
-                    <a:lstStyle/>
-                    <a:p>
-                      <a:endParaRPr lang="nl-BE"/>
-                    </a:p>
-                  </a:txBody>
-                  <a:tcPr/>
-                </a:tc>
-                <a:extLst>
-                  <a:ext uri="{0D108BD9-81ED-4DB2-BD59-A6C34878D82A}">
-                    <a16:rowId xmlns:a16="http://schemas.microsoft.com/office/drawing/2014/main" val="1355346419"/>
-                  </a:ext>
-                </a:extLst>
-              </a:tr>
-              <a:tr h="193452">
-                <a:tc>
-                  <a:txBody>
-                    <a:bodyPr/>
-                    <a:lstStyle/>
-                    <a:p>
-                      <a:pPr algn="ctr" rtl="0" fontAlgn="b"/>
-                      <a:r>
-                        <a:rPr lang="nl-BE" sz="1600" b="1" i="0" u="none" strike="noStrike">
-                          <a:solidFill>
-                            <a:srgbClr val="000000"/>
-                          </a:solidFill>
-                          <a:effectLst/>
-                          <a:latin typeface="Calibri" panose="020F0502020204030204" pitchFamily="34" charset="0"/>
-                        </a:rPr>
-                        <a:t>ASO</a:t>
-                      </a:r>
                     </a:p>
                   </a:txBody>
                   <a:tcPr marL="9525" marR="9525" marT="9525" marB="0" anchor="b">
@@ -22899,12 +22604,12 @@
                     <a:lstStyle/>
                     <a:p>
                       <a:pPr algn="ctr" rtl="0" fontAlgn="b"/>
-                      <a:endParaRPr lang="nl-BE" sz="1600" b="0" i="0" u="none" strike="noStrike" dirty="0">
-                        <a:solidFill>
-                          <a:srgbClr val="000000"/>
+                      <a:endParaRPr lang="nl-BE" sz="1600" b="1" i="0" u="none" strike="noStrike" dirty="0">
+                        <a:solidFill>
+                          <a:srgbClr val="0070C0"/>
                         </a:solidFill>
                         <a:effectLst/>
-                        <a:latin typeface="Tahoma" panose="020B0604030504040204" pitchFamily="34" charset="0"/>
+                        <a:latin typeface="Calibri" panose="020F0502020204030204" pitchFamily="34" charset="0"/>
                       </a:endParaRPr>
                     </a:p>
                   </a:txBody>
@@ -22947,19 +22652,29 @@
                     </a:lnB>
                   </a:tcPr>
                 </a:tc>
+                <a:extLst>
+                  <a:ext uri="{0D108BD9-81ED-4DB2-BD59-A6C34878D82A}">
+                    <a16:rowId xmlns:a16="http://schemas.microsoft.com/office/drawing/2014/main" val="2905016363"/>
+                  </a:ext>
+                </a:extLst>
+              </a:tr>
+              <a:tr h="193452">
                 <a:tc>
                   <a:txBody>
                     <a:bodyPr/>
                     <a:lstStyle/>
                     <a:p>
                       <a:pPr algn="ctr" rtl="0" fontAlgn="b"/>
-                      <a:endParaRPr lang="nl-BE" sz="1600" b="0" i="0" u="none" strike="noStrike" dirty="0">
-                        <a:solidFill>
-                          <a:srgbClr val="000000"/>
-                        </a:solidFill>
-                        <a:effectLst/>
-                        <a:latin typeface="Tahoma" panose="020B0604030504040204" pitchFamily="34" charset="0"/>
-                      </a:endParaRPr>
+                      <a:r>
+                        <a:rPr lang="nl-BE" sz="1600" b="1" i="0" u="none" strike="noStrike">
+                          <a:solidFill>
+                            <a:srgbClr val="000000"/>
+                          </a:solidFill>
+                          <a:effectLst/>
+                          <a:latin typeface="Calibri" panose="020F0502020204030204" pitchFamily="34" charset="0"/>
+                        </a:rPr>
+                        <a:t>ASO</a:t>
+                      </a:r>
                     </a:p>
                   </a:txBody>
                   <a:tcPr marL="9525" marR="9525" marT="9525" marB="0" anchor="b">
@@ -23117,7 +22832,7 @@
                       <a:pPr algn="ctr" rtl="0" fontAlgn="b"/>
                       <a:endParaRPr lang="nl-BE" sz="1600" b="0" i="0" u="none" strike="noStrike" dirty="0">
                         <a:solidFill>
-                          <a:srgbClr val="4F81BD"/>
+                          <a:srgbClr val="000000"/>
                         </a:solidFill>
                         <a:effectLst/>
                         <a:latin typeface="Tahoma" panose="020B0604030504040204" pitchFamily="34" charset="0"/>
@@ -23163,29 +22878,19 @@
                     </a:lnB>
                   </a:tcPr>
                 </a:tc>
-                <a:extLst>
-                  <a:ext uri="{0D108BD9-81ED-4DB2-BD59-A6C34878D82A}">
-                    <a16:rowId xmlns:a16="http://schemas.microsoft.com/office/drawing/2014/main" val="3500620213"/>
-                  </a:ext>
-                </a:extLst>
-              </a:tr>
-              <a:tr h="427923">
                 <a:tc>
                   <a:txBody>
                     <a:bodyPr/>
                     <a:lstStyle/>
                     <a:p>
                       <a:pPr algn="ctr" rtl="0" fontAlgn="b"/>
-                      <a:r>
-                        <a:rPr lang="nl-BE" sz="1600" b="1" i="0" u="none" strike="noStrike">
-                          <a:solidFill>
-                            <a:srgbClr val="000000"/>
-                          </a:solidFill>
-                          <a:effectLst/>
-                          <a:latin typeface="Calibri" panose="020F0502020204030204" pitchFamily="34" charset="0"/>
-                        </a:rPr>
-                        <a:t>TSO</a:t>
-                      </a:r>
+                      <a:endParaRPr lang="nl-BE" sz="1600" b="0" i="0" u="none" strike="noStrike" dirty="0">
+                        <a:solidFill>
+                          <a:srgbClr val="000000"/>
+                        </a:solidFill>
+                        <a:effectLst/>
+                        <a:latin typeface="Tahoma" panose="020B0604030504040204" pitchFamily="34" charset="0"/>
+                      </a:endParaRPr>
                     </a:p>
                   </a:txBody>
                   <a:tcPr marL="9525" marR="9525" marT="9525" marB="0" anchor="b">
@@ -23235,7 +22940,7 @@
                       <a:pPr algn="ctr" rtl="0" fontAlgn="b"/>
                       <a:endParaRPr lang="nl-BE" sz="1600" b="0" i="0" u="none" strike="noStrike" dirty="0">
                         <a:solidFill>
-                          <a:srgbClr val="000000"/>
+                          <a:srgbClr val="4F81BD"/>
                         </a:solidFill>
                         <a:effectLst/>
                         <a:latin typeface="Tahoma" panose="020B0604030504040204" pitchFamily="34" charset="0"/>
@@ -23281,19 +22986,29 @@
                     </a:lnB>
                   </a:tcPr>
                 </a:tc>
+                <a:extLst>
+                  <a:ext uri="{0D108BD9-81ED-4DB2-BD59-A6C34878D82A}">
+                    <a16:rowId xmlns:a16="http://schemas.microsoft.com/office/drawing/2014/main" val="3500620213"/>
+                  </a:ext>
+                </a:extLst>
+              </a:tr>
+              <a:tr h="309872">
                 <a:tc>
                   <a:txBody>
                     <a:bodyPr/>
                     <a:lstStyle/>
                     <a:p>
                       <a:pPr algn="ctr" rtl="0" fontAlgn="b"/>
-                      <a:endParaRPr lang="nl-BE" sz="1600" b="0" i="0" u="none" strike="noStrike" dirty="0">
-                        <a:solidFill>
-                          <a:srgbClr val="000000"/>
-                        </a:solidFill>
-                        <a:effectLst/>
-                        <a:latin typeface="Tahoma" panose="020B0604030504040204" pitchFamily="34" charset="0"/>
-                      </a:endParaRPr>
+                      <a:r>
+                        <a:rPr lang="nl-BE" sz="1600" b="1" i="0" u="none" strike="noStrike">
+                          <a:solidFill>
+                            <a:srgbClr val="000000"/>
+                          </a:solidFill>
+                          <a:effectLst/>
+                          <a:latin typeface="Calibri" panose="020F0502020204030204" pitchFamily="34" charset="0"/>
+                        </a:rPr>
+                        <a:t>TSO</a:t>
+                      </a:r>
                     </a:p>
                   </a:txBody>
                   <a:tcPr marL="9525" marR="9525" marT="9525" marB="0" anchor="b">
@@ -23451,7 +23166,7 @@
                       <a:pPr algn="ctr" rtl="0" fontAlgn="b"/>
                       <a:endParaRPr lang="nl-BE" sz="1600" b="0" i="0" u="none" strike="noStrike" dirty="0">
                         <a:solidFill>
-                          <a:srgbClr val="4F81BD"/>
+                          <a:srgbClr val="000000"/>
                         </a:solidFill>
                         <a:effectLst/>
                         <a:latin typeface="Tahoma" panose="020B0604030504040204" pitchFamily="34" charset="0"/>
@@ -23497,13 +23212,121 @@
                     </a:lnB>
                   </a:tcPr>
                 </a:tc>
+                <a:tc>
+                  <a:txBody>
+                    <a:bodyPr/>
+                    <a:lstStyle/>
+                    <a:p>
+                      <a:pPr algn="ctr" rtl="0" fontAlgn="b"/>
+                      <a:endParaRPr lang="nl-BE" sz="1600" b="0" i="0" u="none" strike="noStrike" dirty="0">
+                        <a:solidFill>
+                          <a:srgbClr val="000000"/>
+                        </a:solidFill>
+                        <a:effectLst/>
+                        <a:latin typeface="Tahoma" panose="020B0604030504040204" pitchFamily="34" charset="0"/>
+                      </a:endParaRPr>
+                    </a:p>
+                  </a:txBody>
+                  <a:tcPr marL="9525" marR="9525" marT="9525" marB="0" anchor="b">
+                    <a:lnL w="12700" cap="flat" cmpd="sng" algn="ctr">
+                      <a:solidFill>
+                        <a:srgbClr val="000000"/>
+                      </a:solidFill>
+                      <a:prstDash val="solid"/>
+                      <a:round/>
+                      <a:headEnd type="none" w="med" len="med"/>
+                      <a:tailEnd type="none" w="med" len="med"/>
+                    </a:lnL>
+                    <a:lnR w="12700" cap="flat" cmpd="sng" algn="ctr">
+                      <a:solidFill>
+                        <a:srgbClr val="000000"/>
+                      </a:solidFill>
+                      <a:prstDash val="solid"/>
+                      <a:round/>
+                      <a:headEnd type="none" w="med" len="med"/>
+                      <a:tailEnd type="none" w="med" len="med"/>
+                    </a:lnR>
+                    <a:lnT w="12700" cap="flat" cmpd="sng" algn="ctr">
+                      <a:solidFill>
+                        <a:srgbClr val="000000"/>
+                      </a:solidFill>
+                      <a:prstDash val="solid"/>
+                      <a:round/>
+                      <a:headEnd type="none" w="med" len="med"/>
+                      <a:tailEnd type="none" w="med" len="med"/>
+                    </a:lnT>
+                    <a:lnB w="12700" cap="flat" cmpd="sng" algn="ctr">
+                      <a:solidFill>
+                        <a:srgbClr val="000000"/>
+                      </a:solidFill>
+                      <a:prstDash val="solid"/>
+                      <a:round/>
+                      <a:headEnd type="none" w="med" len="med"/>
+                      <a:tailEnd type="none" w="med" len="med"/>
+                    </a:lnB>
+                  </a:tcPr>
+                </a:tc>
+                <a:tc>
+                  <a:txBody>
+                    <a:bodyPr/>
+                    <a:lstStyle/>
+                    <a:p>
+                      <a:pPr algn="ctr" rtl="0" fontAlgn="b"/>
+                      <a:endParaRPr lang="nl-BE" sz="1600" b="0" i="0" u="none" strike="noStrike" dirty="0">
+                        <a:solidFill>
+                          <a:srgbClr val="4F81BD"/>
+                        </a:solidFill>
+                        <a:effectLst/>
+                        <a:latin typeface="Tahoma" panose="020B0604030504040204" pitchFamily="34" charset="0"/>
+                      </a:endParaRPr>
+                    </a:p>
+                  </a:txBody>
+                  <a:tcPr marL="9525" marR="9525" marT="9525" marB="0" anchor="b">
+                    <a:lnL w="12700" cap="flat" cmpd="sng" algn="ctr">
+                      <a:solidFill>
+                        <a:srgbClr val="000000"/>
+                      </a:solidFill>
+                      <a:prstDash val="solid"/>
+                      <a:round/>
+                      <a:headEnd type="none" w="med" len="med"/>
+                      <a:tailEnd type="none" w="med" len="med"/>
+                    </a:lnL>
+                    <a:lnR w="12700" cap="flat" cmpd="sng" algn="ctr">
+                      <a:solidFill>
+                        <a:srgbClr val="000000"/>
+                      </a:solidFill>
+                      <a:prstDash val="solid"/>
+                      <a:round/>
+                      <a:headEnd type="none" w="med" len="med"/>
+                      <a:tailEnd type="none" w="med" len="med"/>
+                    </a:lnR>
+                    <a:lnT w="12700" cap="flat" cmpd="sng" algn="ctr">
+                      <a:solidFill>
+                        <a:srgbClr val="000000"/>
+                      </a:solidFill>
+                      <a:prstDash val="solid"/>
+                      <a:round/>
+                      <a:headEnd type="none" w="med" len="med"/>
+                      <a:tailEnd type="none" w="med" len="med"/>
+                    </a:lnT>
+                    <a:lnB w="12700" cap="flat" cmpd="sng" algn="ctr">
+                      <a:solidFill>
+                        <a:srgbClr val="000000"/>
+                      </a:solidFill>
+                      <a:prstDash val="solid"/>
+                      <a:round/>
+                      <a:headEnd type="none" w="med" len="med"/>
+                      <a:tailEnd type="none" w="med" len="med"/>
+                    </a:lnB>
+                  </a:tcPr>
+                </a:tc>
                 <a:extLst>
                   <a:ext uri="{0D108BD9-81ED-4DB2-BD59-A6C34878D82A}">
                     <a16:rowId xmlns:a16="http://schemas.microsoft.com/office/drawing/2014/main" val="534592105"/>
                   </a:ext>
                 </a:extLst>
               </a:tr>
-              <a:tr h="434836">
+              <a:tr h="288032">
                 <a:tc>
                   <a:txBody>
                     <a:bodyPr/>
